--- a/public/exams/ppt.pptx
+++ b/public/exams/ppt.pptx
@@ -4,10 +4,24 @@
   <p:sldMasterIdLst>
     <p:sldMasterId id="2147483648" r:id="rId1"/>
   </p:sldMasterIdLst>
+  <p:notesMasterIdLst>
+    <p:notesMasterId r:id="rId14"/>
+  </p:notesMasterIdLst>
   <p:sldIdLst>
     <p:sldId id="256" r:id="rId2"/>
+    <p:sldId id="257" r:id="rId3"/>
+    <p:sldId id="258" r:id="rId4"/>
+    <p:sldId id="259" r:id="rId5"/>
+    <p:sldId id="260" r:id="rId6"/>
+    <p:sldId id="264" r:id="rId7"/>
+    <p:sldId id="266" r:id="rId8"/>
+    <p:sldId id="265" r:id="rId9"/>
+    <p:sldId id="261" r:id="rId10"/>
+    <p:sldId id="262" r:id="rId11"/>
+    <p:sldId id="263" r:id="rId12"/>
+    <p:sldId id="267" r:id="rId13"/>
   </p:sldIdLst>
-  <p:sldSz cx="12192000" cy="6858000"/>
+  <p:sldSz cx="9144000" cy="6858000" type="screen4x3"/>
   <p:notesSz cx="6858000" cy="9144000"/>
   <p:defaultTextStyle>
     <a:defPPr>
@@ -107,6 +121,443 @@
 </p:presentation>
 </file>
 
+<file path=ppt/notesMasters/notesMaster1.xml><?xml version="1.0" encoding="utf-8"?>
+<p:notesMaster xmlns:a="http://schemas.openxmlformats.org/drawingml/2006/main" xmlns:r="http://schemas.openxmlformats.org/officeDocument/2006/relationships" xmlns:p="http://schemas.openxmlformats.org/presentationml/2006/main">
+  <p:cSld>
+    <p:bg>
+      <p:bgRef idx="1001">
+        <a:schemeClr val="bg1"/>
+      </p:bgRef>
+    </p:bg>
+    <p:spTree>
+      <p:nvGrpSpPr>
+        <p:cNvPr id="1" name=""/>
+        <p:cNvGrpSpPr/>
+        <p:nvPr/>
+      </p:nvGrpSpPr>
+      <p:grpSpPr>
+        <a:xfrm>
+          <a:off x="0" y="0"/>
+          <a:ext cx="0" cy="0"/>
+          <a:chOff x="0" y="0"/>
+          <a:chExt cx="0" cy="0"/>
+        </a:xfrm>
+      </p:grpSpPr>
+      <p:sp>
+        <p:nvSpPr>
+          <p:cNvPr id="2" name="Header Placeholder 1"/>
+          <p:cNvSpPr>
+            <a:spLocks noGrp="1"/>
+          </p:cNvSpPr>
+          <p:nvPr>
+            <p:ph type="hdr" sz="quarter"/>
+          </p:nvPr>
+        </p:nvSpPr>
+        <p:spPr>
+          <a:xfrm>
+            <a:off x="0" y="0"/>
+            <a:ext cx="2971800" cy="457200"/>
+          </a:xfrm>
+          <a:prstGeom prst="rect">
+            <a:avLst/>
+          </a:prstGeom>
+        </p:spPr>
+        <p:txBody>
+          <a:bodyPr vert="horz" lIns="91440" tIns="45720" rIns="91440" bIns="45720" rtlCol="0"/>
+          <a:lstStyle>
+            <a:lvl1pPr algn="l">
+              <a:defRPr sz="1200"/>
+            </a:lvl1pPr>
+          </a:lstStyle>
+          <a:p>
+            <a:endParaRPr lang="en-US"/>
+          </a:p>
+        </p:txBody>
+      </p:sp>
+      <p:sp>
+        <p:nvSpPr>
+          <p:cNvPr id="3" name="Date Placeholder 2"/>
+          <p:cNvSpPr>
+            <a:spLocks noGrp="1"/>
+          </p:cNvSpPr>
+          <p:nvPr>
+            <p:ph type="dt" idx="1"/>
+          </p:nvPr>
+        </p:nvSpPr>
+        <p:spPr>
+          <a:xfrm>
+            <a:off x="3884613" y="0"/>
+            <a:ext cx="2971800" cy="457200"/>
+          </a:xfrm>
+          <a:prstGeom prst="rect">
+            <a:avLst/>
+          </a:prstGeom>
+        </p:spPr>
+        <p:txBody>
+          <a:bodyPr vert="horz" lIns="91440" tIns="45720" rIns="91440" bIns="45720" rtlCol="0"/>
+          <a:lstStyle>
+            <a:lvl1pPr algn="r">
+              <a:defRPr sz="1200"/>
+            </a:lvl1pPr>
+          </a:lstStyle>
+          <a:p>
+            <a:fld id="{A1C0F9AC-3846-4DA5-BE64-693D5525216C}" type="datetimeFigureOut">
+              <a:rPr lang="en-US" smtClean="0"/>
+              <a:pPr/>
+              <a:t>9/13/2013</a:t>
+            </a:fld>
+            <a:endParaRPr lang="en-US"/>
+          </a:p>
+        </p:txBody>
+      </p:sp>
+      <p:sp>
+        <p:nvSpPr>
+          <p:cNvPr id="4" name="Slide Image Placeholder 3"/>
+          <p:cNvSpPr>
+            <a:spLocks noGrp="1" noRot="1" noChangeAspect="1"/>
+          </p:cNvSpPr>
+          <p:nvPr>
+            <p:ph type="sldImg" idx="2"/>
+          </p:nvPr>
+        </p:nvSpPr>
+        <p:spPr>
+          <a:xfrm>
+            <a:off x="1143000" y="685800"/>
+            <a:ext cx="4572000" cy="3429000"/>
+          </a:xfrm>
+          <a:prstGeom prst="rect">
+            <a:avLst/>
+          </a:prstGeom>
+          <a:noFill/>
+          <a:ln w="12700">
+            <a:solidFill>
+              <a:prstClr val="black"/>
+            </a:solidFill>
+          </a:ln>
+        </p:spPr>
+        <p:txBody>
+          <a:bodyPr vert="horz" lIns="91440" tIns="45720" rIns="91440" bIns="45720" rtlCol="0" anchor="ctr"/>
+          <a:lstStyle/>
+          <a:p>
+            <a:endParaRPr lang="en-US"/>
+          </a:p>
+        </p:txBody>
+      </p:sp>
+      <p:sp>
+        <p:nvSpPr>
+          <p:cNvPr id="5" name="Notes Placeholder 4"/>
+          <p:cNvSpPr>
+            <a:spLocks noGrp="1"/>
+          </p:cNvSpPr>
+          <p:nvPr>
+            <p:ph type="body" sz="quarter" idx="3"/>
+          </p:nvPr>
+        </p:nvSpPr>
+        <p:spPr>
+          <a:xfrm>
+            <a:off x="685800" y="4343400"/>
+            <a:ext cx="5486400" cy="4114800"/>
+          </a:xfrm>
+          <a:prstGeom prst="rect">
+            <a:avLst/>
+          </a:prstGeom>
+        </p:spPr>
+        <p:txBody>
+          <a:bodyPr vert="horz" lIns="91440" tIns="45720" rIns="91440" bIns="45720" rtlCol="0"/>
+          <a:lstStyle/>
+          <a:p>
+            <a:pPr lvl="0"/>
+            <a:r>
+              <a:rPr lang="en-US" smtClean="0"/>
+              <a:t>Click to edit Master text styles</a:t>
+            </a:r>
+          </a:p>
+          <a:p>
+            <a:pPr lvl="1"/>
+            <a:r>
+              <a:rPr lang="en-US" smtClean="0"/>
+              <a:t>Second level</a:t>
+            </a:r>
+          </a:p>
+          <a:p>
+            <a:pPr lvl="2"/>
+            <a:r>
+              <a:rPr lang="en-US" smtClean="0"/>
+              <a:t>Third level</a:t>
+            </a:r>
+          </a:p>
+          <a:p>
+            <a:pPr lvl="3"/>
+            <a:r>
+              <a:rPr lang="en-US" smtClean="0"/>
+              <a:t>Fourth level</a:t>
+            </a:r>
+          </a:p>
+          <a:p>
+            <a:pPr lvl="4"/>
+            <a:r>
+              <a:rPr lang="en-US" smtClean="0"/>
+              <a:t>Fifth level</a:t>
+            </a:r>
+            <a:endParaRPr lang="en-US"/>
+          </a:p>
+        </p:txBody>
+      </p:sp>
+      <p:sp>
+        <p:nvSpPr>
+          <p:cNvPr id="6" name="Footer Placeholder 5"/>
+          <p:cNvSpPr>
+            <a:spLocks noGrp="1"/>
+          </p:cNvSpPr>
+          <p:nvPr>
+            <p:ph type="ftr" sz="quarter" idx="4"/>
+          </p:nvPr>
+        </p:nvSpPr>
+        <p:spPr>
+          <a:xfrm>
+            <a:off x="0" y="8685213"/>
+            <a:ext cx="2971800" cy="457200"/>
+          </a:xfrm>
+          <a:prstGeom prst="rect">
+            <a:avLst/>
+          </a:prstGeom>
+        </p:spPr>
+        <p:txBody>
+          <a:bodyPr vert="horz" lIns="91440" tIns="45720" rIns="91440" bIns="45720" rtlCol="0" anchor="b"/>
+          <a:lstStyle>
+            <a:lvl1pPr algn="l">
+              <a:defRPr sz="1200"/>
+            </a:lvl1pPr>
+          </a:lstStyle>
+          <a:p>
+            <a:endParaRPr lang="en-US"/>
+          </a:p>
+        </p:txBody>
+      </p:sp>
+      <p:sp>
+        <p:nvSpPr>
+          <p:cNvPr id="7" name="Slide Number Placeholder 6"/>
+          <p:cNvSpPr>
+            <a:spLocks noGrp="1"/>
+          </p:cNvSpPr>
+          <p:nvPr>
+            <p:ph type="sldNum" sz="quarter" idx="5"/>
+          </p:nvPr>
+        </p:nvSpPr>
+        <p:spPr>
+          <a:xfrm>
+            <a:off x="3884613" y="8685213"/>
+            <a:ext cx="2971800" cy="457200"/>
+          </a:xfrm>
+          <a:prstGeom prst="rect">
+            <a:avLst/>
+          </a:prstGeom>
+        </p:spPr>
+        <p:txBody>
+          <a:bodyPr vert="horz" lIns="91440" tIns="45720" rIns="91440" bIns="45720" rtlCol="0" anchor="b"/>
+          <a:lstStyle>
+            <a:lvl1pPr algn="r">
+              <a:defRPr sz="1200"/>
+            </a:lvl1pPr>
+          </a:lstStyle>
+          <a:p>
+            <a:fld id="{E01F44E4-1EB7-43D2-B327-1ADA1361EE32}" type="slidenum">
+              <a:rPr lang="en-US" smtClean="0"/>
+              <a:pPr/>
+              <a:t>‹#›</a:t>
+            </a:fld>
+            <a:endParaRPr lang="en-US"/>
+          </a:p>
+        </p:txBody>
+      </p:sp>
+    </p:spTree>
+    <p:extLst>
+      <p:ext uri="{BB962C8B-B14F-4D97-AF65-F5344CB8AC3E}">
+        <p14:creationId xmlns:p14="http://schemas.microsoft.com/office/powerpoint/2010/main" xmlns="" val="2173967083"/>
+      </p:ext>
+    </p:extLst>
+  </p:cSld>
+  <p:clrMap bg1="lt1" tx1="dk1" bg2="lt2" tx2="dk2" accent1="accent1" accent2="accent2" accent3="accent3" accent4="accent4" accent5="accent5" accent6="accent6" hlink="hlink" folHlink="folHlink"/>
+  <p:notesStyle>
+    <a:lvl1pPr marL="0" algn="l" defTabSz="914400" rtl="0" eaLnBrk="1" latinLnBrk="0" hangingPunct="1">
+      <a:defRPr sz="1200" kern="1200">
+        <a:solidFill>
+          <a:schemeClr val="tx1"/>
+        </a:solidFill>
+        <a:latin typeface="+mn-lt"/>
+        <a:ea typeface="+mn-ea"/>
+        <a:cs typeface="+mn-cs"/>
+      </a:defRPr>
+    </a:lvl1pPr>
+    <a:lvl2pPr marL="457200" algn="l" defTabSz="914400" rtl="0" eaLnBrk="1" latinLnBrk="0" hangingPunct="1">
+      <a:defRPr sz="1200" kern="1200">
+        <a:solidFill>
+          <a:schemeClr val="tx1"/>
+        </a:solidFill>
+        <a:latin typeface="+mn-lt"/>
+        <a:ea typeface="+mn-ea"/>
+        <a:cs typeface="+mn-cs"/>
+      </a:defRPr>
+    </a:lvl2pPr>
+    <a:lvl3pPr marL="914400" algn="l" defTabSz="914400" rtl="0" eaLnBrk="1" latinLnBrk="0" hangingPunct="1">
+      <a:defRPr sz="1200" kern="1200">
+        <a:solidFill>
+          <a:schemeClr val="tx1"/>
+        </a:solidFill>
+        <a:latin typeface="+mn-lt"/>
+        <a:ea typeface="+mn-ea"/>
+        <a:cs typeface="+mn-cs"/>
+      </a:defRPr>
+    </a:lvl3pPr>
+    <a:lvl4pPr marL="1371600" algn="l" defTabSz="914400" rtl="0" eaLnBrk="1" latinLnBrk="0" hangingPunct="1">
+      <a:defRPr sz="1200" kern="1200">
+        <a:solidFill>
+          <a:schemeClr val="tx1"/>
+        </a:solidFill>
+        <a:latin typeface="+mn-lt"/>
+        <a:ea typeface="+mn-ea"/>
+        <a:cs typeface="+mn-cs"/>
+      </a:defRPr>
+    </a:lvl4pPr>
+    <a:lvl5pPr marL="1828800" algn="l" defTabSz="914400" rtl="0" eaLnBrk="1" latinLnBrk="0" hangingPunct="1">
+      <a:defRPr sz="1200" kern="1200">
+        <a:solidFill>
+          <a:schemeClr val="tx1"/>
+        </a:solidFill>
+        <a:latin typeface="+mn-lt"/>
+        <a:ea typeface="+mn-ea"/>
+        <a:cs typeface="+mn-cs"/>
+      </a:defRPr>
+    </a:lvl5pPr>
+    <a:lvl6pPr marL="2286000" algn="l" defTabSz="914400" rtl="0" eaLnBrk="1" latinLnBrk="0" hangingPunct="1">
+      <a:defRPr sz="1200" kern="1200">
+        <a:solidFill>
+          <a:schemeClr val="tx1"/>
+        </a:solidFill>
+        <a:latin typeface="+mn-lt"/>
+        <a:ea typeface="+mn-ea"/>
+        <a:cs typeface="+mn-cs"/>
+      </a:defRPr>
+    </a:lvl6pPr>
+    <a:lvl7pPr marL="2743200" algn="l" defTabSz="914400" rtl="0" eaLnBrk="1" latinLnBrk="0" hangingPunct="1">
+      <a:defRPr sz="1200" kern="1200">
+        <a:solidFill>
+          <a:schemeClr val="tx1"/>
+        </a:solidFill>
+        <a:latin typeface="+mn-lt"/>
+        <a:ea typeface="+mn-ea"/>
+        <a:cs typeface="+mn-cs"/>
+      </a:defRPr>
+    </a:lvl7pPr>
+    <a:lvl8pPr marL="3200400" algn="l" defTabSz="914400" rtl="0" eaLnBrk="1" latinLnBrk="0" hangingPunct="1">
+      <a:defRPr sz="1200" kern="1200">
+        <a:solidFill>
+          <a:schemeClr val="tx1"/>
+        </a:solidFill>
+        <a:latin typeface="+mn-lt"/>
+        <a:ea typeface="+mn-ea"/>
+        <a:cs typeface="+mn-cs"/>
+      </a:defRPr>
+    </a:lvl8pPr>
+    <a:lvl9pPr marL="3657600" algn="l" defTabSz="914400" rtl="0" eaLnBrk="1" latinLnBrk="0" hangingPunct="1">
+      <a:defRPr sz="1200" kern="1200">
+        <a:solidFill>
+          <a:schemeClr val="tx1"/>
+        </a:solidFill>
+        <a:latin typeface="+mn-lt"/>
+        <a:ea typeface="+mn-ea"/>
+        <a:cs typeface="+mn-cs"/>
+      </a:defRPr>
+    </a:lvl9pPr>
+  </p:notesStyle>
+</p:notesMaster>
+</file>
+
+<file path=ppt/notesSlides/notesSlide1.xml><?xml version="1.0" encoding="utf-8"?>
+<p:notes xmlns:a="http://schemas.openxmlformats.org/drawingml/2006/main" xmlns:r="http://schemas.openxmlformats.org/officeDocument/2006/relationships" xmlns:p="http://schemas.openxmlformats.org/presentationml/2006/main">
+  <p:cSld>
+    <p:spTree>
+      <p:nvGrpSpPr>
+        <p:cNvPr id="1" name=""/>
+        <p:cNvGrpSpPr/>
+        <p:nvPr/>
+      </p:nvGrpSpPr>
+      <p:grpSpPr>
+        <a:xfrm>
+          <a:off x="0" y="0"/>
+          <a:ext cx="0" cy="0"/>
+          <a:chOff x="0" y="0"/>
+          <a:chExt cx="0" cy="0"/>
+        </a:xfrm>
+      </p:grpSpPr>
+      <p:sp>
+        <p:nvSpPr>
+          <p:cNvPr id="2" name="Slide Image Placeholder 1"/>
+          <p:cNvSpPr>
+            <a:spLocks noGrp="1" noRot="1" noChangeAspect="1"/>
+          </p:cNvSpPr>
+          <p:nvPr>
+            <p:ph type="sldImg"/>
+          </p:nvPr>
+        </p:nvSpPr>
+        <p:spPr/>
+      </p:sp>
+      <p:sp>
+        <p:nvSpPr>
+          <p:cNvPr id="3" name="Notes Placeholder 2"/>
+          <p:cNvSpPr>
+            <a:spLocks noGrp="1"/>
+          </p:cNvSpPr>
+          <p:nvPr>
+            <p:ph type="body" idx="1"/>
+          </p:nvPr>
+        </p:nvSpPr>
+        <p:spPr/>
+        <p:txBody>
+          <a:bodyPr/>
+          <a:lstStyle/>
+          <a:p>
+            <a:endParaRPr lang="en-US" dirty="0"/>
+          </a:p>
+        </p:txBody>
+      </p:sp>
+      <p:sp>
+        <p:nvSpPr>
+          <p:cNvPr id="4" name="Slide Number Placeholder 3"/>
+          <p:cNvSpPr>
+            <a:spLocks noGrp="1"/>
+          </p:cNvSpPr>
+          <p:nvPr>
+            <p:ph type="sldNum" sz="quarter" idx="10"/>
+          </p:nvPr>
+        </p:nvSpPr>
+        <p:spPr/>
+        <p:txBody>
+          <a:bodyPr/>
+          <a:lstStyle/>
+          <a:p>
+            <a:fld id="{E01F44E4-1EB7-43D2-B327-1ADA1361EE32}" type="slidenum">
+              <a:rPr lang="en-US" smtClean="0"/>
+              <a:pPr/>
+              <a:t>9</a:t>
+            </a:fld>
+            <a:endParaRPr lang="en-US"/>
+          </a:p>
+        </p:txBody>
+      </p:sp>
+    </p:spTree>
+    <p:extLst>
+      <p:ext uri="{BB962C8B-B14F-4D97-AF65-F5344CB8AC3E}">
+        <p14:creationId xmlns:p14="http://schemas.microsoft.com/office/powerpoint/2010/main" xmlns="" val="2366545249"/>
+      </p:ext>
+    </p:extLst>
+  </p:cSld>
+  <p:clrMapOvr>
+    <a:masterClrMapping/>
+  </p:clrMapOvr>
+</p:notes>
+</file>
+
 <file path=ppt/slideLayouts/slideLayout1.xml><?xml version="1.0" encoding="utf-8"?>
 <p:sldLayout xmlns:a="http://schemas.openxmlformats.org/drawingml/2006/main" xmlns:r="http://schemas.openxmlformats.org/officeDocument/2006/relationships" xmlns:p="http://schemas.openxmlformats.org/presentationml/2006/main" type="title" preserve="1">
   <p:cSld name="Title Slide">
@@ -126,13 +577,7 @@
       </p:grpSpPr>
       <p:sp>
         <p:nvSpPr>
-          <p:cNvPr id="2" name="Title 1">
-            <a:extLst>
-              <a:ext uri="{FF2B5EF4-FFF2-40B4-BE49-F238E27FC236}">
-                <a16:creationId xmlns:a16="http://schemas.microsoft.com/office/drawing/2014/main" id="{AB24FF39-A39F-0CF8-39A3-185601F5C971}"/>
-              </a:ext>
-            </a:extLst>
-          </p:cNvPr>
+          <p:cNvPr id="2" name="Title 1"/>
           <p:cNvSpPr>
             <a:spLocks noGrp="1"/>
           </p:cNvSpPr>
@@ -142,35 +587,25 @@
         </p:nvSpPr>
         <p:spPr>
           <a:xfrm>
-            <a:off x="1524000" y="1122363"/>
-            <a:ext cx="9144000" cy="2387600"/>
+            <a:off x="685800" y="2130425"/>
+            <a:ext cx="7772400" cy="1470025"/>
           </a:xfrm>
         </p:spPr>
         <p:txBody>
-          <a:bodyPr anchor="b"/>
-          <a:lstStyle>
-            <a:lvl1pPr algn="ctr">
-              <a:defRPr sz="6000"/>
-            </a:lvl1pPr>
-          </a:lstStyle>
-          <a:p>
-            <a:r>
-              <a:rPr lang="en-US"/>
+          <a:bodyPr/>
+          <a:lstStyle/>
+          <a:p>
+            <a:r>
+              <a:rPr lang="en-US" smtClean="0"/>
               <a:t>Click to edit Master title style</a:t>
             </a:r>
-            <a:endParaRPr lang="en-PH"/>
-          </a:p>
-        </p:txBody>
-      </p:sp>
-      <p:sp>
-        <p:nvSpPr>
-          <p:cNvPr id="3" name="Subtitle 2">
-            <a:extLst>
-              <a:ext uri="{FF2B5EF4-FFF2-40B4-BE49-F238E27FC236}">
-                <a16:creationId xmlns:a16="http://schemas.microsoft.com/office/drawing/2014/main" id="{1CB075F0-3E20-CD08-B8ED-44274869C1F9}"/>
-              </a:ext>
-            </a:extLst>
-          </p:cNvPr>
+            <a:endParaRPr lang="en-US"/>
+          </a:p>
+        </p:txBody>
+      </p:sp>
+      <p:sp>
+        <p:nvSpPr>
+          <p:cNvPr id="3" name="Subtitle 2"/>
           <p:cNvSpPr>
             <a:spLocks noGrp="1"/>
           </p:cNvSpPr>
@@ -180,8 +615,8 @@
         </p:nvSpPr>
         <p:spPr>
           <a:xfrm>
-            <a:off x="1524000" y="3602038"/>
-            <a:ext cx="9144000" cy="1655762"/>
+            <a:off x="1371600" y="3886200"/>
+            <a:ext cx="6400800" cy="1752600"/>
           </a:xfrm>
         </p:spPr>
         <p:txBody>
@@ -189,59 +624,107 @@
           <a:lstStyle>
             <a:lvl1pPr marL="0" indent="0" algn="ctr">
               <a:buNone/>
-              <a:defRPr sz="2400"/>
+              <a:defRPr>
+                <a:solidFill>
+                  <a:schemeClr val="tx1">
+                    <a:tint val="75000"/>
+                  </a:schemeClr>
+                </a:solidFill>
+              </a:defRPr>
             </a:lvl1pPr>
             <a:lvl2pPr marL="457200" indent="0" algn="ctr">
               <a:buNone/>
-              <a:defRPr sz="2000"/>
+              <a:defRPr>
+                <a:solidFill>
+                  <a:schemeClr val="tx1">
+                    <a:tint val="75000"/>
+                  </a:schemeClr>
+                </a:solidFill>
+              </a:defRPr>
             </a:lvl2pPr>
             <a:lvl3pPr marL="914400" indent="0" algn="ctr">
               <a:buNone/>
-              <a:defRPr sz="1800"/>
+              <a:defRPr>
+                <a:solidFill>
+                  <a:schemeClr val="tx1">
+                    <a:tint val="75000"/>
+                  </a:schemeClr>
+                </a:solidFill>
+              </a:defRPr>
             </a:lvl3pPr>
             <a:lvl4pPr marL="1371600" indent="0" algn="ctr">
               <a:buNone/>
-              <a:defRPr sz="1600"/>
+              <a:defRPr>
+                <a:solidFill>
+                  <a:schemeClr val="tx1">
+                    <a:tint val="75000"/>
+                  </a:schemeClr>
+                </a:solidFill>
+              </a:defRPr>
             </a:lvl4pPr>
             <a:lvl5pPr marL="1828800" indent="0" algn="ctr">
               <a:buNone/>
-              <a:defRPr sz="1600"/>
+              <a:defRPr>
+                <a:solidFill>
+                  <a:schemeClr val="tx1">
+                    <a:tint val="75000"/>
+                  </a:schemeClr>
+                </a:solidFill>
+              </a:defRPr>
             </a:lvl5pPr>
             <a:lvl6pPr marL="2286000" indent="0" algn="ctr">
               <a:buNone/>
-              <a:defRPr sz="1600"/>
+              <a:defRPr>
+                <a:solidFill>
+                  <a:schemeClr val="tx1">
+                    <a:tint val="75000"/>
+                  </a:schemeClr>
+                </a:solidFill>
+              </a:defRPr>
             </a:lvl6pPr>
             <a:lvl7pPr marL="2743200" indent="0" algn="ctr">
               <a:buNone/>
-              <a:defRPr sz="1600"/>
+              <a:defRPr>
+                <a:solidFill>
+                  <a:schemeClr val="tx1">
+                    <a:tint val="75000"/>
+                  </a:schemeClr>
+                </a:solidFill>
+              </a:defRPr>
             </a:lvl7pPr>
             <a:lvl8pPr marL="3200400" indent="0" algn="ctr">
               <a:buNone/>
-              <a:defRPr sz="1600"/>
+              <a:defRPr>
+                <a:solidFill>
+                  <a:schemeClr val="tx1">
+                    <a:tint val="75000"/>
+                  </a:schemeClr>
+                </a:solidFill>
+              </a:defRPr>
             </a:lvl8pPr>
             <a:lvl9pPr marL="3657600" indent="0" algn="ctr">
               <a:buNone/>
-              <a:defRPr sz="1600"/>
+              <a:defRPr>
+                <a:solidFill>
+                  <a:schemeClr val="tx1">
+                    <a:tint val="75000"/>
+                  </a:schemeClr>
+                </a:solidFill>
+              </a:defRPr>
             </a:lvl9pPr>
           </a:lstStyle>
           <a:p>
             <a:r>
-              <a:rPr lang="en-US"/>
+              <a:rPr lang="en-US" smtClean="0"/>
               <a:t>Click to edit Master subtitle style</a:t>
             </a:r>
-            <a:endParaRPr lang="en-PH"/>
-          </a:p>
-        </p:txBody>
-      </p:sp>
-      <p:sp>
-        <p:nvSpPr>
-          <p:cNvPr id="4" name="Date Placeholder 3">
-            <a:extLst>
-              <a:ext uri="{FF2B5EF4-FFF2-40B4-BE49-F238E27FC236}">
-                <a16:creationId xmlns:a16="http://schemas.microsoft.com/office/drawing/2014/main" id="{0F888682-ECAD-4A5C-00DB-54A364E97C1D}"/>
-              </a:ext>
-            </a:extLst>
-          </p:cNvPr>
+            <a:endParaRPr lang="en-US"/>
+          </a:p>
+        </p:txBody>
+      </p:sp>
+      <p:sp>
+        <p:nvSpPr>
+          <p:cNvPr id="4" name="Date Placeholder 3"/>
           <p:cNvSpPr>
             <a:spLocks noGrp="1"/>
           </p:cNvSpPr>
@@ -254,23 +737,18 @@
           <a:bodyPr/>
           <a:lstStyle/>
           <a:p>
-            <a:fld id="{5B941302-5FB1-4694-8D7F-2AB316B9A6B3}" type="datetimeFigureOut">
-              <a:rPr lang="en-PH" smtClean="0"/>
-              <a:t>18/03/2024</a:t>
+            <a:fld id="{F54D12FE-5549-4F54-813A-6D360FD17237}" type="datetimeFigureOut">
+              <a:rPr lang="en-US" smtClean="0"/>
+              <a:pPr/>
+              <a:t>9/13/2013</a:t>
             </a:fld>
-            <a:endParaRPr lang="en-PH"/>
-          </a:p>
-        </p:txBody>
-      </p:sp>
-      <p:sp>
-        <p:nvSpPr>
-          <p:cNvPr id="5" name="Footer Placeholder 4">
-            <a:extLst>
-              <a:ext uri="{FF2B5EF4-FFF2-40B4-BE49-F238E27FC236}">
-                <a16:creationId xmlns:a16="http://schemas.microsoft.com/office/drawing/2014/main" id="{9C510B17-134B-9807-F281-6ABEB7095DF4}"/>
-              </a:ext>
-            </a:extLst>
-          </p:cNvPr>
+            <a:endParaRPr lang="en-US"/>
+          </a:p>
+        </p:txBody>
+      </p:sp>
+      <p:sp>
+        <p:nvSpPr>
+          <p:cNvPr id="5" name="Footer Placeholder 4"/>
           <p:cNvSpPr>
             <a:spLocks noGrp="1"/>
           </p:cNvSpPr>
@@ -283,19 +761,13 @@
           <a:bodyPr/>
           <a:lstStyle/>
           <a:p>
-            <a:endParaRPr lang="en-PH"/>
-          </a:p>
-        </p:txBody>
-      </p:sp>
-      <p:sp>
-        <p:nvSpPr>
-          <p:cNvPr id="6" name="Slide Number Placeholder 5">
-            <a:extLst>
-              <a:ext uri="{FF2B5EF4-FFF2-40B4-BE49-F238E27FC236}">
-                <a16:creationId xmlns:a16="http://schemas.microsoft.com/office/drawing/2014/main" id="{B1CF3B8C-D3CC-E657-28EB-7657B4622A52}"/>
-              </a:ext>
-            </a:extLst>
-          </p:cNvPr>
+            <a:endParaRPr lang="en-US"/>
+          </a:p>
+        </p:txBody>
+      </p:sp>
+      <p:sp>
+        <p:nvSpPr>
+          <p:cNvPr id="6" name="Slide Number Placeholder 5"/>
           <p:cNvSpPr>
             <a:spLocks noGrp="1"/>
           </p:cNvSpPr>
@@ -308,18 +780,19 @@
           <a:bodyPr/>
           <a:lstStyle/>
           <a:p>
-            <a:fld id="{2B336E3F-BA3E-42A4-87D7-BFBAD5788151}" type="slidenum">
-              <a:rPr lang="en-PH" smtClean="0"/>
+            <a:fld id="{8E4645C7-0891-489B-BBD7-5B6DFACBD408}" type="slidenum">
+              <a:rPr lang="en-US" smtClean="0"/>
+              <a:pPr/>
               <a:t>‹#›</a:t>
             </a:fld>
-            <a:endParaRPr lang="en-PH"/>
+            <a:endParaRPr lang="en-US"/>
           </a:p>
         </p:txBody>
       </p:sp>
     </p:spTree>
     <p:extLst>
       <p:ext uri="{BB962C8B-B14F-4D97-AF65-F5344CB8AC3E}">
-        <p14:creationId xmlns:p14="http://schemas.microsoft.com/office/powerpoint/2010/main" val="161855615"/>
+        <p14:creationId xmlns:p14="http://schemas.microsoft.com/office/powerpoint/2010/main" xmlns="" val="3239306760"/>
       </p:ext>
     </p:extLst>
   </p:cSld>
@@ -348,13 +821,7 @@
       </p:grpSpPr>
       <p:sp>
         <p:nvSpPr>
-          <p:cNvPr id="2" name="Title 1">
-            <a:extLst>
-              <a:ext uri="{FF2B5EF4-FFF2-40B4-BE49-F238E27FC236}">
-                <a16:creationId xmlns:a16="http://schemas.microsoft.com/office/drawing/2014/main" id="{DB67D031-5D0F-B478-A70B-852450728014}"/>
-              </a:ext>
-            </a:extLst>
-          </p:cNvPr>
+          <p:cNvPr id="2" name="Title 1"/>
           <p:cNvSpPr>
             <a:spLocks noGrp="1"/>
           </p:cNvSpPr>
@@ -368,22 +835,16 @@
           <a:lstStyle/>
           <a:p>
             <a:r>
-              <a:rPr lang="en-US"/>
+              <a:rPr lang="en-US" smtClean="0"/>
               <a:t>Click to edit Master title style</a:t>
             </a:r>
-            <a:endParaRPr lang="en-PH"/>
-          </a:p>
-        </p:txBody>
-      </p:sp>
-      <p:sp>
-        <p:nvSpPr>
-          <p:cNvPr id="3" name="Vertical Text Placeholder 2">
-            <a:extLst>
-              <a:ext uri="{FF2B5EF4-FFF2-40B4-BE49-F238E27FC236}">
-                <a16:creationId xmlns:a16="http://schemas.microsoft.com/office/drawing/2014/main" id="{E69D6397-BC20-7343-07B1-A1F49DD6F889}"/>
-              </a:ext>
-            </a:extLst>
-          </p:cNvPr>
+            <a:endParaRPr lang="en-US"/>
+          </a:p>
+        </p:txBody>
+      </p:sp>
+      <p:sp>
+        <p:nvSpPr>
+          <p:cNvPr id="3" name="Vertical Text Placeholder 2"/>
           <p:cNvSpPr>
             <a:spLocks noGrp="1"/>
           </p:cNvSpPr>
@@ -398,50 +859,44 @@
           <a:p>
             <a:pPr lvl="0"/>
             <a:r>
-              <a:rPr lang="en-US"/>
+              <a:rPr lang="en-US" smtClean="0"/>
               <a:t>Click to edit Master text styles</a:t>
             </a:r>
           </a:p>
           <a:p>
             <a:pPr lvl="1"/>
             <a:r>
-              <a:rPr lang="en-US"/>
+              <a:rPr lang="en-US" smtClean="0"/>
               <a:t>Second level</a:t>
             </a:r>
           </a:p>
           <a:p>
             <a:pPr lvl="2"/>
             <a:r>
-              <a:rPr lang="en-US"/>
+              <a:rPr lang="en-US" smtClean="0"/>
               <a:t>Third level</a:t>
             </a:r>
           </a:p>
           <a:p>
             <a:pPr lvl="3"/>
             <a:r>
-              <a:rPr lang="en-US"/>
+              <a:rPr lang="en-US" smtClean="0"/>
               <a:t>Fourth level</a:t>
             </a:r>
           </a:p>
           <a:p>
             <a:pPr lvl="4"/>
             <a:r>
-              <a:rPr lang="en-US"/>
+              <a:rPr lang="en-US" smtClean="0"/>
               <a:t>Fifth level</a:t>
             </a:r>
-            <a:endParaRPr lang="en-PH"/>
-          </a:p>
-        </p:txBody>
-      </p:sp>
-      <p:sp>
-        <p:nvSpPr>
-          <p:cNvPr id="4" name="Date Placeholder 3">
-            <a:extLst>
-              <a:ext uri="{FF2B5EF4-FFF2-40B4-BE49-F238E27FC236}">
-                <a16:creationId xmlns:a16="http://schemas.microsoft.com/office/drawing/2014/main" id="{32F85E06-110C-7935-80E9-391E01F8DBFB}"/>
-              </a:ext>
-            </a:extLst>
-          </p:cNvPr>
+            <a:endParaRPr lang="en-US"/>
+          </a:p>
+        </p:txBody>
+      </p:sp>
+      <p:sp>
+        <p:nvSpPr>
+          <p:cNvPr id="4" name="Date Placeholder 3"/>
           <p:cNvSpPr>
             <a:spLocks noGrp="1"/>
           </p:cNvSpPr>
@@ -454,23 +909,18 @@
           <a:bodyPr/>
           <a:lstStyle/>
           <a:p>
-            <a:fld id="{5B941302-5FB1-4694-8D7F-2AB316B9A6B3}" type="datetimeFigureOut">
-              <a:rPr lang="en-PH" smtClean="0"/>
-              <a:t>18/03/2024</a:t>
+            <a:fld id="{F54D12FE-5549-4F54-813A-6D360FD17237}" type="datetimeFigureOut">
+              <a:rPr lang="en-US" smtClean="0"/>
+              <a:pPr/>
+              <a:t>9/13/2013</a:t>
             </a:fld>
-            <a:endParaRPr lang="en-PH"/>
-          </a:p>
-        </p:txBody>
-      </p:sp>
-      <p:sp>
-        <p:nvSpPr>
-          <p:cNvPr id="5" name="Footer Placeholder 4">
-            <a:extLst>
-              <a:ext uri="{FF2B5EF4-FFF2-40B4-BE49-F238E27FC236}">
-                <a16:creationId xmlns:a16="http://schemas.microsoft.com/office/drawing/2014/main" id="{66198035-FF8D-B3E3-47F2-ECA6F2C69AAD}"/>
-              </a:ext>
-            </a:extLst>
-          </p:cNvPr>
+            <a:endParaRPr lang="en-US"/>
+          </a:p>
+        </p:txBody>
+      </p:sp>
+      <p:sp>
+        <p:nvSpPr>
+          <p:cNvPr id="5" name="Footer Placeholder 4"/>
           <p:cNvSpPr>
             <a:spLocks noGrp="1"/>
           </p:cNvSpPr>
@@ -483,19 +933,13 @@
           <a:bodyPr/>
           <a:lstStyle/>
           <a:p>
-            <a:endParaRPr lang="en-PH"/>
-          </a:p>
-        </p:txBody>
-      </p:sp>
-      <p:sp>
-        <p:nvSpPr>
-          <p:cNvPr id="6" name="Slide Number Placeholder 5">
-            <a:extLst>
-              <a:ext uri="{FF2B5EF4-FFF2-40B4-BE49-F238E27FC236}">
-                <a16:creationId xmlns:a16="http://schemas.microsoft.com/office/drawing/2014/main" id="{196E6A2D-EDAD-6459-CCB7-3B4519CD078A}"/>
-              </a:ext>
-            </a:extLst>
-          </p:cNvPr>
+            <a:endParaRPr lang="en-US"/>
+          </a:p>
+        </p:txBody>
+      </p:sp>
+      <p:sp>
+        <p:nvSpPr>
+          <p:cNvPr id="6" name="Slide Number Placeholder 5"/>
           <p:cNvSpPr>
             <a:spLocks noGrp="1"/>
           </p:cNvSpPr>
@@ -508,18 +952,19 @@
           <a:bodyPr/>
           <a:lstStyle/>
           <a:p>
-            <a:fld id="{2B336E3F-BA3E-42A4-87D7-BFBAD5788151}" type="slidenum">
-              <a:rPr lang="en-PH" smtClean="0"/>
+            <a:fld id="{8E4645C7-0891-489B-BBD7-5B6DFACBD408}" type="slidenum">
+              <a:rPr lang="en-US" smtClean="0"/>
+              <a:pPr/>
               <a:t>‹#›</a:t>
             </a:fld>
-            <a:endParaRPr lang="en-PH"/>
+            <a:endParaRPr lang="en-US"/>
           </a:p>
         </p:txBody>
       </p:sp>
     </p:spTree>
     <p:extLst>
       <p:ext uri="{BB962C8B-B14F-4D97-AF65-F5344CB8AC3E}">
-        <p14:creationId xmlns:p14="http://schemas.microsoft.com/office/powerpoint/2010/main" val="3581357357"/>
+        <p14:creationId xmlns:p14="http://schemas.microsoft.com/office/powerpoint/2010/main" xmlns="" val="2822236226"/>
       </p:ext>
     </p:extLst>
   </p:cSld>
@@ -548,13 +993,7 @@
       </p:grpSpPr>
       <p:sp>
         <p:nvSpPr>
-          <p:cNvPr id="2" name="Vertical Title 1">
-            <a:extLst>
-              <a:ext uri="{FF2B5EF4-FFF2-40B4-BE49-F238E27FC236}">
-                <a16:creationId xmlns:a16="http://schemas.microsoft.com/office/drawing/2014/main" id="{0AB83BC3-B422-EA32-F819-C17BC112D466}"/>
-              </a:ext>
-            </a:extLst>
-          </p:cNvPr>
+          <p:cNvPr id="2" name="Vertical Title 1"/>
           <p:cNvSpPr>
             <a:spLocks noGrp="1"/>
           </p:cNvSpPr>
@@ -564,8 +1003,8 @@
         </p:nvSpPr>
         <p:spPr>
           <a:xfrm>
-            <a:off x="8724900" y="365125"/>
-            <a:ext cx="2628900" cy="5811838"/>
+            <a:off x="6629400" y="274638"/>
+            <a:ext cx="2057400" cy="5851525"/>
           </a:xfrm>
         </p:spPr>
         <p:txBody>
@@ -573,22 +1012,16 @@
           <a:lstStyle/>
           <a:p>
             <a:r>
-              <a:rPr lang="en-US"/>
+              <a:rPr lang="en-US" smtClean="0"/>
               <a:t>Click to edit Master title style</a:t>
             </a:r>
-            <a:endParaRPr lang="en-PH"/>
-          </a:p>
-        </p:txBody>
-      </p:sp>
-      <p:sp>
-        <p:nvSpPr>
-          <p:cNvPr id="3" name="Vertical Text Placeholder 2">
-            <a:extLst>
-              <a:ext uri="{FF2B5EF4-FFF2-40B4-BE49-F238E27FC236}">
-                <a16:creationId xmlns:a16="http://schemas.microsoft.com/office/drawing/2014/main" id="{3ACE638E-5E4C-6072-FD9C-DC8FF53B9C5B}"/>
-              </a:ext>
-            </a:extLst>
-          </p:cNvPr>
+            <a:endParaRPr lang="en-US"/>
+          </a:p>
+        </p:txBody>
+      </p:sp>
+      <p:sp>
+        <p:nvSpPr>
+          <p:cNvPr id="3" name="Vertical Text Placeholder 2"/>
           <p:cNvSpPr>
             <a:spLocks noGrp="1"/>
           </p:cNvSpPr>
@@ -598,8 +1031,8 @@
         </p:nvSpPr>
         <p:spPr>
           <a:xfrm>
-            <a:off x="838200" y="365125"/>
-            <a:ext cx="7734300" cy="5811838"/>
+            <a:off x="457200" y="274638"/>
+            <a:ext cx="6019800" cy="5851525"/>
           </a:xfrm>
         </p:spPr>
         <p:txBody>
@@ -608,50 +1041,44 @@
           <a:p>
             <a:pPr lvl="0"/>
             <a:r>
-              <a:rPr lang="en-US"/>
+              <a:rPr lang="en-US" smtClean="0"/>
               <a:t>Click to edit Master text styles</a:t>
             </a:r>
           </a:p>
           <a:p>
             <a:pPr lvl="1"/>
             <a:r>
-              <a:rPr lang="en-US"/>
+              <a:rPr lang="en-US" smtClean="0"/>
               <a:t>Second level</a:t>
             </a:r>
           </a:p>
           <a:p>
             <a:pPr lvl="2"/>
             <a:r>
-              <a:rPr lang="en-US"/>
+              <a:rPr lang="en-US" smtClean="0"/>
               <a:t>Third level</a:t>
             </a:r>
           </a:p>
           <a:p>
             <a:pPr lvl="3"/>
             <a:r>
-              <a:rPr lang="en-US"/>
+              <a:rPr lang="en-US" smtClean="0"/>
               <a:t>Fourth level</a:t>
             </a:r>
           </a:p>
           <a:p>
             <a:pPr lvl="4"/>
             <a:r>
-              <a:rPr lang="en-US"/>
+              <a:rPr lang="en-US" smtClean="0"/>
               <a:t>Fifth level</a:t>
             </a:r>
-            <a:endParaRPr lang="en-PH"/>
-          </a:p>
-        </p:txBody>
-      </p:sp>
-      <p:sp>
-        <p:nvSpPr>
-          <p:cNvPr id="4" name="Date Placeholder 3">
-            <a:extLst>
-              <a:ext uri="{FF2B5EF4-FFF2-40B4-BE49-F238E27FC236}">
-                <a16:creationId xmlns:a16="http://schemas.microsoft.com/office/drawing/2014/main" id="{234B6807-29AE-3C96-DCAF-C588EC56D768}"/>
-              </a:ext>
-            </a:extLst>
-          </p:cNvPr>
+            <a:endParaRPr lang="en-US"/>
+          </a:p>
+        </p:txBody>
+      </p:sp>
+      <p:sp>
+        <p:nvSpPr>
+          <p:cNvPr id="4" name="Date Placeholder 3"/>
           <p:cNvSpPr>
             <a:spLocks noGrp="1"/>
           </p:cNvSpPr>
@@ -664,23 +1091,18 @@
           <a:bodyPr/>
           <a:lstStyle/>
           <a:p>
-            <a:fld id="{5B941302-5FB1-4694-8D7F-2AB316B9A6B3}" type="datetimeFigureOut">
-              <a:rPr lang="en-PH" smtClean="0"/>
-              <a:t>18/03/2024</a:t>
+            <a:fld id="{F54D12FE-5549-4F54-813A-6D360FD17237}" type="datetimeFigureOut">
+              <a:rPr lang="en-US" smtClean="0"/>
+              <a:pPr/>
+              <a:t>9/13/2013</a:t>
             </a:fld>
-            <a:endParaRPr lang="en-PH"/>
-          </a:p>
-        </p:txBody>
-      </p:sp>
-      <p:sp>
-        <p:nvSpPr>
-          <p:cNvPr id="5" name="Footer Placeholder 4">
-            <a:extLst>
-              <a:ext uri="{FF2B5EF4-FFF2-40B4-BE49-F238E27FC236}">
-                <a16:creationId xmlns:a16="http://schemas.microsoft.com/office/drawing/2014/main" id="{A7E4C66B-D5C5-C0B5-24C6-5D866EE1FDD5}"/>
-              </a:ext>
-            </a:extLst>
-          </p:cNvPr>
+            <a:endParaRPr lang="en-US"/>
+          </a:p>
+        </p:txBody>
+      </p:sp>
+      <p:sp>
+        <p:nvSpPr>
+          <p:cNvPr id="5" name="Footer Placeholder 4"/>
           <p:cNvSpPr>
             <a:spLocks noGrp="1"/>
           </p:cNvSpPr>
@@ -693,19 +1115,13 @@
           <a:bodyPr/>
           <a:lstStyle/>
           <a:p>
-            <a:endParaRPr lang="en-PH"/>
-          </a:p>
-        </p:txBody>
-      </p:sp>
-      <p:sp>
-        <p:nvSpPr>
-          <p:cNvPr id="6" name="Slide Number Placeholder 5">
-            <a:extLst>
-              <a:ext uri="{FF2B5EF4-FFF2-40B4-BE49-F238E27FC236}">
-                <a16:creationId xmlns:a16="http://schemas.microsoft.com/office/drawing/2014/main" id="{A559933C-74B2-94BD-3F8D-FED2FAB161A6}"/>
-              </a:ext>
-            </a:extLst>
-          </p:cNvPr>
+            <a:endParaRPr lang="en-US"/>
+          </a:p>
+        </p:txBody>
+      </p:sp>
+      <p:sp>
+        <p:nvSpPr>
+          <p:cNvPr id="6" name="Slide Number Placeholder 5"/>
           <p:cNvSpPr>
             <a:spLocks noGrp="1"/>
           </p:cNvSpPr>
@@ -718,18 +1134,19 @@
           <a:bodyPr/>
           <a:lstStyle/>
           <a:p>
-            <a:fld id="{2B336E3F-BA3E-42A4-87D7-BFBAD5788151}" type="slidenum">
-              <a:rPr lang="en-PH" smtClean="0"/>
+            <a:fld id="{8E4645C7-0891-489B-BBD7-5B6DFACBD408}" type="slidenum">
+              <a:rPr lang="en-US" smtClean="0"/>
+              <a:pPr/>
               <a:t>‹#›</a:t>
             </a:fld>
-            <a:endParaRPr lang="en-PH"/>
+            <a:endParaRPr lang="en-US"/>
           </a:p>
         </p:txBody>
       </p:sp>
     </p:spTree>
     <p:extLst>
       <p:ext uri="{BB962C8B-B14F-4D97-AF65-F5344CB8AC3E}">
-        <p14:creationId xmlns:p14="http://schemas.microsoft.com/office/powerpoint/2010/main" val="1261506279"/>
+        <p14:creationId xmlns:p14="http://schemas.microsoft.com/office/powerpoint/2010/main" xmlns="" val="1918549547"/>
       </p:ext>
     </p:extLst>
   </p:cSld>
@@ -758,13 +1175,7 @@
       </p:grpSpPr>
       <p:sp>
         <p:nvSpPr>
-          <p:cNvPr id="2" name="Title 1">
-            <a:extLst>
-              <a:ext uri="{FF2B5EF4-FFF2-40B4-BE49-F238E27FC236}">
-                <a16:creationId xmlns:a16="http://schemas.microsoft.com/office/drawing/2014/main" id="{25C03583-2188-709C-9D1D-024E99B7D1E7}"/>
-              </a:ext>
-            </a:extLst>
-          </p:cNvPr>
+          <p:cNvPr id="2" name="Title 1"/>
           <p:cNvSpPr>
             <a:spLocks noGrp="1"/>
           </p:cNvSpPr>
@@ -778,22 +1189,16 @@
           <a:lstStyle/>
           <a:p>
             <a:r>
-              <a:rPr lang="en-US"/>
+              <a:rPr lang="en-US" smtClean="0"/>
               <a:t>Click to edit Master title style</a:t>
             </a:r>
-            <a:endParaRPr lang="en-PH"/>
-          </a:p>
-        </p:txBody>
-      </p:sp>
-      <p:sp>
-        <p:nvSpPr>
-          <p:cNvPr id="3" name="Content Placeholder 2">
-            <a:extLst>
-              <a:ext uri="{FF2B5EF4-FFF2-40B4-BE49-F238E27FC236}">
-                <a16:creationId xmlns:a16="http://schemas.microsoft.com/office/drawing/2014/main" id="{00CA2C17-366A-A06F-DF67-FA8E366C1727}"/>
-              </a:ext>
-            </a:extLst>
-          </p:cNvPr>
+            <a:endParaRPr lang="en-US"/>
+          </a:p>
+        </p:txBody>
+      </p:sp>
+      <p:sp>
+        <p:nvSpPr>
+          <p:cNvPr id="3" name="Content Placeholder 2"/>
           <p:cNvSpPr>
             <a:spLocks noGrp="1"/>
           </p:cNvSpPr>
@@ -808,50 +1213,44 @@
           <a:p>
             <a:pPr lvl="0"/>
             <a:r>
-              <a:rPr lang="en-US"/>
+              <a:rPr lang="en-US" smtClean="0"/>
               <a:t>Click to edit Master text styles</a:t>
             </a:r>
           </a:p>
           <a:p>
             <a:pPr lvl="1"/>
             <a:r>
-              <a:rPr lang="en-US"/>
+              <a:rPr lang="en-US" smtClean="0"/>
               <a:t>Second level</a:t>
             </a:r>
           </a:p>
           <a:p>
             <a:pPr lvl="2"/>
             <a:r>
-              <a:rPr lang="en-US"/>
+              <a:rPr lang="en-US" smtClean="0"/>
               <a:t>Third level</a:t>
             </a:r>
           </a:p>
           <a:p>
             <a:pPr lvl="3"/>
             <a:r>
-              <a:rPr lang="en-US"/>
+              <a:rPr lang="en-US" smtClean="0"/>
               <a:t>Fourth level</a:t>
             </a:r>
           </a:p>
           <a:p>
             <a:pPr lvl="4"/>
             <a:r>
-              <a:rPr lang="en-US"/>
+              <a:rPr lang="en-US" smtClean="0"/>
               <a:t>Fifth level</a:t>
             </a:r>
-            <a:endParaRPr lang="en-PH"/>
-          </a:p>
-        </p:txBody>
-      </p:sp>
-      <p:sp>
-        <p:nvSpPr>
-          <p:cNvPr id="4" name="Date Placeholder 3">
-            <a:extLst>
-              <a:ext uri="{FF2B5EF4-FFF2-40B4-BE49-F238E27FC236}">
-                <a16:creationId xmlns:a16="http://schemas.microsoft.com/office/drawing/2014/main" id="{C5A95035-BEA1-0ABE-681F-26A4D3D47A61}"/>
-              </a:ext>
-            </a:extLst>
-          </p:cNvPr>
+            <a:endParaRPr lang="en-US"/>
+          </a:p>
+        </p:txBody>
+      </p:sp>
+      <p:sp>
+        <p:nvSpPr>
+          <p:cNvPr id="4" name="Date Placeholder 3"/>
           <p:cNvSpPr>
             <a:spLocks noGrp="1"/>
           </p:cNvSpPr>
@@ -864,23 +1263,18 @@
           <a:bodyPr/>
           <a:lstStyle/>
           <a:p>
-            <a:fld id="{5B941302-5FB1-4694-8D7F-2AB316B9A6B3}" type="datetimeFigureOut">
-              <a:rPr lang="en-PH" smtClean="0"/>
-              <a:t>18/03/2024</a:t>
+            <a:fld id="{F54D12FE-5549-4F54-813A-6D360FD17237}" type="datetimeFigureOut">
+              <a:rPr lang="en-US" smtClean="0"/>
+              <a:pPr/>
+              <a:t>9/13/2013</a:t>
             </a:fld>
-            <a:endParaRPr lang="en-PH"/>
-          </a:p>
-        </p:txBody>
-      </p:sp>
-      <p:sp>
-        <p:nvSpPr>
-          <p:cNvPr id="5" name="Footer Placeholder 4">
-            <a:extLst>
-              <a:ext uri="{FF2B5EF4-FFF2-40B4-BE49-F238E27FC236}">
-                <a16:creationId xmlns:a16="http://schemas.microsoft.com/office/drawing/2014/main" id="{AA817F79-502D-6E4B-A02E-0FB75A502745}"/>
-              </a:ext>
-            </a:extLst>
-          </p:cNvPr>
+            <a:endParaRPr lang="en-US"/>
+          </a:p>
+        </p:txBody>
+      </p:sp>
+      <p:sp>
+        <p:nvSpPr>
+          <p:cNvPr id="5" name="Footer Placeholder 4"/>
           <p:cNvSpPr>
             <a:spLocks noGrp="1"/>
           </p:cNvSpPr>
@@ -893,19 +1287,13 @@
           <a:bodyPr/>
           <a:lstStyle/>
           <a:p>
-            <a:endParaRPr lang="en-PH"/>
-          </a:p>
-        </p:txBody>
-      </p:sp>
-      <p:sp>
-        <p:nvSpPr>
-          <p:cNvPr id="6" name="Slide Number Placeholder 5">
-            <a:extLst>
-              <a:ext uri="{FF2B5EF4-FFF2-40B4-BE49-F238E27FC236}">
-                <a16:creationId xmlns:a16="http://schemas.microsoft.com/office/drawing/2014/main" id="{D91A04D0-194A-C6B0-6E69-1C03C5F0B54C}"/>
-              </a:ext>
-            </a:extLst>
-          </p:cNvPr>
+            <a:endParaRPr lang="en-US"/>
+          </a:p>
+        </p:txBody>
+      </p:sp>
+      <p:sp>
+        <p:nvSpPr>
+          <p:cNvPr id="6" name="Slide Number Placeholder 5"/>
           <p:cNvSpPr>
             <a:spLocks noGrp="1"/>
           </p:cNvSpPr>
@@ -918,18 +1306,19 @@
           <a:bodyPr/>
           <a:lstStyle/>
           <a:p>
-            <a:fld id="{2B336E3F-BA3E-42A4-87D7-BFBAD5788151}" type="slidenum">
-              <a:rPr lang="en-PH" smtClean="0"/>
+            <a:fld id="{8E4645C7-0891-489B-BBD7-5B6DFACBD408}" type="slidenum">
+              <a:rPr lang="en-US" smtClean="0"/>
+              <a:pPr/>
               <a:t>‹#›</a:t>
             </a:fld>
-            <a:endParaRPr lang="en-PH"/>
+            <a:endParaRPr lang="en-US"/>
           </a:p>
         </p:txBody>
       </p:sp>
     </p:spTree>
     <p:extLst>
       <p:ext uri="{BB962C8B-B14F-4D97-AF65-F5344CB8AC3E}">
-        <p14:creationId xmlns:p14="http://schemas.microsoft.com/office/powerpoint/2010/main" val="1526103558"/>
+        <p14:creationId xmlns:p14="http://schemas.microsoft.com/office/powerpoint/2010/main" xmlns="" val="1893688582"/>
       </p:ext>
     </p:extLst>
   </p:cSld>
@@ -958,13 +1347,7 @@
       </p:grpSpPr>
       <p:sp>
         <p:nvSpPr>
-          <p:cNvPr id="2" name="Title 1">
-            <a:extLst>
-              <a:ext uri="{FF2B5EF4-FFF2-40B4-BE49-F238E27FC236}">
-                <a16:creationId xmlns:a16="http://schemas.microsoft.com/office/drawing/2014/main" id="{05BA4BB7-80C2-82CF-D42F-4DF485AEE31C}"/>
-              </a:ext>
-            </a:extLst>
-          </p:cNvPr>
+          <p:cNvPr id="2" name="Title 1"/>
           <p:cNvSpPr>
             <a:spLocks noGrp="1"/>
           </p:cNvSpPr>
@@ -974,54 +1357,48 @@
         </p:nvSpPr>
         <p:spPr>
           <a:xfrm>
-            <a:off x="831850" y="1709738"/>
-            <a:ext cx="10515600" cy="2852737"/>
+            <a:off x="722313" y="4406900"/>
+            <a:ext cx="7772400" cy="1362075"/>
           </a:xfrm>
         </p:spPr>
         <p:txBody>
+          <a:bodyPr anchor="t"/>
+          <a:lstStyle>
+            <a:lvl1pPr algn="l">
+              <a:defRPr sz="4000" b="1" cap="all"/>
+            </a:lvl1pPr>
+          </a:lstStyle>
+          <a:p>
+            <a:r>
+              <a:rPr lang="en-US" smtClean="0"/>
+              <a:t>Click to edit Master title style</a:t>
+            </a:r>
+            <a:endParaRPr lang="en-US"/>
+          </a:p>
+        </p:txBody>
+      </p:sp>
+      <p:sp>
+        <p:nvSpPr>
+          <p:cNvPr id="3" name="Text Placeholder 2"/>
+          <p:cNvSpPr>
+            <a:spLocks noGrp="1"/>
+          </p:cNvSpPr>
+          <p:nvPr>
+            <p:ph type="body" idx="1"/>
+          </p:nvPr>
+        </p:nvSpPr>
+        <p:spPr>
+          <a:xfrm>
+            <a:off x="722313" y="2906713"/>
+            <a:ext cx="7772400" cy="1500187"/>
+          </a:xfrm>
+        </p:spPr>
+        <p:txBody>
           <a:bodyPr anchor="b"/>
           <a:lstStyle>
-            <a:lvl1pPr>
-              <a:defRPr sz="6000"/>
-            </a:lvl1pPr>
-          </a:lstStyle>
-          <a:p>
-            <a:r>
-              <a:rPr lang="en-US"/>
-              <a:t>Click to edit Master title style</a:t>
-            </a:r>
-            <a:endParaRPr lang="en-PH"/>
-          </a:p>
-        </p:txBody>
-      </p:sp>
-      <p:sp>
-        <p:nvSpPr>
-          <p:cNvPr id="3" name="Text Placeholder 2">
-            <a:extLst>
-              <a:ext uri="{FF2B5EF4-FFF2-40B4-BE49-F238E27FC236}">
-                <a16:creationId xmlns:a16="http://schemas.microsoft.com/office/drawing/2014/main" id="{724A0771-4E99-366D-3F79-BB4851A4B5DF}"/>
-              </a:ext>
-            </a:extLst>
-          </p:cNvPr>
-          <p:cNvSpPr>
-            <a:spLocks noGrp="1"/>
-          </p:cNvSpPr>
-          <p:nvPr>
-            <p:ph type="body" idx="1"/>
-          </p:nvPr>
-        </p:nvSpPr>
-        <p:spPr>
-          <a:xfrm>
-            <a:off x="831850" y="4589463"/>
-            <a:ext cx="10515600" cy="1500187"/>
-          </a:xfrm>
-        </p:spPr>
-        <p:txBody>
-          <a:bodyPr/>
-          <a:lstStyle>
             <a:lvl1pPr marL="0" indent="0">
               <a:buNone/>
-              <a:defRPr sz="2400">
+              <a:defRPr sz="2000">
                 <a:solidFill>
                   <a:schemeClr val="tx1">
                     <a:tint val="75000"/>
@@ -1031,7 +1408,7 @@
             </a:lvl1pPr>
             <a:lvl2pPr marL="457200" indent="0">
               <a:buNone/>
-              <a:defRPr sz="2000">
+              <a:defRPr sz="1800">
                 <a:solidFill>
                   <a:schemeClr val="tx1">
                     <a:tint val="75000"/>
@@ -1041,7 +1418,7 @@
             </a:lvl2pPr>
             <a:lvl3pPr marL="914400" indent="0">
               <a:buNone/>
-              <a:defRPr sz="1800">
+              <a:defRPr sz="1600">
                 <a:solidFill>
                   <a:schemeClr val="tx1">
                     <a:tint val="75000"/>
@@ -1051,7 +1428,7 @@
             </a:lvl3pPr>
             <a:lvl4pPr marL="1371600" indent="0">
               <a:buNone/>
-              <a:defRPr sz="1600">
+              <a:defRPr sz="1400">
                 <a:solidFill>
                   <a:schemeClr val="tx1">
                     <a:tint val="75000"/>
@@ -1061,7 +1438,7 @@
             </a:lvl4pPr>
             <a:lvl5pPr marL="1828800" indent="0">
               <a:buNone/>
-              <a:defRPr sz="1600">
+              <a:defRPr sz="1400">
                 <a:solidFill>
                   <a:schemeClr val="tx1">
                     <a:tint val="75000"/>
@@ -1071,7 +1448,7 @@
             </a:lvl5pPr>
             <a:lvl6pPr marL="2286000" indent="0">
               <a:buNone/>
-              <a:defRPr sz="1600">
+              <a:defRPr sz="1400">
                 <a:solidFill>
                   <a:schemeClr val="tx1">
                     <a:tint val="75000"/>
@@ -1081,7 +1458,7 @@
             </a:lvl6pPr>
             <a:lvl7pPr marL="2743200" indent="0">
               <a:buNone/>
-              <a:defRPr sz="1600">
+              <a:defRPr sz="1400">
                 <a:solidFill>
                   <a:schemeClr val="tx1">
                     <a:tint val="75000"/>
@@ -1091,7 +1468,7 @@
             </a:lvl7pPr>
             <a:lvl8pPr marL="3200400" indent="0">
               <a:buNone/>
-              <a:defRPr sz="1600">
+              <a:defRPr sz="1400">
                 <a:solidFill>
                   <a:schemeClr val="tx1">
                     <a:tint val="75000"/>
@@ -1101,7 +1478,7 @@
             </a:lvl8pPr>
             <a:lvl9pPr marL="3657600" indent="0">
               <a:buNone/>
-              <a:defRPr sz="1600">
+              <a:defRPr sz="1400">
                 <a:solidFill>
                   <a:schemeClr val="tx1">
                     <a:tint val="75000"/>
@@ -1113,7 +1490,7 @@
           <a:p>
             <a:pPr lvl="0"/>
             <a:r>
-              <a:rPr lang="en-US"/>
+              <a:rPr lang="en-US" smtClean="0"/>
               <a:t>Click to edit Master text styles</a:t>
             </a:r>
           </a:p>
@@ -1121,13 +1498,7 @@
       </p:sp>
       <p:sp>
         <p:nvSpPr>
-          <p:cNvPr id="4" name="Date Placeholder 3">
-            <a:extLst>
-              <a:ext uri="{FF2B5EF4-FFF2-40B4-BE49-F238E27FC236}">
-                <a16:creationId xmlns:a16="http://schemas.microsoft.com/office/drawing/2014/main" id="{4C0B694C-2366-CCC6-30F0-C7966819A253}"/>
-              </a:ext>
-            </a:extLst>
-          </p:cNvPr>
+          <p:cNvPr id="4" name="Date Placeholder 3"/>
           <p:cNvSpPr>
             <a:spLocks noGrp="1"/>
           </p:cNvSpPr>
@@ -1140,23 +1511,18 @@
           <a:bodyPr/>
           <a:lstStyle/>
           <a:p>
-            <a:fld id="{5B941302-5FB1-4694-8D7F-2AB316B9A6B3}" type="datetimeFigureOut">
-              <a:rPr lang="en-PH" smtClean="0"/>
-              <a:t>18/03/2024</a:t>
+            <a:fld id="{F54D12FE-5549-4F54-813A-6D360FD17237}" type="datetimeFigureOut">
+              <a:rPr lang="en-US" smtClean="0"/>
+              <a:pPr/>
+              <a:t>9/13/2013</a:t>
             </a:fld>
-            <a:endParaRPr lang="en-PH"/>
-          </a:p>
-        </p:txBody>
-      </p:sp>
-      <p:sp>
-        <p:nvSpPr>
-          <p:cNvPr id="5" name="Footer Placeholder 4">
-            <a:extLst>
-              <a:ext uri="{FF2B5EF4-FFF2-40B4-BE49-F238E27FC236}">
-                <a16:creationId xmlns:a16="http://schemas.microsoft.com/office/drawing/2014/main" id="{1BCF1791-B062-554B-FFAA-ADED931099F0}"/>
-              </a:ext>
-            </a:extLst>
-          </p:cNvPr>
+            <a:endParaRPr lang="en-US"/>
+          </a:p>
+        </p:txBody>
+      </p:sp>
+      <p:sp>
+        <p:nvSpPr>
+          <p:cNvPr id="5" name="Footer Placeholder 4"/>
           <p:cNvSpPr>
             <a:spLocks noGrp="1"/>
           </p:cNvSpPr>
@@ -1169,19 +1535,13 @@
           <a:bodyPr/>
           <a:lstStyle/>
           <a:p>
-            <a:endParaRPr lang="en-PH"/>
-          </a:p>
-        </p:txBody>
-      </p:sp>
-      <p:sp>
-        <p:nvSpPr>
-          <p:cNvPr id="6" name="Slide Number Placeholder 5">
-            <a:extLst>
-              <a:ext uri="{FF2B5EF4-FFF2-40B4-BE49-F238E27FC236}">
-                <a16:creationId xmlns:a16="http://schemas.microsoft.com/office/drawing/2014/main" id="{1C9C43D6-BA70-4B1B-A19E-F2A10CBF2B9B}"/>
-              </a:ext>
-            </a:extLst>
-          </p:cNvPr>
+            <a:endParaRPr lang="en-US"/>
+          </a:p>
+        </p:txBody>
+      </p:sp>
+      <p:sp>
+        <p:nvSpPr>
+          <p:cNvPr id="6" name="Slide Number Placeholder 5"/>
           <p:cNvSpPr>
             <a:spLocks noGrp="1"/>
           </p:cNvSpPr>
@@ -1194,18 +1554,19 @@
           <a:bodyPr/>
           <a:lstStyle/>
           <a:p>
-            <a:fld id="{2B336E3F-BA3E-42A4-87D7-BFBAD5788151}" type="slidenum">
-              <a:rPr lang="en-PH" smtClean="0"/>
+            <a:fld id="{8E4645C7-0891-489B-BBD7-5B6DFACBD408}" type="slidenum">
+              <a:rPr lang="en-US" smtClean="0"/>
+              <a:pPr/>
               <a:t>‹#›</a:t>
             </a:fld>
-            <a:endParaRPr lang="en-PH"/>
+            <a:endParaRPr lang="en-US"/>
           </a:p>
         </p:txBody>
       </p:sp>
     </p:spTree>
     <p:extLst>
       <p:ext uri="{BB962C8B-B14F-4D97-AF65-F5344CB8AC3E}">
-        <p14:creationId xmlns:p14="http://schemas.microsoft.com/office/powerpoint/2010/main" val="4225841628"/>
+        <p14:creationId xmlns:p14="http://schemas.microsoft.com/office/powerpoint/2010/main" xmlns="" val="2565736247"/>
       </p:ext>
     </p:extLst>
   </p:cSld>
@@ -1234,13 +1595,7 @@
       </p:grpSpPr>
       <p:sp>
         <p:nvSpPr>
-          <p:cNvPr id="2" name="Title 1">
-            <a:extLst>
-              <a:ext uri="{FF2B5EF4-FFF2-40B4-BE49-F238E27FC236}">
-                <a16:creationId xmlns:a16="http://schemas.microsoft.com/office/drawing/2014/main" id="{5A4D7E5E-5ED1-E272-E47C-72B694426B2F}"/>
-              </a:ext>
-            </a:extLst>
-          </p:cNvPr>
+          <p:cNvPr id="2" name="Title 1"/>
           <p:cNvSpPr>
             <a:spLocks noGrp="1"/>
           </p:cNvSpPr>
@@ -1254,22 +1609,16 @@
           <a:lstStyle/>
           <a:p>
             <a:r>
-              <a:rPr lang="en-US"/>
+              <a:rPr lang="en-US" smtClean="0"/>
               <a:t>Click to edit Master title style</a:t>
             </a:r>
-            <a:endParaRPr lang="en-PH"/>
-          </a:p>
-        </p:txBody>
-      </p:sp>
-      <p:sp>
-        <p:nvSpPr>
-          <p:cNvPr id="3" name="Content Placeholder 2">
-            <a:extLst>
-              <a:ext uri="{FF2B5EF4-FFF2-40B4-BE49-F238E27FC236}">
-                <a16:creationId xmlns:a16="http://schemas.microsoft.com/office/drawing/2014/main" id="{08E1C366-F95B-11F2-6C20-7FB0FF38F71E}"/>
-              </a:ext>
-            </a:extLst>
-          </p:cNvPr>
+            <a:endParaRPr lang="en-US"/>
+          </a:p>
+        </p:txBody>
+      </p:sp>
+      <p:sp>
+        <p:nvSpPr>
+          <p:cNvPr id="3" name="Content Placeholder 2"/>
           <p:cNvSpPr>
             <a:spLocks noGrp="1"/>
           </p:cNvSpPr>
@@ -1279,60 +1628,82 @@
         </p:nvSpPr>
         <p:spPr>
           <a:xfrm>
-            <a:off x="838200" y="1825625"/>
-            <a:ext cx="5181600" cy="4351338"/>
+            <a:off x="457200" y="1600200"/>
+            <a:ext cx="4038600" cy="4525963"/>
           </a:xfrm>
         </p:spPr>
         <p:txBody>
           <a:bodyPr/>
-          <a:lstStyle/>
+          <a:lstStyle>
+            <a:lvl1pPr>
+              <a:defRPr sz="2800"/>
+            </a:lvl1pPr>
+            <a:lvl2pPr>
+              <a:defRPr sz="2400"/>
+            </a:lvl2pPr>
+            <a:lvl3pPr>
+              <a:defRPr sz="2000"/>
+            </a:lvl3pPr>
+            <a:lvl4pPr>
+              <a:defRPr sz="1800"/>
+            </a:lvl4pPr>
+            <a:lvl5pPr>
+              <a:defRPr sz="1800"/>
+            </a:lvl5pPr>
+            <a:lvl6pPr>
+              <a:defRPr sz="1800"/>
+            </a:lvl6pPr>
+            <a:lvl7pPr>
+              <a:defRPr sz="1800"/>
+            </a:lvl7pPr>
+            <a:lvl8pPr>
+              <a:defRPr sz="1800"/>
+            </a:lvl8pPr>
+            <a:lvl9pPr>
+              <a:defRPr sz="1800"/>
+            </a:lvl9pPr>
+          </a:lstStyle>
           <a:p>
             <a:pPr lvl="0"/>
             <a:r>
-              <a:rPr lang="en-US"/>
+              <a:rPr lang="en-US" smtClean="0"/>
               <a:t>Click to edit Master text styles</a:t>
             </a:r>
           </a:p>
           <a:p>
             <a:pPr lvl="1"/>
             <a:r>
-              <a:rPr lang="en-US"/>
+              <a:rPr lang="en-US" smtClean="0"/>
               <a:t>Second level</a:t>
             </a:r>
           </a:p>
           <a:p>
             <a:pPr lvl="2"/>
             <a:r>
-              <a:rPr lang="en-US"/>
+              <a:rPr lang="en-US" smtClean="0"/>
               <a:t>Third level</a:t>
             </a:r>
           </a:p>
           <a:p>
             <a:pPr lvl="3"/>
             <a:r>
-              <a:rPr lang="en-US"/>
+              <a:rPr lang="en-US" smtClean="0"/>
               <a:t>Fourth level</a:t>
             </a:r>
           </a:p>
           <a:p>
             <a:pPr lvl="4"/>
             <a:r>
-              <a:rPr lang="en-US"/>
+              <a:rPr lang="en-US" smtClean="0"/>
               <a:t>Fifth level</a:t>
             </a:r>
-            <a:endParaRPr lang="en-PH"/>
-          </a:p>
-        </p:txBody>
-      </p:sp>
-      <p:sp>
-        <p:nvSpPr>
-          <p:cNvPr id="4" name="Content Placeholder 3">
-            <a:extLst>
-              <a:ext uri="{FF2B5EF4-FFF2-40B4-BE49-F238E27FC236}">
-                <a16:creationId xmlns:a16="http://schemas.microsoft.com/office/drawing/2014/main" id="{6A8EF47E-99FC-3B96-5AA8-8470ED3B7D14}"/>
-              </a:ext>
-            </a:extLst>
-          </p:cNvPr>
+            <a:endParaRPr lang="en-US"/>
+          </a:p>
+        </p:txBody>
+      </p:sp>
+      <p:sp>
+        <p:nvSpPr>
+          <p:cNvPr id="4" name="Content Placeholder 3"/>
           <p:cNvSpPr>
             <a:spLocks noGrp="1"/>
           </p:cNvSpPr>
@@ -1342,60 +1713,82 @@
         </p:nvSpPr>
         <p:spPr>
           <a:xfrm>
-            <a:off x="6172200" y="1825625"/>
-            <a:ext cx="5181600" cy="4351338"/>
+            <a:off x="4648200" y="1600200"/>
+            <a:ext cx="4038600" cy="4525963"/>
           </a:xfrm>
         </p:spPr>
         <p:txBody>
           <a:bodyPr/>
-          <a:lstStyle/>
+          <a:lstStyle>
+            <a:lvl1pPr>
+              <a:defRPr sz="2800"/>
+            </a:lvl1pPr>
+            <a:lvl2pPr>
+              <a:defRPr sz="2400"/>
+            </a:lvl2pPr>
+            <a:lvl3pPr>
+              <a:defRPr sz="2000"/>
+            </a:lvl3pPr>
+            <a:lvl4pPr>
+              <a:defRPr sz="1800"/>
+            </a:lvl4pPr>
+            <a:lvl5pPr>
+              <a:defRPr sz="1800"/>
+            </a:lvl5pPr>
+            <a:lvl6pPr>
+              <a:defRPr sz="1800"/>
+            </a:lvl6pPr>
+            <a:lvl7pPr>
+              <a:defRPr sz="1800"/>
+            </a:lvl7pPr>
+            <a:lvl8pPr>
+              <a:defRPr sz="1800"/>
+            </a:lvl8pPr>
+            <a:lvl9pPr>
+              <a:defRPr sz="1800"/>
+            </a:lvl9pPr>
+          </a:lstStyle>
           <a:p>
             <a:pPr lvl="0"/>
             <a:r>
-              <a:rPr lang="en-US"/>
+              <a:rPr lang="en-US" smtClean="0"/>
               <a:t>Click to edit Master text styles</a:t>
             </a:r>
           </a:p>
           <a:p>
             <a:pPr lvl="1"/>
             <a:r>
-              <a:rPr lang="en-US"/>
+              <a:rPr lang="en-US" smtClean="0"/>
               <a:t>Second level</a:t>
             </a:r>
           </a:p>
           <a:p>
             <a:pPr lvl="2"/>
             <a:r>
-              <a:rPr lang="en-US"/>
+              <a:rPr lang="en-US" smtClean="0"/>
               <a:t>Third level</a:t>
             </a:r>
           </a:p>
           <a:p>
             <a:pPr lvl="3"/>
             <a:r>
-              <a:rPr lang="en-US"/>
+              <a:rPr lang="en-US" smtClean="0"/>
               <a:t>Fourth level</a:t>
             </a:r>
           </a:p>
           <a:p>
             <a:pPr lvl="4"/>
             <a:r>
-              <a:rPr lang="en-US"/>
+              <a:rPr lang="en-US" smtClean="0"/>
               <a:t>Fifth level</a:t>
             </a:r>
-            <a:endParaRPr lang="en-PH"/>
-          </a:p>
-        </p:txBody>
-      </p:sp>
-      <p:sp>
-        <p:nvSpPr>
-          <p:cNvPr id="5" name="Date Placeholder 4">
-            <a:extLst>
-              <a:ext uri="{FF2B5EF4-FFF2-40B4-BE49-F238E27FC236}">
-                <a16:creationId xmlns:a16="http://schemas.microsoft.com/office/drawing/2014/main" id="{6E8F0378-691E-FABE-7348-3FB4B32C39E1}"/>
-              </a:ext>
-            </a:extLst>
-          </p:cNvPr>
+            <a:endParaRPr lang="en-US"/>
+          </a:p>
+        </p:txBody>
+      </p:sp>
+      <p:sp>
+        <p:nvSpPr>
+          <p:cNvPr id="5" name="Date Placeholder 4"/>
           <p:cNvSpPr>
             <a:spLocks noGrp="1"/>
           </p:cNvSpPr>
@@ -1408,23 +1801,18 @@
           <a:bodyPr/>
           <a:lstStyle/>
           <a:p>
-            <a:fld id="{5B941302-5FB1-4694-8D7F-2AB316B9A6B3}" type="datetimeFigureOut">
-              <a:rPr lang="en-PH" smtClean="0"/>
-              <a:t>18/03/2024</a:t>
+            <a:fld id="{F54D12FE-5549-4F54-813A-6D360FD17237}" type="datetimeFigureOut">
+              <a:rPr lang="en-US" smtClean="0"/>
+              <a:pPr/>
+              <a:t>9/13/2013</a:t>
             </a:fld>
-            <a:endParaRPr lang="en-PH"/>
-          </a:p>
-        </p:txBody>
-      </p:sp>
-      <p:sp>
-        <p:nvSpPr>
-          <p:cNvPr id="6" name="Footer Placeholder 5">
-            <a:extLst>
-              <a:ext uri="{FF2B5EF4-FFF2-40B4-BE49-F238E27FC236}">
-                <a16:creationId xmlns:a16="http://schemas.microsoft.com/office/drawing/2014/main" id="{BE02198B-FA24-B5CB-4A0B-3D10725DC92C}"/>
-              </a:ext>
-            </a:extLst>
-          </p:cNvPr>
+            <a:endParaRPr lang="en-US"/>
+          </a:p>
+        </p:txBody>
+      </p:sp>
+      <p:sp>
+        <p:nvSpPr>
+          <p:cNvPr id="6" name="Footer Placeholder 5"/>
           <p:cNvSpPr>
             <a:spLocks noGrp="1"/>
           </p:cNvSpPr>
@@ -1437,19 +1825,13 @@
           <a:bodyPr/>
           <a:lstStyle/>
           <a:p>
-            <a:endParaRPr lang="en-PH"/>
-          </a:p>
-        </p:txBody>
-      </p:sp>
-      <p:sp>
-        <p:nvSpPr>
-          <p:cNvPr id="7" name="Slide Number Placeholder 6">
-            <a:extLst>
-              <a:ext uri="{FF2B5EF4-FFF2-40B4-BE49-F238E27FC236}">
-                <a16:creationId xmlns:a16="http://schemas.microsoft.com/office/drawing/2014/main" id="{3497CD22-8913-A6CA-CBCA-B8E8458C605A}"/>
-              </a:ext>
-            </a:extLst>
-          </p:cNvPr>
+            <a:endParaRPr lang="en-US"/>
+          </a:p>
+        </p:txBody>
+      </p:sp>
+      <p:sp>
+        <p:nvSpPr>
+          <p:cNvPr id="7" name="Slide Number Placeholder 6"/>
           <p:cNvSpPr>
             <a:spLocks noGrp="1"/>
           </p:cNvSpPr>
@@ -1462,18 +1844,19 @@
           <a:bodyPr/>
           <a:lstStyle/>
           <a:p>
-            <a:fld id="{2B336E3F-BA3E-42A4-87D7-BFBAD5788151}" type="slidenum">
-              <a:rPr lang="en-PH" smtClean="0"/>
+            <a:fld id="{8E4645C7-0891-489B-BBD7-5B6DFACBD408}" type="slidenum">
+              <a:rPr lang="en-US" smtClean="0"/>
+              <a:pPr/>
               <a:t>‹#›</a:t>
             </a:fld>
-            <a:endParaRPr lang="en-PH"/>
+            <a:endParaRPr lang="en-US"/>
           </a:p>
         </p:txBody>
       </p:sp>
     </p:spTree>
     <p:extLst>
       <p:ext uri="{BB962C8B-B14F-4D97-AF65-F5344CB8AC3E}">
-        <p14:creationId xmlns:p14="http://schemas.microsoft.com/office/powerpoint/2010/main" val="15320175"/>
+        <p14:creationId xmlns:p14="http://schemas.microsoft.com/office/powerpoint/2010/main" xmlns="" val="598242168"/>
       </p:ext>
     </p:extLst>
   </p:cSld>
@@ -1502,58 +1885,45 @@
       </p:grpSpPr>
       <p:sp>
         <p:nvSpPr>
-          <p:cNvPr id="2" name="Title 1">
-            <a:extLst>
-              <a:ext uri="{FF2B5EF4-FFF2-40B4-BE49-F238E27FC236}">
-                <a16:creationId xmlns:a16="http://schemas.microsoft.com/office/drawing/2014/main" id="{55840220-7AAC-B5AE-7F67-C70971CFBD97}"/>
-              </a:ext>
-            </a:extLst>
-          </p:cNvPr>
+          <p:cNvPr id="2" name="Title 1"/>
           <p:cNvSpPr>
             <a:spLocks noGrp="1"/>
           </p:cNvSpPr>
           <p:nvPr>
             <p:ph type="title"/>
+          </p:nvPr>
+        </p:nvSpPr>
+        <p:spPr/>
+        <p:txBody>
+          <a:bodyPr/>
+          <a:lstStyle>
+            <a:lvl1pPr>
+              <a:defRPr/>
+            </a:lvl1pPr>
+          </a:lstStyle>
+          <a:p>
+            <a:r>
+              <a:rPr lang="en-US" smtClean="0"/>
+              <a:t>Click to edit Master title style</a:t>
+            </a:r>
+            <a:endParaRPr lang="en-US"/>
+          </a:p>
+        </p:txBody>
+      </p:sp>
+      <p:sp>
+        <p:nvSpPr>
+          <p:cNvPr id="3" name="Text Placeholder 2"/>
+          <p:cNvSpPr>
+            <a:spLocks noGrp="1"/>
+          </p:cNvSpPr>
+          <p:nvPr>
+            <p:ph type="body" idx="1"/>
           </p:nvPr>
         </p:nvSpPr>
         <p:spPr>
           <a:xfrm>
-            <a:off x="839788" y="365125"/>
-            <a:ext cx="10515600" cy="1325563"/>
-          </a:xfrm>
-        </p:spPr>
-        <p:txBody>
-          <a:bodyPr/>
-          <a:lstStyle/>
-          <a:p>
-            <a:r>
-              <a:rPr lang="en-US"/>
-              <a:t>Click to edit Master title style</a:t>
-            </a:r>
-            <a:endParaRPr lang="en-PH"/>
-          </a:p>
-        </p:txBody>
-      </p:sp>
-      <p:sp>
-        <p:nvSpPr>
-          <p:cNvPr id="3" name="Text Placeholder 2">
-            <a:extLst>
-              <a:ext uri="{FF2B5EF4-FFF2-40B4-BE49-F238E27FC236}">
-                <a16:creationId xmlns:a16="http://schemas.microsoft.com/office/drawing/2014/main" id="{BC2C4D24-D753-2546-FFF9-4B5C3C0FF9C3}"/>
-              </a:ext>
-            </a:extLst>
-          </p:cNvPr>
-          <p:cNvSpPr>
-            <a:spLocks noGrp="1"/>
-          </p:cNvSpPr>
-          <p:nvPr>
-            <p:ph type="body" idx="1"/>
-          </p:nvPr>
-        </p:nvSpPr>
-        <p:spPr>
-          <a:xfrm>
-            <a:off x="839788" y="1681163"/>
-            <a:ext cx="5157787" cy="823912"/>
+            <a:off x="457200" y="1535113"/>
+            <a:ext cx="4040188" cy="639762"/>
           </a:xfrm>
         </p:spPr>
         <p:txBody>
@@ -1599,7 +1969,7 @@
           <a:p>
             <a:pPr lvl="0"/>
             <a:r>
-              <a:rPr lang="en-US"/>
+              <a:rPr lang="en-US" smtClean="0"/>
               <a:t>Click to edit Master text styles</a:t>
             </a:r>
           </a:p>
@@ -1607,13 +1977,7 @@
       </p:sp>
       <p:sp>
         <p:nvSpPr>
-          <p:cNvPr id="4" name="Content Placeholder 3">
-            <a:extLst>
-              <a:ext uri="{FF2B5EF4-FFF2-40B4-BE49-F238E27FC236}">
-                <a16:creationId xmlns:a16="http://schemas.microsoft.com/office/drawing/2014/main" id="{C5765948-6E83-7E06-2C0B-B66458A60777}"/>
-              </a:ext>
-            </a:extLst>
-          </p:cNvPr>
+          <p:cNvPr id="4" name="Content Placeholder 3"/>
           <p:cNvSpPr>
             <a:spLocks noGrp="1"/>
           </p:cNvSpPr>
@@ -1623,60 +1987,82 @@
         </p:nvSpPr>
         <p:spPr>
           <a:xfrm>
-            <a:off x="839788" y="2505075"/>
-            <a:ext cx="5157787" cy="3684588"/>
+            <a:off x="457200" y="2174875"/>
+            <a:ext cx="4040188" cy="3951288"/>
           </a:xfrm>
         </p:spPr>
         <p:txBody>
           <a:bodyPr/>
-          <a:lstStyle/>
+          <a:lstStyle>
+            <a:lvl1pPr>
+              <a:defRPr sz="2400"/>
+            </a:lvl1pPr>
+            <a:lvl2pPr>
+              <a:defRPr sz="2000"/>
+            </a:lvl2pPr>
+            <a:lvl3pPr>
+              <a:defRPr sz="1800"/>
+            </a:lvl3pPr>
+            <a:lvl4pPr>
+              <a:defRPr sz="1600"/>
+            </a:lvl4pPr>
+            <a:lvl5pPr>
+              <a:defRPr sz="1600"/>
+            </a:lvl5pPr>
+            <a:lvl6pPr>
+              <a:defRPr sz="1600"/>
+            </a:lvl6pPr>
+            <a:lvl7pPr>
+              <a:defRPr sz="1600"/>
+            </a:lvl7pPr>
+            <a:lvl8pPr>
+              <a:defRPr sz="1600"/>
+            </a:lvl8pPr>
+            <a:lvl9pPr>
+              <a:defRPr sz="1600"/>
+            </a:lvl9pPr>
+          </a:lstStyle>
           <a:p>
             <a:pPr lvl="0"/>
             <a:r>
-              <a:rPr lang="en-US"/>
+              <a:rPr lang="en-US" smtClean="0"/>
               <a:t>Click to edit Master text styles</a:t>
             </a:r>
           </a:p>
           <a:p>
             <a:pPr lvl="1"/>
             <a:r>
-              <a:rPr lang="en-US"/>
+              <a:rPr lang="en-US" smtClean="0"/>
               <a:t>Second level</a:t>
             </a:r>
           </a:p>
           <a:p>
             <a:pPr lvl="2"/>
             <a:r>
-              <a:rPr lang="en-US"/>
+              <a:rPr lang="en-US" smtClean="0"/>
               <a:t>Third level</a:t>
             </a:r>
           </a:p>
           <a:p>
             <a:pPr lvl="3"/>
             <a:r>
-              <a:rPr lang="en-US"/>
+              <a:rPr lang="en-US" smtClean="0"/>
               <a:t>Fourth level</a:t>
             </a:r>
           </a:p>
           <a:p>
             <a:pPr lvl="4"/>
             <a:r>
-              <a:rPr lang="en-US"/>
+              <a:rPr lang="en-US" smtClean="0"/>
               <a:t>Fifth level</a:t>
             </a:r>
-            <a:endParaRPr lang="en-PH"/>
-          </a:p>
-        </p:txBody>
-      </p:sp>
-      <p:sp>
-        <p:nvSpPr>
-          <p:cNvPr id="5" name="Text Placeholder 4">
-            <a:extLst>
-              <a:ext uri="{FF2B5EF4-FFF2-40B4-BE49-F238E27FC236}">
-                <a16:creationId xmlns:a16="http://schemas.microsoft.com/office/drawing/2014/main" id="{1D6896DA-5938-85D6-1732-0F30F77F6691}"/>
-              </a:ext>
-            </a:extLst>
-          </p:cNvPr>
+            <a:endParaRPr lang="en-US"/>
+          </a:p>
+        </p:txBody>
+      </p:sp>
+      <p:sp>
+        <p:nvSpPr>
+          <p:cNvPr id="5" name="Text Placeholder 4"/>
           <p:cNvSpPr>
             <a:spLocks noGrp="1"/>
           </p:cNvSpPr>
@@ -1686,8 +2072,8 @@
         </p:nvSpPr>
         <p:spPr>
           <a:xfrm>
-            <a:off x="6172200" y="1681163"/>
-            <a:ext cx="5183188" cy="823912"/>
+            <a:off x="4645025" y="1535113"/>
+            <a:ext cx="4041775" cy="639762"/>
           </a:xfrm>
         </p:spPr>
         <p:txBody>
@@ -1733,7 +2119,7 @@
           <a:p>
             <a:pPr lvl="0"/>
             <a:r>
-              <a:rPr lang="en-US"/>
+              <a:rPr lang="en-US" smtClean="0"/>
               <a:t>Click to edit Master text styles</a:t>
             </a:r>
           </a:p>
@@ -1741,13 +2127,7 @@
       </p:sp>
       <p:sp>
         <p:nvSpPr>
-          <p:cNvPr id="6" name="Content Placeholder 5">
-            <a:extLst>
-              <a:ext uri="{FF2B5EF4-FFF2-40B4-BE49-F238E27FC236}">
-                <a16:creationId xmlns:a16="http://schemas.microsoft.com/office/drawing/2014/main" id="{B2D1D736-3C8B-C57E-AF67-8510ED98C3C8}"/>
-              </a:ext>
-            </a:extLst>
-          </p:cNvPr>
+          <p:cNvPr id="6" name="Content Placeholder 5"/>
           <p:cNvSpPr>
             <a:spLocks noGrp="1"/>
           </p:cNvSpPr>
@@ -1757,60 +2137,82 @@
         </p:nvSpPr>
         <p:spPr>
           <a:xfrm>
-            <a:off x="6172200" y="2505075"/>
-            <a:ext cx="5183188" cy="3684588"/>
+            <a:off x="4645025" y="2174875"/>
+            <a:ext cx="4041775" cy="3951288"/>
           </a:xfrm>
         </p:spPr>
         <p:txBody>
           <a:bodyPr/>
-          <a:lstStyle/>
+          <a:lstStyle>
+            <a:lvl1pPr>
+              <a:defRPr sz="2400"/>
+            </a:lvl1pPr>
+            <a:lvl2pPr>
+              <a:defRPr sz="2000"/>
+            </a:lvl2pPr>
+            <a:lvl3pPr>
+              <a:defRPr sz="1800"/>
+            </a:lvl3pPr>
+            <a:lvl4pPr>
+              <a:defRPr sz="1600"/>
+            </a:lvl4pPr>
+            <a:lvl5pPr>
+              <a:defRPr sz="1600"/>
+            </a:lvl5pPr>
+            <a:lvl6pPr>
+              <a:defRPr sz="1600"/>
+            </a:lvl6pPr>
+            <a:lvl7pPr>
+              <a:defRPr sz="1600"/>
+            </a:lvl7pPr>
+            <a:lvl8pPr>
+              <a:defRPr sz="1600"/>
+            </a:lvl8pPr>
+            <a:lvl9pPr>
+              <a:defRPr sz="1600"/>
+            </a:lvl9pPr>
+          </a:lstStyle>
           <a:p>
             <a:pPr lvl="0"/>
             <a:r>
-              <a:rPr lang="en-US"/>
+              <a:rPr lang="en-US" smtClean="0"/>
               <a:t>Click to edit Master text styles</a:t>
             </a:r>
           </a:p>
           <a:p>
             <a:pPr lvl="1"/>
             <a:r>
-              <a:rPr lang="en-US"/>
+              <a:rPr lang="en-US" smtClean="0"/>
               <a:t>Second level</a:t>
             </a:r>
           </a:p>
           <a:p>
             <a:pPr lvl="2"/>
             <a:r>
-              <a:rPr lang="en-US"/>
+              <a:rPr lang="en-US" smtClean="0"/>
               <a:t>Third level</a:t>
             </a:r>
           </a:p>
           <a:p>
             <a:pPr lvl="3"/>
             <a:r>
-              <a:rPr lang="en-US"/>
+              <a:rPr lang="en-US" smtClean="0"/>
               <a:t>Fourth level</a:t>
             </a:r>
           </a:p>
           <a:p>
             <a:pPr lvl="4"/>
             <a:r>
-              <a:rPr lang="en-US"/>
+              <a:rPr lang="en-US" smtClean="0"/>
               <a:t>Fifth level</a:t>
             </a:r>
-            <a:endParaRPr lang="en-PH"/>
-          </a:p>
-        </p:txBody>
-      </p:sp>
-      <p:sp>
-        <p:nvSpPr>
-          <p:cNvPr id="7" name="Date Placeholder 6">
-            <a:extLst>
-              <a:ext uri="{FF2B5EF4-FFF2-40B4-BE49-F238E27FC236}">
-                <a16:creationId xmlns:a16="http://schemas.microsoft.com/office/drawing/2014/main" id="{5D95BA6E-BD95-63DD-6097-F5517E85FB56}"/>
-              </a:ext>
-            </a:extLst>
-          </p:cNvPr>
+            <a:endParaRPr lang="en-US"/>
+          </a:p>
+        </p:txBody>
+      </p:sp>
+      <p:sp>
+        <p:nvSpPr>
+          <p:cNvPr id="7" name="Date Placeholder 6"/>
           <p:cNvSpPr>
             <a:spLocks noGrp="1"/>
           </p:cNvSpPr>
@@ -1823,23 +2225,18 @@
           <a:bodyPr/>
           <a:lstStyle/>
           <a:p>
-            <a:fld id="{5B941302-5FB1-4694-8D7F-2AB316B9A6B3}" type="datetimeFigureOut">
-              <a:rPr lang="en-PH" smtClean="0"/>
-              <a:t>18/03/2024</a:t>
+            <a:fld id="{F54D12FE-5549-4F54-813A-6D360FD17237}" type="datetimeFigureOut">
+              <a:rPr lang="en-US" smtClean="0"/>
+              <a:pPr/>
+              <a:t>9/13/2013</a:t>
             </a:fld>
-            <a:endParaRPr lang="en-PH"/>
-          </a:p>
-        </p:txBody>
-      </p:sp>
-      <p:sp>
-        <p:nvSpPr>
-          <p:cNvPr id="8" name="Footer Placeholder 7">
-            <a:extLst>
-              <a:ext uri="{FF2B5EF4-FFF2-40B4-BE49-F238E27FC236}">
-                <a16:creationId xmlns:a16="http://schemas.microsoft.com/office/drawing/2014/main" id="{CE973A2F-4020-1F3F-7CAC-DBFA88DD96FB}"/>
-              </a:ext>
-            </a:extLst>
-          </p:cNvPr>
+            <a:endParaRPr lang="en-US"/>
+          </a:p>
+        </p:txBody>
+      </p:sp>
+      <p:sp>
+        <p:nvSpPr>
+          <p:cNvPr id="8" name="Footer Placeholder 7"/>
           <p:cNvSpPr>
             <a:spLocks noGrp="1"/>
           </p:cNvSpPr>
@@ -1852,19 +2249,13 @@
           <a:bodyPr/>
           <a:lstStyle/>
           <a:p>
-            <a:endParaRPr lang="en-PH"/>
-          </a:p>
-        </p:txBody>
-      </p:sp>
-      <p:sp>
-        <p:nvSpPr>
-          <p:cNvPr id="9" name="Slide Number Placeholder 8">
-            <a:extLst>
-              <a:ext uri="{FF2B5EF4-FFF2-40B4-BE49-F238E27FC236}">
-                <a16:creationId xmlns:a16="http://schemas.microsoft.com/office/drawing/2014/main" id="{89FC9E9F-AB6A-5C32-1EA2-7909EA69D0CB}"/>
-              </a:ext>
-            </a:extLst>
-          </p:cNvPr>
+            <a:endParaRPr lang="en-US"/>
+          </a:p>
+        </p:txBody>
+      </p:sp>
+      <p:sp>
+        <p:nvSpPr>
+          <p:cNvPr id="9" name="Slide Number Placeholder 8"/>
           <p:cNvSpPr>
             <a:spLocks noGrp="1"/>
           </p:cNvSpPr>
@@ -1877,18 +2268,19 @@
           <a:bodyPr/>
           <a:lstStyle/>
           <a:p>
-            <a:fld id="{2B336E3F-BA3E-42A4-87D7-BFBAD5788151}" type="slidenum">
-              <a:rPr lang="en-PH" smtClean="0"/>
+            <a:fld id="{8E4645C7-0891-489B-BBD7-5B6DFACBD408}" type="slidenum">
+              <a:rPr lang="en-US" smtClean="0"/>
+              <a:pPr/>
               <a:t>‹#›</a:t>
             </a:fld>
-            <a:endParaRPr lang="en-PH"/>
+            <a:endParaRPr lang="en-US"/>
           </a:p>
         </p:txBody>
       </p:sp>
     </p:spTree>
     <p:extLst>
       <p:ext uri="{BB962C8B-B14F-4D97-AF65-F5344CB8AC3E}">
-        <p14:creationId xmlns:p14="http://schemas.microsoft.com/office/powerpoint/2010/main" val="2384542792"/>
+        <p14:creationId xmlns:p14="http://schemas.microsoft.com/office/powerpoint/2010/main" xmlns="" val="2698483043"/>
       </p:ext>
     </p:extLst>
   </p:cSld>
@@ -1917,13 +2309,7 @@
       </p:grpSpPr>
       <p:sp>
         <p:nvSpPr>
-          <p:cNvPr id="2" name="Title 1">
-            <a:extLst>
-              <a:ext uri="{FF2B5EF4-FFF2-40B4-BE49-F238E27FC236}">
-                <a16:creationId xmlns:a16="http://schemas.microsoft.com/office/drawing/2014/main" id="{315A71A2-D101-BAC0-9952-AF2F942BF2B8}"/>
-              </a:ext>
-            </a:extLst>
-          </p:cNvPr>
+          <p:cNvPr id="2" name="Title 1"/>
           <p:cNvSpPr>
             <a:spLocks noGrp="1"/>
           </p:cNvSpPr>
@@ -1937,22 +2323,16 @@
           <a:lstStyle/>
           <a:p>
             <a:r>
-              <a:rPr lang="en-US"/>
+              <a:rPr lang="en-US" smtClean="0"/>
               <a:t>Click to edit Master title style</a:t>
             </a:r>
-            <a:endParaRPr lang="en-PH"/>
-          </a:p>
-        </p:txBody>
-      </p:sp>
-      <p:sp>
-        <p:nvSpPr>
-          <p:cNvPr id="3" name="Date Placeholder 2">
-            <a:extLst>
-              <a:ext uri="{FF2B5EF4-FFF2-40B4-BE49-F238E27FC236}">
-                <a16:creationId xmlns:a16="http://schemas.microsoft.com/office/drawing/2014/main" id="{48A41F6D-34BB-91A6-A920-30D0DE77461E}"/>
-              </a:ext>
-            </a:extLst>
-          </p:cNvPr>
+            <a:endParaRPr lang="en-US"/>
+          </a:p>
+        </p:txBody>
+      </p:sp>
+      <p:sp>
+        <p:nvSpPr>
+          <p:cNvPr id="3" name="Date Placeholder 2"/>
           <p:cNvSpPr>
             <a:spLocks noGrp="1"/>
           </p:cNvSpPr>
@@ -1965,23 +2345,18 @@
           <a:bodyPr/>
           <a:lstStyle/>
           <a:p>
-            <a:fld id="{5B941302-5FB1-4694-8D7F-2AB316B9A6B3}" type="datetimeFigureOut">
-              <a:rPr lang="en-PH" smtClean="0"/>
-              <a:t>18/03/2024</a:t>
+            <a:fld id="{F54D12FE-5549-4F54-813A-6D360FD17237}" type="datetimeFigureOut">
+              <a:rPr lang="en-US" smtClean="0"/>
+              <a:pPr/>
+              <a:t>9/13/2013</a:t>
             </a:fld>
-            <a:endParaRPr lang="en-PH"/>
-          </a:p>
-        </p:txBody>
-      </p:sp>
-      <p:sp>
-        <p:nvSpPr>
-          <p:cNvPr id="4" name="Footer Placeholder 3">
-            <a:extLst>
-              <a:ext uri="{FF2B5EF4-FFF2-40B4-BE49-F238E27FC236}">
-                <a16:creationId xmlns:a16="http://schemas.microsoft.com/office/drawing/2014/main" id="{3C9DF9A3-C288-9AF9-6152-77A8FF018C51}"/>
-              </a:ext>
-            </a:extLst>
-          </p:cNvPr>
+            <a:endParaRPr lang="en-US"/>
+          </a:p>
+        </p:txBody>
+      </p:sp>
+      <p:sp>
+        <p:nvSpPr>
+          <p:cNvPr id="4" name="Footer Placeholder 3"/>
           <p:cNvSpPr>
             <a:spLocks noGrp="1"/>
           </p:cNvSpPr>
@@ -1994,19 +2369,13 @@
           <a:bodyPr/>
           <a:lstStyle/>
           <a:p>
-            <a:endParaRPr lang="en-PH"/>
-          </a:p>
-        </p:txBody>
-      </p:sp>
-      <p:sp>
-        <p:nvSpPr>
-          <p:cNvPr id="5" name="Slide Number Placeholder 4">
-            <a:extLst>
-              <a:ext uri="{FF2B5EF4-FFF2-40B4-BE49-F238E27FC236}">
-                <a16:creationId xmlns:a16="http://schemas.microsoft.com/office/drawing/2014/main" id="{C229E3B5-96C2-C30C-28B8-140BF3D0F732}"/>
-              </a:ext>
-            </a:extLst>
-          </p:cNvPr>
+            <a:endParaRPr lang="en-US"/>
+          </a:p>
+        </p:txBody>
+      </p:sp>
+      <p:sp>
+        <p:nvSpPr>
+          <p:cNvPr id="5" name="Slide Number Placeholder 4"/>
           <p:cNvSpPr>
             <a:spLocks noGrp="1"/>
           </p:cNvSpPr>
@@ -2019,18 +2388,19 @@
           <a:bodyPr/>
           <a:lstStyle/>
           <a:p>
-            <a:fld id="{2B336E3F-BA3E-42A4-87D7-BFBAD5788151}" type="slidenum">
-              <a:rPr lang="en-PH" smtClean="0"/>
+            <a:fld id="{8E4645C7-0891-489B-BBD7-5B6DFACBD408}" type="slidenum">
+              <a:rPr lang="en-US" smtClean="0"/>
+              <a:pPr/>
               <a:t>‹#›</a:t>
             </a:fld>
-            <a:endParaRPr lang="en-PH"/>
+            <a:endParaRPr lang="en-US"/>
           </a:p>
         </p:txBody>
       </p:sp>
     </p:spTree>
     <p:extLst>
       <p:ext uri="{BB962C8B-B14F-4D97-AF65-F5344CB8AC3E}">
-        <p14:creationId xmlns:p14="http://schemas.microsoft.com/office/powerpoint/2010/main" val="4056507391"/>
+        <p14:creationId xmlns:p14="http://schemas.microsoft.com/office/powerpoint/2010/main" xmlns="" val="1917265157"/>
       </p:ext>
     </p:extLst>
   </p:cSld>
@@ -2059,13 +2429,7 @@
       </p:grpSpPr>
       <p:sp>
         <p:nvSpPr>
-          <p:cNvPr id="2" name="Date Placeholder 1">
-            <a:extLst>
-              <a:ext uri="{FF2B5EF4-FFF2-40B4-BE49-F238E27FC236}">
-                <a16:creationId xmlns:a16="http://schemas.microsoft.com/office/drawing/2014/main" id="{62A42AC0-A34D-C669-B978-383C7273232C}"/>
-              </a:ext>
-            </a:extLst>
-          </p:cNvPr>
+          <p:cNvPr id="2" name="Date Placeholder 1"/>
           <p:cNvSpPr>
             <a:spLocks noGrp="1"/>
           </p:cNvSpPr>
@@ -2078,23 +2442,18 @@
           <a:bodyPr/>
           <a:lstStyle/>
           <a:p>
-            <a:fld id="{5B941302-5FB1-4694-8D7F-2AB316B9A6B3}" type="datetimeFigureOut">
-              <a:rPr lang="en-PH" smtClean="0"/>
-              <a:t>18/03/2024</a:t>
+            <a:fld id="{F54D12FE-5549-4F54-813A-6D360FD17237}" type="datetimeFigureOut">
+              <a:rPr lang="en-US" smtClean="0"/>
+              <a:pPr/>
+              <a:t>9/13/2013</a:t>
             </a:fld>
-            <a:endParaRPr lang="en-PH"/>
-          </a:p>
-        </p:txBody>
-      </p:sp>
-      <p:sp>
-        <p:nvSpPr>
-          <p:cNvPr id="3" name="Footer Placeholder 2">
-            <a:extLst>
-              <a:ext uri="{FF2B5EF4-FFF2-40B4-BE49-F238E27FC236}">
-                <a16:creationId xmlns:a16="http://schemas.microsoft.com/office/drawing/2014/main" id="{BFCC2455-0DDE-05D3-0847-4A21115E4FB9}"/>
-              </a:ext>
-            </a:extLst>
-          </p:cNvPr>
+            <a:endParaRPr lang="en-US"/>
+          </a:p>
+        </p:txBody>
+      </p:sp>
+      <p:sp>
+        <p:nvSpPr>
+          <p:cNvPr id="3" name="Footer Placeholder 2"/>
           <p:cNvSpPr>
             <a:spLocks noGrp="1"/>
           </p:cNvSpPr>
@@ -2107,19 +2466,13 @@
           <a:bodyPr/>
           <a:lstStyle/>
           <a:p>
-            <a:endParaRPr lang="en-PH"/>
-          </a:p>
-        </p:txBody>
-      </p:sp>
-      <p:sp>
-        <p:nvSpPr>
-          <p:cNvPr id="4" name="Slide Number Placeholder 3">
-            <a:extLst>
-              <a:ext uri="{FF2B5EF4-FFF2-40B4-BE49-F238E27FC236}">
-                <a16:creationId xmlns:a16="http://schemas.microsoft.com/office/drawing/2014/main" id="{3C24CF1E-88A2-7C56-3E75-E26734ED5193}"/>
-              </a:ext>
-            </a:extLst>
-          </p:cNvPr>
+            <a:endParaRPr lang="en-US"/>
+          </a:p>
+        </p:txBody>
+      </p:sp>
+      <p:sp>
+        <p:nvSpPr>
+          <p:cNvPr id="4" name="Slide Number Placeholder 3"/>
           <p:cNvSpPr>
             <a:spLocks noGrp="1"/>
           </p:cNvSpPr>
@@ -2132,18 +2485,19 @@
           <a:bodyPr/>
           <a:lstStyle/>
           <a:p>
-            <a:fld id="{2B336E3F-BA3E-42A4-87D7-BFBAD5788151}" type="slidenum">
-              <a:rPr lang="en-PH" smtClean="0"/>
+            <a:fld id="{8E4645C7-0891-489B-BBD7-5B6DFACBD408}" type="slidenum">
+              <a:rPr lang="en-US" smtClean="0"/>
+              <a:pPr/>
               <a:t>‹#›</a:t>
             </a:fld>
-            <a:endParaRPr lang="en-PH"/>
+            <a:endParaRPr lang="en-US"/>
           </a:p>
         </p:txBody>
       </p:sp>
     </p:spTree>
     <p:extLst>
       <p:ext uri="{BB962C8B-B14F-4D97-AF65-F5344CB8AC3E}">
-        <p14:creationId xmlns:p14="http://schemas.microsoft.com/office/powerpoint/2010/main" val="2372926993"/>
+        <p14:creationId xmlns:p14="http://schemas.microsoft.com/office/powerpoint/2010/main" xmlns="" val="2782554810"/>
       </p:ext>
     </p:extLst>
   </p:cSld>
@@ -2172,13 +2526,7 @@
       </p:grpSpPr>
       <p:sp>
         <p:nvSpPr>
-          <p:cNvPr id="2" name="Title 1">
-            <a:extLst>
-              <a:ext uri="{FF2B5EF4-FFF2-40B4-BE49-F238E27FC236}">
-                <a16:creationId xmlns:a16="http://schemas.microsoft.com/office/drawing/2014/main" id="{DF2B0E2A-CCFD-6482-4909-7EE3BC2CD6A4}"/>
-              </a:ext>
-            </a:extLst>
-          </p:cNvPr>
+          <p:cNvPr id="2" name="Title 1"/>
           <p:cNvSpPr>
             <a:spLocks noGrp="1"/>
           </p:cNvSpPr>
@@ -2188,35 +2536,29 @@
         </p:nvSpPr>
         <p:spPr>
           <a:xfrm>
-            <a:off x="839788" y="457200"/>
-            <a:ext cx="3932237" cy="1600200"/>
+            <a:off x="457200" y="273050"/>
+            <a:ext cx="3008313" cy="1162050"/>
           </a:xfrm>
         </p:spPr>
         <p:txBody>
           <a:bodyPr anchor="b"/>
           <a:lstStyle>
-            <a:lvl1pPr>
-              <a:defRPr sz="3200"/>
+            <a:lvl1pPr algn="l">
+              <a:defRPr sz="2000" b="1"/>
             </a:lvl1pPr>
           </a:lstStyle>
           <a:p>
             <a:r>
-              <a:rPr lang="en-US"/>
+              <a:rPr lang="en-US" smtClean="0"/>
               <a:t>Click to edit Master title style</a:t>
             </a:r>
-            <a:endParaRPr lang="en-PH"/>
-          </a:p>
-        </p:txBody>
-      </p:sp>
-      <p:sp>
-        <p:nvSpPr>
-          <p:cNvPr id="3" name="Content Placeholder 2">
-            <a:extLst>
-              <a:ext uri="{FF2B5EF4-FFF2-40B4-BE49-F238E27FC236}">
-                <a16:creationId xmlns:a16="http://schemas.microsoft.com/office/drawing/2014/main" id="{447F0856-F7AA-A8D3-254B-C6F8BBA8CF0C}"/>
-              </a:ext>
-            </a:extLst>
-          </p:cNvPr>
+            <a:endParaRPr lang="en-US"/>
+          </a:p>
+        </p:txBody>
+      </p:sp>
+      <p:sp>
+        <p:nvSpPr>
+          <p:cNvPr id="3" name="Content Placeholder 2"/>
           <p:cNvSpPr>
             <a:spLocks noGrp="1"/>
           </p:cNvSpPr>
@@ -2226,8 +2568,8 @@
         </p:nvSpPr>
         <p:spPr>
           <a:xfrm>
-            <a:off x="5183188" y="987425"/>
-            <a:ext cx="6172200" cy="4873625"/>
+            <a:off x="3575050" y="273050"/>
+            <a:ext cx="5111750" cy="5853113"/>
           </a:xfrm>
         </p:spPr>
         <p:txBody>
@@ -2264,50 +2606,44 @@
           <a:p>
             <a:pPr lvl="0"/>
             <a:r>
-              <a:rPr lang="en-US"/>
+              <a:rPr lang="en-US" smtClean="0"/>
               <a:t>Click to edit Master text styles</a:t>
             </a:r>
           </a:p>
           <a:p>
             <a:pPr lvl="1"/>
             <a:r>
-              <a:rPr lang="en-US"/>
+              <a:rPr lang="en-US" smtClean="0"/>
               <a:t>Second level</a:t>
             </a:r>
           </a:p>
           <a:p>
             <a:pPr lvl="2"/>
             <a:r>
-              <a:rPr lang="en-US"/>
+              <a:rPr lang="en-US" smtClean="0"/>
               <a:t>Third level</a:t>
             </a:r>
           </a:p>
           <a:p>
             <a:pPr lvl="3"/>
             <a:r>
-              <a:rPr lang="en-US"/>
+              <a:rPr lang="en-US" smtClean="0"/>
               <a:t>Fourth level</a:t>
             </a:r>
           </a:p>
           <a:p>
             <a:pPr lvl="4"/>
             <a:r>
-              <a:rPr lang="en-US"/>
+              <a:rPr lang="en-US" smtClean="0"/>
               <a:t>Fifth level</a:t>
             </a:r>
-            <a:endParaRPr lang="en-PH"/>
-          </a:p>
-        </p:txBody>
-      </p:sp>
-      <p:sp>
-        <p:nvSpPr>
-          <p:cNvPr id="4" name="Text Placeholder 3">
-            <a:extLst>
-              <a:ext uri="{FF2B5EF4-FFF2-40B4-BE49-F238E27FC236}">
-                <a16:creationId xmlns:a16="http://schemas.microsoft.com/office/drawing/2014/main" id="{6E8C0D4E-5D5E-7019-8EE0-096092ECE321}"/>
-              </a:ext>
-            </a:extLst>
-          </p:cNvPr>
+            <a:endParaRPr lang="en-US"/>
+          </a:p>
+        </p:txBody>
+      </p:sp>
+      <p:sp>
+        <p:nvSpPr>
+          <p:cNvPr id="4" name="Text Placeholder 3"/>
           <p:cNvSpPr>
             <a:spLocks noGrp="1"/>
           </p:cNvSpPr>
@@ -2317,8 +2653,8 @@
         </p:nvSpPr>
         <p:spPr>
           <a:xfrm>
-            <a:off x="839788" y="2057400"/>
-            <a:ext cx="3932237" cy="3811588"/>
+            <a:off x="457200" y="1435100"/>
+            <a:ext cx="3008313" cy="4691063"/>
           </a:xfrm>
         </p:spPr>
         <p:txBody>
@@ -2326,45 +2662,45 @@
           <a:lstStyle>
             <a:lvl1pPr marL="0" indent="0">
               <a:buNone/>
-              <a:defRPr sz="1600"/>
+              <a:defRPr sz="1400"/>
             </a:lvl1pPr>
             <a:lvl2pPr marL="457200" indent="0">
               <a:buNone/>
-              <a:defRPr sz="1400"/>
+              <a:defRPr sz="1200"/>
             </a:lvl2pPr>
             <a:lvl3pPr marL="914400" indent="0">
               <a:buNone/>
-              <a:defRPr sz="1200"/>
+              <a:defRPr sz="1000"/>
             </a:lvl3pPr>
             <a:lvl4pPr marL="1371600" indent="0">
               <a:buNone/>
-              <a:defRPr sz="1000"/>
+              <a:defRPr sz="900"/>
             </a:lvl4pPr>
             <a:lvl5pPr marL="1828800" indent="0">
               <a:buNone/>
-              <a:defRPr sz="1000"/>
+              <a:defRPr sz="900"/>
             </a:lvl5pPr>
             <a:lvl6pPr marL="2286000" indent="0">
               <a:buNone/>
-              <a:defRPr sz="1000"/>
+              <a:defRPr sz="900"/>
             </a:lvl6pPr>
             <a:lvl7pPr marL="2743200" indent="0">
               <a:buNone/>
-              <a:defRPr sz="1000"/>
+              <a:defRPr sz="900"/>
             </a:lvl7pPr>
             <a:lvl8pPr marL="3200400" indent="0">
               <a:buNone/>
-              <a:defRPr sz="1000"/>
+              <a:defRPr sz="900"/>
             </a:lvl8pPr>
             <a:lvl9pPr marL="3657600" indent="0">
               <a:buNone/>
-              <a:defRPr sz="1000"/>
+              <a:defRPr sz="900"/>
             </a:lvl9pPr>
           </a:lstStyle>
           <a:p>
             <a:pPr lvl="0"/>
             <a:r>
-              <a:rPr lang="en-US"/>
+              <a:rPr lang="en-US" smtClean="0"/>
               <a:t>Click to edit Master text styles</a:t>
             </a:r>
           </a:p>
@@ -2372,13 +2708,7 @@
       </p:sp>
       <p:sp>
         <p:nvSpPr>
-          <p:cNvPr id="5" name="Date Placeholder 4">
-            <a:extLst>
-              <a:ext uri="{FF2B5EF4-FFF2-40B4-BE49-F238E27FC236}">
-                <a16:creationId xmlns:a16="http://schemas.microsoft.com/office/drawing/2014/main" id="{9529CDB1-DBA6-9346-5B6C-C671B66D3DE4}"/>
-              </a:ext>
-            </a:extLst>
-          </p:cNvPr>
+          <p:cNvPr id="5" name="Date Placeholder 4"/>
           <p:cNvSpPr>
             <a:spLocks noGrp="1"/>
           </p:cNvSpPr>
@@ -2391,23 +2721,18 @@
           <a:bodyPr/>
           <a:lstStyle/>
           <a:p>
-            <a:fld id="{5B941302-5FB1-4694-8D7F-2AB316B9A6B3}" type="datetimeFigureOut">
-              <a:rPr lang="en-PH" smtClean="0"/>
-              <a:t>18/03/2024</a:t>
+            <a:fld id="{F54D12FE-5549-4F54-813A-6D360FD17237}" type="datetimeFigureOut">
+              <a:rPr lang="en-US" smtClean="0"/>
+              <a:pPr/>
+              <a:t>9/13/2013</a:t>
             </a:fld>
-            <a:endParaRPr lang="en-PH"/>
-          </a:p>
-        </p:txBody>
-      </p:sp>
-      <p:sp>
-        <p:nvSpPr>
-          <p:cNvPr id="6" name="Footer Placeholder 5">
-            <a:extLst>
-              <a:ext uri="{FF2B5EF4-FFF2-40B4-BE49-F238E27FC236}">
-                <a16:creationId xmlns:a16="http://schemas.microsoft.com/office/drawing/2014/main" id="{29E63D3C-B878-7420-B5F5-D246C5B53FE7}"/>
-              </a:ext>
-            </a:extLst>
-          </p:cNvPr>
+            <a:endParaRPr lang="en-US"/>
+          </a:p>
+        </p:txBody>
+      </p:sp>
+      <p:sp>
+        <p:nvSpPr>
+          <p:cNvPr id="6" name="Footer Placeholder 5"/>
           <p:cNvSpPr>
             <a:spLocks noGrp="1"/>
           </p:cNvSpPr>
@@ -2420,19 +2745,13 @@
           <a:bodyPr/>
           <a:lstStyle/>
           <a:p>
-            <a:endParaRPr lang="en-PH"/>
-          </a:p>
-        </p:txBody>
-      </p:sp>
-      <p:sp>
-        <p:nvSpPr>
-          <p:cNvPr id="7" name="Slide Number Placeholder 6">
-            <a:extLst>
-              <a:ext uri="{FF2B5EF4-FFF2-40B4-BE49-F238E27FC236}">
-                <a16:creationId xmlns:a16="http://schemas.microsoft.com/office/drawing/2014/main" id="{3D0C83E3-C12C-E27E-DF14-C99B0FB5F010}"/>
-              </a:ext>
-            </a:extLst>
-          </p:cNvPr>
+            <a:endParaRPr lang="en-US"/>
+          </a:p>
+        </p:txBody>
+      </p:sp>
+      <p:sp>
+        <p:nvSpPr>
+          <p:cNvPr id="7" name="Slide Number Placeholder 6"/>
           <p:cNvSpPr>
             <a:spLocks noGrp="1"/>
           </p:cNvSpPr>
@@ -2445,18 +2764,19 @@
           <a:bodyPr/>
           <a:lstStyle/>
           <a:p>
-            <a:fld id="{2B336E3F-BA3E-42A4-87D7-BFBAD5788151}" type="slidenum">
-              <a:rPr lang="en-PH" smtClean="0"/>
+            <a:fld id="{8E4645C7-0891-489B-BBD7-5B6DFACBD408}" type="slidenum">
+              <a:rPr lang="en-US" smtClean="0"/>
+              <a:pPr/>
               <a:t>‹#›</a:t>
             </a:fld>
-            <a:endParaRPr lang="en-PH"/>
+            <a:endParaRPr lang="en-US"/>
           </a:p>
         </p:txBody>
       </p:sp>
     </p:spTree>
     <p:extLst>
       <p:ext uri="{BB962C8B-B14F-4D97-AF65-F5344CB8AC3E}">
-        <p14:creationId xmlns:p14="http://schemas.microsoft.com/office/powerpoint/2010/main" val="3104897208"/>
+        <p14:creationId xmlns:p14="http://schemas.microsoft.com/office/powerpoint/2010/main" xmlns="" val="1904889136"/>
       </p:ext>
     </p:extLst>
   </p:cSld>
@@ -2485,13 +2805,7 @@
       </p:grpSpPr>
       <p:sp>
         <p:nvSpPr>
-          <p:cNvPr id="2" name="Title 1">
-            <a:extLst>
-              <a:ext uri="{FF2B5EF4-FFF2-40B4-BE49-F238E27FC236}">
-                <a16:creationId xmlns:a16="http://schemas.microsoft.com/office/drawing/2014/main" id="{2F624B4E-B28D-746E-CE27-B228F37C4AB0}"/>
-              </a:ext>
-            </a:extLst>
-          </p:cNvPr>
+          <p:cNvPr id="2" name="Title 1"/>
           <p:cNvSpPr>
             <a:spLocks noGrp="1"/>
           </p:cNvSpPr>
@@ -2501,35 +2815,29 @@
         </p:nvSpPr>
         <p:spPr>
           <a:xfrm>
-            <a:off x="839788" y="457200"/>
-            <a:ext cx="3932237" cy="1600200"/>
+            <a:off x="1792288" y="4800600"/>
+            <a:ext cx="5486400" cy="566738"/>
           </a:xfrm>
         </p:spPr>
         <p:txBody>
           <a:bodyPr anchor="b"/>
           <a:lstStyle>
-            <a:lvl1pPr>
-              <a:defRPr sz="3200"/>
+            <a:lvl1pPr algn="l">
+              <a:defRPr sz="2000" b="1"/>
             </a:lvl1pPr>
           </a:lstStyle>
           <a:p>
             <a:r>
-              <a:rPr lang="en-US"/>
+              <a:rPr lang="en-US" smtClean="0"/>
               <a:t>Click to edit Master title style</a:t>
             </a:r>
-            <a:endParaRPr lang="en-PH"/>
-          </a:p>
-        </p:txBody>
-      </p:sp>
-      <p:sp>
-        <p:nvSpPr>
-          <p:cNvPr id="3" name="Picture Placeholder 2">
-            <a:extLst>
-              <a:ext uri="{FF2B5EF4-FFF2-40B4-BE49-F238E27FC236}">
-                <a16:creationId xmlns:a16="http://schemas.microsoft.com/office/drawing/2014/main" id="{01DB5916-BD62-BA8D-E874-3DE065F3C005}"/>
-              </a:ext>
-            </a:extLst>
-          </p:cNvPr>
+            <a:endParaRPr lang="en-US"/>
+          </a:p>
+        </p:txBody>
+      </p:sp>
+      <p:sp>
+        <p:nvSpPr>
+          <p:cNvPr id="3" name="Picture Placeholder 2"/>
           <p:cNvSpPr>
             <a:spLocks noGrp="1"/>
           </p:cNvSpPr>
@@ -2539,8 +2847,8 @@
         </p:nvSpPr>
         <p:spPr>
           <a:xfrm>
-            <a:off x="5183188" y="987425"/>
-            <a:ext cx="6172200" cy="4873625"/>
+            <a:off x="1792288" y="612775"/>
+            <a:ext cx="5486400" cy="4114800"/>
           </a:xfrm>
         </p:spPr>
         <p:txBody>
@@ -2584,19 +2892,13 @@
             </a:lvl9pPr>
           </a:lstStyle>
           <a:p>
-            <a:endParaRPr lang="en-PH"/>
-          </a:p>
-        </p:txBody>
-      </p:sp>
-      <p:sp>
-        <p:nvSpPr>
-          <p:cNvPr id="4" name="Text Placeholder 3">
-            <a:extLst>
-              <a:ext uri="{FF2B5EF4-FFF2-40B4-BE49-F238E27FC236}">
-                <a16:creationId xmlns:a16="http://schemas.microsoft.com/office/drawing/2014/main" id="{424A3CEA-1906-AD7B-5172-5FF773D562F3}"/>
-              </a:ext>
-            </a:extLst>
-          </p:cNvPr>
+            <a:endParaRPr lang="en-US"/>
+          </a:p>
+        </p:txBody>
+      </p:sp>
+      <p:sp>
+        <p:nvSpPr>
+          <p:cNvPr id="4" name="Text Placeholder 3"/>
           <p:cNvSpPr>
             <a:spLocks noGrp="1"/>
           </p:cNvSpPr>
@@ -2606,8 +2908,8 @@
         </p:nvSpPr>
         <p:spPr>
           <a:xfrm>
-            <a:off x="839788" y="2057400"/>
-            <a:ext cx="3932237" cy="3811588"/>
+            <a:off x="1792288" y="5367338"/>
+            <a:ext cx="5486400" cy="804862"/>
           </a:xfrm>
         </p:spPr>
         <p:txBody>
@@ -2615,45 +2917,45 @@
           <a:lstStyle>
             <a:lvl1pPr marL="0" indent="0">
               <a:buNone/>
-              <a:defRPr sz="1600"/>
+              <a:defRPr sz="1400"/>
             </a:lvl1pPr>
             <a:lvl2pPr marL="457200" indent="0">
               <a:buNone/>
-              <a:defRPr sz="1400"/>
+              <a:defRPr sz="1200"/>
             </a:lvl2pPr>
             <a:lvl3pPr marL="914400" indent="0">
               <a:buNone/>
-              <a:defRPr sz="1200"/>
+              <a:defRPr sz="1000"/>
             </a:lvl3pPr>
             <a:lvl4pPr marL="1371600" indent="0">
               <a:buNone/>
-              <a:defRPr sz="1000"/>
+              <a:defRPr sz="900"/>
             </a:lvl4pPr>
             <a:lvl5pPr marL="1828800" indent="0">
               <a:buNone/>
-              <a:defRPr sz="1000"/>
+              <a:defRPr sz="900"/>
             </a:lvl5pPr>
             <a:lvl6pPr marL="2286000" indent="0">
               <a:buNone/>
-              <a:defRPr sz="1000"/>
+              <a:defRPr sz="900"/>
             </a:lvl6pPr>
             <a:lvl7pPr marL="2743200" indent="0">
               <a:buNone/>
-              <a:defRPr sz="1000"/>
+              <a:defRPr sz="900"/>
             </a:lvl7pPr>
             <a:lvl8pPr marL="3200400" indent="0">
               <a:buNone/>
-              <a:defRPr sz="1000"/>
+              <a:defRPr sz="900"/>
             </a:lvl8pPr>
             <a:lvl9pPr marL="3657600" indent="0">
               <a:buNone/>
-              <a:defRPr sz="1000"/>
+              <a:defRPr sz="900"/>
             </a:lvl9pPr>
           </a:lstStyle>
           <a:p>
             <a:pPr lvl="0"/>
             <a:r>
-              <a:rPr lang="en-US"/>
+              <a:rPr lang="en-US" smtClean="0"/>
               <a:t>Click to edit Master text styles</a:t>
             </a:r>
           </a:p>
@@ -2661,13 +2963,7 @@
       </p:sp>
       <p:sp>
         <p:nvSpPr>
-          <p:cNvPr id="5" name="Date Placeholder 4">
-            <a:extLst>
-              <a:ext uri="{FF2B5EF4-FFF2-40B4-BE49-F238E27FC236}">
-                <a16:creationId xmlns:a16="http://schemas.microsoft.com/office/drawing/2014/main" id="{C6ABD6EE-7DBA-9735-60E7-7E2E9DC2DD6A}"/>
-              </a:ext>
-            </a:extLst>
-          </p:cNvPr>
+          <p:cNvPr id="5" name="Date Placeholder 4"/>
           <p:cNvSpPr>
             <a:spLocks noGrp="1"/>
           </p:cNvSpPr>
@@ -2680,23 +2976,18 @@
           <a:bodyPr/>
           <a:lstStyle/>
           <a:p>
-            <a:fld id="{5B941302-5FB1-4694-8D7F-2AB316B9A6B3}" type="datetimeFigureOut">
-              <a:rPr lang="en-PH" smtClean="0"/>
-              <a:t>18/03/2024</a:t>
+            <a:fld id="{F54D12FE-5549-4F54-813A-6D360FD17237}" type="datetimeFigureOut">
+              <a:rPr lang="en-US" smtClean="0"/>
+              <a:pPr/>
+              <a:t>9/13/2013</a:t>
             </a:fld>
-            <a:endParaRPr lang="en-PH"/>
-          </a:p>
-        </p:txBody>
-      </p:sp>
-      <p:sp>
-        <p:nvSpPr>
-          <p:cNvPr id="6" name="Footer Placeholder 5">
-            <a:extLst>
-              <a:ext uri="{FF2B5EF4-FFF2-40B4-BE49-F238E27FC236}">
-                <a16:creationId xmlns:a16="http://schemas.microsoft.com/office/drawing/2014/main" id="{6AA7DEDF-B2D5-0293-B16E-A1A24DAE3D30}"/>
-              </a:ext>
-            </a:extLst>
-          </p:cNvPr>
+            <a:endParaRPr lang="en-US"/>
+          </a:p>
+        </p:txBody>
+      </p:sp>
+      <p:sp>
+        <p:nvSpPr>
+          <p:cNvPr id="6" name="Footer Placeholder 5"/>
           <p:cNvSpPr>
             <a:spLocks noGrp="1"/>
           </p:cNvSpPr>
@@ -2709,19 +3000,13 @@
           <a:bodyPr/>
           <a:lstStyle/>
           <a:p>
-            <a:endParaRPr lang="en-PH"/>
-          </a:p>
-        </p:txBody>
-      </p:sp>
-      <p:sp>
-        <p:nvSpPr>
-          <p:cNvPr id="7" name="Slide Number Placeholder 6">
-            <a:extLst>
-              <a:ext uri="{FF2B5EF4-FFF2-40B4-BE49-F238E27FC236}">
-                <a16:creationId xmlns:a16="http://schemas.microsoft.com/office/drawing/2014/main" id="{B907D192-E911-85DD-E188-340CD2F45E92}"/>
-              </a:ext>
-            </a:extLst>
-          </p:cNvPr>
+            <a:endParaRPr lang="en-US"/>
+          </a:p>
+        </p:txBody>
+      </p:sp>
+      <p:sp>
+        <p:nvSpPr>
+          <p:cNvPr id="7" name="Slide Number Placeholder 6"/>
           <p:cNvSpPr>
             <a:spLocks noGrp="1"/>
           </p:cNvSpPr>
@@ -2734,18 +3019,19 @@
           <a:bodyPr/>
           <a:lstStyle/>
           <a:p>
-            <a:fld id="{2B336E3F-BA3E-42A4-87D7-BFBAD5788151}" type="slidenum">
-              <a:rPr lang="en-PH" smtClean="0"/>
+            <a:fld id="{8E4645C7-0891-489B-BBD7-5B6DFACBD408}" type="slidenum">
+              <a:rPr lang="en-US" smtClean="0"/>
+              <a:pPr/>
               <a:t>‹#›</a:t>
             </a:fld>
-            <a:endParaRPr lang="en-PH"/>
+            <a:endParaRPr lang="en-US"/>
           </a:p>
         </p:txBody>
       </p:sp>
     </p:spTree>
     <p:extLst>
       <p:ext uri="{BB962C8B-B14F-4D97-AF65-F5344CB8AC3E}">
-        <p14:creationId xmlns:p14="http://schemas.microsoft.com/office/powerpoint/2010/main" val="833351953"/>
+        <p14:creationId xmlns:p14="http://schemas.microsoft.com/office/powerpoint/2010/main" xmlns="" val="2583763316"/>
       </p:ext>
     </p:extLst>
   </p:cSld>
@@ -2779,13 +3065,7 @@
       </p:grpSpPr>
       <p:sp>
         <p:nvSpPr>
-          <p:cNvPr id="2" name="Title Placeholder 1">
-            <a:extLst>
-              <a:ext uri="{FF2B5EF4-FFF2-40B4-BE49-F238E27FC236}">
-                <a16:creationId xmlns:a16="http://schemas.microsoft.com/office/drawing/2014/main" id="{6DA5F50E-BCA9-470C-AE73-D052D5FD585C}"/>
-              </a:ext>
-            </a:extLst>
-          </p:cNvPr>
+          <p:cNvPr id="2" name="Title Placeholder 1"/>
           <p:cNvSpPr>
             <a:spLocks noGrp="1"/>
           </p:cNvSpPr>
@@ -2795,8 +3075,8 @@
         </p:nvSpPr>
         <p:spPr>
           <a:xfrm>
-            <a:off x="838200" y="365125"/>
-            <a:ext cx="10515600" cy="1325563"/>
+            <a:off x="457200" y="274638"/>
+            <a:ext cx="8229600" cy="1143000"/>
           </a:xfrm>
           <a:prstGeom prst="rect">
             <a:avLst/>
@@ -2809,22 +3089,16 @@
           <a:lstStyle/>
           <a:p>
             <a:r>
-              <a:rPr lang="en-US"/>
+              <a:rPr lang="en-US" smtClean="0"/>
               <a:t>Click to edit Master title style</a:t>
             </a:r>
-            <a:endParaRPr lang="en-PH"/>
-          </a:p>
-        </p:txBody>
-      </p:sp>
-      <p:sp>
-        <p:nvSpPr>
-          <p:cNvPr id="3" name="Text Placeholder 2">
-            <a:extLst>
-              <a:ext uri="{FF2B5EF4-FFF2-40B4-BE49-F238E27FC236}">
-                <a16:creationId xmlns:a16="http://schemas.microsoft.com/office/drawing/2014/main" id="{8D07691A-567F-A095-14B7-7987306BA4B5}"/>
-              </a:ext>
-            </a:extLst>
-          </p:cNvPr>
+            <a:endParaRPr lang="en-US"/>
+          </a:p>
+        </p:txBody>
+      </p:sp>
+      <p:sp>
+        <p:nvSpPr>
+          <p:cNvPr id="3" name="Text Placeholder 2"/>
           <p:cNvSpPr>
             <a:spLocks noGrp="1"/>
           </p:cNvSpPr>
@@ -2834,8 +3108,8 @@
         </p:nvSpPr>
         <p:spPr>
           <a:xfrm>
-            <a:off x="838200" y="1825625"/>
-            <a:ext cx="10515600" cy="4351338"/>
+            <a:off x="457200" y="1600200"/>
+            <a:ext cx="8229600" cy="4525963"/>
           </a:xfrm>
           <a:prstGeom prst="rect">
             <a:avLst/>
@@ -2849,50 +3123,44 @@
           <a:p>
             <a:pPr lvl="0"/>
             <a:r>
-              <a:rPr lang="en-US"/>
+              <a:rPr lang="en-US" smtClean="0"/>
               <a:t>Click to edit Master text styles</a:t>
             </a:r>
           </a:p>
           <a:p>
             <a:pPr lvl="1"/>
             <a:r>
-              <a:rPr lang="en-US"/>
+              <a:rPr lang="en-US" smtClean="0"/>
               <a:t>Second level</a:t>
             </a:r>
           </a:p>
           <a:p>
             <a:pPr lvl="2"/>
             <a:r>
-              <a:rPr lang="en-US"/>
+              <a:rPr lang="en-US" smtClean="0"/>
               <a:t>Third level</a:t>
             </a:r>
           </a:p>
           <a:p>
             <a:pPr lvl="3"/>
             <a:r>
-              <a:rPr lang="en-US"/>
+              <a:rPr lang="en-US" smtClean="0"/>
               <a:t>Fourth level</a:t>
             </a:r>
           </a:p>
           <a:p>
             <a:pPr lvl="4"/>
             <a:r>
-              <a:rPr lang="en-US"/>
+              <a:rPr lang="en-US" smtClean="0"/>
               <a:t>Fifth level</a:t>
             </a:r>
-            <a:endParaRPr lang="en-PH"/>
-          </a:p>
-        </p:txBody>
-      </p:sp>
-      <p:sp>
-        <p:nvSpPr>
-          <p:cNvPr id="4" name="Date Placeholder 3">
-            <a:extLst>
-              <a:ext uri="{FF2B5EF4-FFF2-40B4-BE49-F238E27FC236}">
-                <a16:creationId xmlns:a16="http://schemas.microsoft.com/office/drawing/2014/main" id="{FF07A0A6-71EF-F691-1F3C-C57D8EAF0BA9}"/>
-              </a:ext>
-            </a:extLst>
-          </p:cNvPr>
+            <a:endParaRPr lang="en-US"/>
+          </a:p>
+        </p:txBody>
+      </p:sp>
+      <p:sp>
+        <p:nvSpPr>
+          <p:cNvPr id="4" name="Date Placeholder 3"/>
           <p:cNvSpPr>
             <a:spLocks noGrp="1"/>
           </p:cNvSpPr>
@@ -2902,8 +3170,8 @@
         </p:nvSpPr>
         <p:spPr>
           <a:xfrm>
-            <a:off x="838200" y="6356350"/>
-            <a:ext cx="2743200" cy="365125"/>
+            <a:off x="457200" y="6356350"/>
+            <a:ext cx="2133600" cy="365125"/>
           </a:xfrm>
           <a:prstGeom prst="rect">
             <a:avLst/>
@@ -2923,23 +3191,18 @@
             </a:lvl1pPr>
           </a:lstStyle>
           <a:p>
-            <a:fld id="{5B941302-5FB1-4694-8D7F-2AB316B9A6B3}" type="datetimeFigureOut">
-              <a:rPr lang="en-PH" smtClean="0"/>
-              <a:t>18/03/2024</a:t>
+            <a:fld id="{F54D12FE-5549-4F54-813A-6D360FD17237}" type="datetimeFigureOut">
+              <a:rPr lang="en-US" smtClean="0"/>
+              <a:pPr/>
+              <a:t>9/13/2013</a:t>
             </a:fld>
-            <a:endParaRPr lang="en-PH"/>
-          </a:p>
-        </p:txBody>
-      </p:sp>
-      <p:sp>
-        <p:nvSpPr>
-          <p:cNvPr id="5" name="Footer Placeholder 4">
-            <a:extLst>
-              <a:ext uri="{FF2B5EF4-FFF2-40B4-BE49-F238E27FC236}">
-                <a16:creationId xmlns:a16="http://schemas.microsoft.com/office/drawing/2014/main" id="{3DD8DF95-DCCB-9610-CD32-EFF54C5DA82F}"/>
-              </a:ext>
-            </a:extLst>
-          </p:cNvPr>
+            <a:endParaRPr lang="en-US"/>
+          </a:p>
+        </p:txBody>
+      </p:sp>
+      <p:sp>
+        <p:nvSpPr>
+          <p:cNvPr id="5" name="Footer Placeholder 4"/>
           <p:cNvSpPr>
             <a:spLocks noGrp="1"/>
           </p:cNvSpPr>
@@ -2949,8 +3212,8 @@
         </p:nvSpPr>
         <p:spPr>
           <a:xfrm>
-            <a:off x="4038600" y="6356350"/>
-            <a:ext cx="4114800" cy="365125"/>
+            <a:off x="3124200" y="6356350"/>
+            <a:ext cx="2895600" cy="365125"/>
           </a:xfrm>
           <a:prstGeom prst="rect">
             <a:avLst/>
@@ -2970,19 +3233,13 @@
             </a:lvl1pPr>
           </a:lstStyle>
           <a:p>
-            <a:endParaRPr lang="en-PH"/>
-          </a:p>
-        </p:txBody>
-      </p:sp>
-      <p:sp>
-        <p:nvSpPr>
-          <p:cNvPr id="6" name="Slide Number Placeholder 5">
-            <a:extLst>
-              <a:ext uri="{FF2B5EF4-FFF2-40B4-BE49-F238E27FC236}">
-                <a16:creationId xmlns:a16="http://schemas.microsoft.com/office/drawing/2014/main" id="{60B5497C-7205-3551-4338-B92CB699C379}"/>
-              </a:ext>
-            </a:extLst>
-          </p:cNvPr>
+            <a:endParaRPr lang="en-US"/>
+          </a:p>
+        </p:txBody>
+      </p:sp>
+      <p:sp>
+        <p:nvSpPr>
+          <p:cNvPr id="6" name="Slide Number Placeholder 5"/>
           <p:cNvSpPr>
             <a:spLocks noGrp="1"/>
           </p:cNvSpPr>
@@ -2992,8 +3249,8 @@
         </p:nvSpPr>
         <p:spPr>
           <a:xfrm>
-            <a:off x="8610600" y="6356350"/>
-            <a:ext cx="2743200" cy="365125"/>
+            <a:off x="6553200" y="6356350"/>
+            <a:ext cx="2133600" cy="365125"/>
           </a:xfrm>
           <a:prstGeom prst="rect">
             <a:avLst/>
@@ -3013,18 +3270,19 @@
             </a:lvl1pPr>
           </a:lstStyle>
           <a:p>
-            <a:fld id="{2B336E3F-BA3E-42A4-87D7-BFBAD5788151}" type="slidenum">
-              <a:rPr lang="en-PH" smtClean="0"/>
+            <a:fld id="{8E4645C7-0891-489B-BBD7-5B6DFACBD408}" type="slidenum">
+              <a:rPr lang="en-US" smtClean="0"/>
+              <a:pPr/>
               <a:t>‹#›</a:t>
             </a:fld>
-            <a:endParaRPr lang="en-PH"/>
+            <a:endParaRPr lang="en-US"/>
           </a:p>
         </p:txBody>
       </p:sp>
     </p:spTree>
     <p:extLst>
       <p:ext uri="{BB962C8B-B14F-4D97-AF65-F5344CB8AC3E}">
-        <p14:creationId xmlns:p14="http://schemas.microsoft.com/office/powerpoint/2010/main" val="3311329522"/>
+        <p14:creationId xmlns:p14="http://schemas.microsoft.com/office/powerpoint/2010/main" xmlns="" val="3803233245"/>
       </p:ext>
     </p:extLst>
   </p:cSld>
@@ -3044,10 +3302,7 @@
   </p:sldLayoutIdLst>
   <p:txStyles>
     <p:titleStyle>
-      <a:lvl1pPr algn="l" defTabSz="914400" rtl="0" eaLnBrk="1" latinLnBrk="0" hangingPunct="1">
-        <a:lnSpc>
-          <a:spcPct val="90000"/>
-        </a:lnSpc>
+      <a:lvl1pPr algn="ctr" defTabSz="914400" rtl="0" eaLnBrk="1" latinLnBrk="0" hangingPunct="1">
         <a:spcBef>
           <a:spcPct val="0"/>
         </a:spcBef>
@@ -3063,15 +3318,27 @@
       </a:lvl1pPr>
     </p:titleStyle>
     <p:bodyStyle>
-      <a:lvl1pPr marL="228600" indent="-228600" algn="l" defTabSz="914400" rtl="0" eaLnBrk="1" latinLnBrk="0" hangingPunct="1">
-        <a:lnSpc>
-          <a:spcPct val="90000"/>
-        </a:lnSpc>
+      <a:lvl1pPr marL="342900" indent="-342900" algn="l" defTabSz="914400" rtl="0" eaLnBrk="1" latinLnBrk="0" hangingPunct="1">
         <a:spcBef>
-          <a:spcPts val="1000"/>
+          <a:spcPct val="20000"/>
         </a:spcBef>
-        <a:buFont typeface="Arial" panose="020B0604020202020204" pitchFamily="34" charset="0"/>
+        <a:buFont typeface="Arial" pitchFamily="34" charset="0"/>
         <a:buChar char="•"/>
+        <a:defRPr sz="3200" kern="1200">
+          <a:solidFill>
+            <a:schemeClr val="tx1"/>
+          </a:solidFill>
+          <a:latin typeface="+mn-lt"/>
+          <a:ea typeface="+mn-ea"/>
+          <a:cs typeface="+mn-cs"/>
+        </a:defRPr>
+      </a:lvl1pPr>
+      <a:lvl2pPr marL="742950" indent="-285750" algn="l" defTabSz="914400" rtl="0" eaLnBrk="1" latinLnBrk="0" hangingPunct="1">
+        <a:spcBef>
+          <a:spcPct val="20000"/>
+        </a:spcBef>
+        <a:buFont typeface="Arial" pitchFamily="34" charset="0"/>
+        <a:buChar char="–"/>
         <a:defRPr sz="2800" kern="1200">
           <a:solidFill>
             <a:schemeClr val="tx1"/>
@@ -3080,15 +3347,12 @@
           <a:ea typeface="+mn-ea"/>
           <a:cs typeface="+mn-cs"/>
         </a:defRPr>
-      </a:lvl1pPr>
-      <a:lvl2pPr marL="685800" indent="-228600" algn="l" defTabSz="914400" rtl="0" eaLnBrk="1" latinLnBrk="0" hangingPunct="1">
-        <a:lnSpc>
-          <a:spcPct val="90000"/>
-        </a:lnSpc>
+      </a:lvl2pPr>
+      <a:lvl3pPr marL="1143000" indent="-228600" algn="l" defTabSz="914400" rtl="0" eaLnBrk="1" latinLnBrk="0" hangingPunct="1">
         <a:spcBef>
-          <a:spcPts val="500"/>
+          <a:spcPct val="20000"/>
         </a:spcBef>
-        <a:buFont typeface="Arial" panose="020B0604020202020204" pitchFamily="34" charset="0"/>
+        <a:buFont typeface="Arial" pitchFamily="34" charset="0"/>
         <a:buChar char="•"/>
         <a:defRPr sz="2400" kern="1200">
           <a:solidFill>
@@ -3098,15 +3362,42 @@
           <a:ea typeface="+mn-ea"/>
           <a:cs typeface="+mn-cs"/>
         </a:defRPr>
-      </a:lvl2pPr>
-      <a:lvl3pPr marL="1143000" indent="-228600" algn="l" defTabSz="914400" rtl="0" eaLnBrk="1" latinLnBrk="0" hangingPunct="1">
-        <a:lnSpc>
-          <a:spcPct val="90000"/>
-        </a:lnSpc>
+      </a:lvl3pPr>
+      <a:lvl4pPr marL="1600200" indent="-228600" algn="l" defTabSz="914400" rtl="0" eaLnBrk="1" latinLnBrk="0" hangingPunct="1">
         <a:spcBef>
-          <a:spcPts val="500"/>
+          <a:spcPct val="20000"/>
         </a:spcBef>
-        <a:buFont typeface="Arial" panose="020B0604020202020204" pitchFamily="34" charset="0"/>
+        <a:buFont typeface="Arial" pitchFamily="34" charset="0"/>
+        <a:buChar char="–"/>
+        <a:defRPr sz="2000" kern="1200">
+          <a:solidFill>
+            <a:schemeClr val="tx1"/>
+          </a:solidFill>
+          <a:latin typeface="+mn-lt"/>
+          <a:ea typeface="+mn-ea"/>
+          <a:cs typeface="+mn-cs"/>
+        </a:defRPr>
+      </a:lvl4pPr>
+      <a:lvl5pPr marL="2057400" indent="-228600" algn="l" defTabSz="914400" rtl="0" eaLnBrk="1" latinLnBrk="0" hangingPunct="1">
+        <a:spcBef>
+          <a:spcPct val="20000"/>
+        </a:spcBef>
+        <a:buFont typeface="Arial" pitchFamily="34" charset="0"/>
+        <a:buChar char="»"/>
+        <a:defRPr sz="2000" kern="1200">
+          <a:solidFill>
+            <a:schemeClr val="tx1"/>
+          </a:solidFill>
+          <a:latin typeface="+mn-lt"/>
+          <a:ea typeface="+mn-ea"/>
+          <a:cs typeface="+mn-cs"/>
+        </a:defRPr>
+      </a:lvl5pPr>
+      <a:lvl6pPr marL="2514600" indent="-228600" algn="l" defTabSz="914400" rtl="0" eaLnBrk="1" latinLnBrk="0" hangingPunct="1">
+        <a:spcBef>
+          <a:spcPct val="20000"/>
+        </a:spcBef>
+        <a:buFont typeface="Arial" pitchFamily="34" charset="0"/>
         <a:buChar char="•"/>
         <a:defRPr sz="2000" kern="1200">
           <a:solidFill>
@@ -3116,71 +3407,14 @@
           <a:ea typeface="+mn-ea"/>
           <a:cs typeface="+mn-cs"/>
         </a:defRPr>
-      </a:lvl3pPr>
-      <a:lvl4pPr marL="1600200" indent="-228600" algn="l" defTabSz="914400" rtl="0" eaLnBrk="1" latinLnBrk="0" hangingPunct="1">
-        <a:lnSpc>
-          <a:spcPct val="90000"/>
-        </a:lnSpc>
-        <a:spcBef>
-          <a:spcPts val="500"/>
-        </a:spcBef>
-        <a:buFont typeface="Arial" panose="020B0604020202020204" pitchFamily="34" charset="0"/>
-        <a:buChar char="•"/>
-        <a:defRPr sz="1800" kern="1200">
-          <a:solidFill>
-            <a:schemeClr val="tx1"/>
-          </a:solidFill>
-          <a:latin typeface="+mn-lt"/>
-          <a:ea typeface="+mn-ea"/>
-          <a:cs typeface="+mn-cs"/>
-        </a:defRPr>
-      </a:lvl4pPr>
-      <a:lvl5pPr marL="2057400" indent="-228600" algn="l" defTabSz="914400" rtl="0" eaLnBrk="1" latinLnBrk="0" hangingPunct="1">
-        <a:lnSpc>
-          <a:spcPct val="90000"/>
-        </a:lnSpc>
-        <a:spcBef>
-          <a:spcPts val="500"/>
-        </a:spcBef>
-        <a:buFont typeface="Arial" panose="020B0604020202020204" pitchFamily="34" charset="0"/>
-        <a:buChar char="•"/>
-        <a:defRPr sz="1800" kern="1200">
-          <a:solidFill>
-            <a:schemeClr val="tx1"/>
-          </a:solidFill>
-          <a:latin typeface="+mn-lt"/>
-          <a:ea typeface="+mn-ea"/>
-          <a:cs typeface="+mn-cs"/>
-        </a:defRPr>
-      </a:lvl5pPr>
-      <a:lvl6pPr marL="2514600" indent="-228600" algn="l" defTabSz="914400" rtl="0" eaLnBrk="1" latinLnBrk="0" hangingPunct="1">
-        <a:lnSpc>
-          <a:spcPct val="90000"/>
-        </a:lnSpc>
-        <a:spcBef>
-          <a:spcPts val="500"/>
-        </a:spcBef>
-        <a:buFont typeface="Arial" panose="020B0604020202020204" pitchFamily="34" charset="0"/>
-        <a:buChar char="•"/>
-        <a:defRPr sz="1800" kern="1200">
-          <a:solidFill>
-            <a:schemeClr val="tx1"/>
-          </a:solidFill>
-          <a:latin typeface="+mn-lt"/>
-          <a:ea typeface="+mn-ea"/>
-          <a:cs typeface="+mn-cs"/>
-        </a:defRPr>
       </a:lvl6pPr>
       <a:lvl7pPr marL="2971800" indent="-228600" algn="l" defTabSz="914400" rtl="0" eaLnBrk="1" latinLnBrk="0" hangingPunct="1">
-        <a:lnSpc>
-          <a:spcPct val="90000"/>
-        </a:lnSpc>
         <a:spcBef>
-          <a:spcPts val="500"/>
+          <a:spcPct val="20000"/>
         </a:spcBef>
-        <a:buFont typeface="Arial" panose="020B0604020202020204" pitchFamily="34" charset="0"/>
+        <a:buFont typeface="Arial" pitchFamily="34" charset="0"/>
         <a:buChar char="•"/>
-        <a:defRPr sz="1800" kern="1200">
+        <a:defRPr sz="2000" kern="1200">
           <a:solidFill>
             <a:schemeClr val="tx1"/>
           </a:solidFill>
@@ -3190,15 +3424,12 @@
         </a:defRPr>
       </a:lvl7pPr>
       <a:lvl8pPr marL="3429000" indent="-228600" algn="l" defTabSz="914400" rtl="0" eaLnBrk="1" latinLnBrk="0" hangingPunct="1">
-        <a:lnSpc>
-          <a:spcPct val="90000"/>
-        </a:lnSpc>
         <a:spcBef>
-          <a:spcPts val="500"/>
+          <a:spcPct val="20000"/>
         </a:spcBef>
-        <a:buFont typeface="Arial" panose="020B0604020202020204" pitchFamily="34" charset="0"/>
+        <a:buFont typeface="Arial" pitchFamily="34" charset="0"/>
         <a:buChar char="•"/>
-        <a:defRPr sz="1800" kern="1200">
+        <a:defRPr sz="2000" kern="1200">
           <a:solidFill>
             <a:schemeClr val="tx1"/>
           </a:solidFill>
@@ -3208,15 +3439,12 @@
         </a:defRPr>
       </a:lvl8pPr>
       <a:lvl9pPr marL="3886200" indent="-228600" algn="l" defTabSz="914400" rtl="0" eaLnBrk="1" latinLnBrk="0" hangingPunct="1">
-        <a:lnSpc>
-          <a:spcPct val="90000"/>
-        </a:lnSpc>
         <a:spcBef>
-          <a:spcPts val="500"/>
+          <a:spcPct val="20000"/>
         </a:spcBef>
-        <a:buFont typeface="Arial" panose="020B0604020202020204" pitchFamily="34" charset="0"/>
+        <a:buFont typeface="Arial" pitchFamily="34" charset="0"/>
         <a:buChar char="•"/>
-        <a:defRPr sz="1800" kern="1200">
+        <a:defRPr sz="2000" kern="1200">
           <a:solidFill>
             <a:schemeClr val="tx1"/>
           </a:solidFill>
@@ -3344,13 +3572,7 @@
       </p:grpSpPr>
       <p:sp>
         <p:nvSpPr>
-          <p:cNvPr id="2" name="Title 1">
-            <a:extLst>
-              <a:ext uri="{FF2B5EF4-FFF2-40B4-BE49-F238E27FC236}">
-                <a16:creationId xmlns:a16="http://schemas.microsoft.com/office/drawing/2014/main" id="{E3EA1DE6-E67F-5A8A-DE44-2E6C38030705}"/>
-              </a:ext>
-            </a:extLst>
-          </p:cNvPr>
+          <p:cNvPr id="2" name="Title 1"/>
           <p:cNvSpPr>
             <a:spLocks noGrp="1"/>
           </p:cNvSpPr>
@@ -3363,19 +3585,17 @@
           <a:bodyPr/>
           <a:lstStyle/>
           <a:p>
-            <a:endParaRPr lang="en-PH"/>
-          </a:p>
-        </p:txBody>
-      </p:sp>
-      <p:sp>
-        <p:nvSpPr>
-          <p:cNvPr id="3" name="Subtitle 2">
-            <a:extLst>
-              <a:ext uri="{FF2B5EF4-FFF2-40B4-BE49-F238E27FC236}">
-                <a16:creationId xmlns:a16="http://schemas.microsoft.com/office/drawing/2014/main" id="{05BC4B23-D1B5-901A-7151-F36238BA960F}"/>
-              </a:ext>
-            </a:extLst>
-          </p:cNvPr>
+            <a:r>
+              <a:rPr lang="en-US" dirty="0" smtClean="0"/>
+              <a:t>PowerPoint Exercises</a:t>
+            </a:r>
+            <a:endParaRPr lang="en-US" dirty="0"/>
+          </a:p>
+        </p:txBody>
+      </p:sp>
+      <p:sp>
+        <p:nvSpPr>
+          <p:cNvPr id="3" name="Subtitle 2"/>
           <p:cNvSpPr>
             <a:spLocks noGrp="1"/>
           </p:cNvSpPr>
@@ -3388,14 +3608,1782 @@
           <a:bodyPr/>
           <a:lstStyle/>
           <a:p>
-            <a:endParaRPr lang="en-PH" dirty="0"/>
+            <a:r>
+              <a:rPr lang="en-US" dirty="0" smtClean="0"/>
+              <a:t>Complete each exercise, then save the file and upload it to the course website.</a:t>
+            </a:r>
+            <a:endParaRPr lang="en-US" dirty="0"/>
           </a:p>
         </p:txBody>
       </p:sp>
     </p:spTree>
     <p:extLst>
       <p:ext uri="{BB962C8B-B14F-4D97-AF65-F5344CB8AC3E}">
-        <p14:creationId xmlns:p14="http://schemas.microsoft.com/office/powerpoint/2010/main" val="2262518193"/>
+        <p14:creationId xmlns:p14="http://schemas.microsoft.com/office/powerpoint/2010/main" xmlns="" val="2408757737"/>
+      </p:ext>
+    </p:extLst>
+  </p:cSld>
+  <p:clrMapOvr>
+    <a:masterClrMapping/>
+  </p:clrMapOvr>
+  <p:timing>
+    <p:tnLst>
+      <p:par>
+        <p:cTn id="1" dur="indefinite" restart="never" nodeType="tmRoot"/>
+      </p:par>
+    </p:tnLst>
+  </p:timing>
+</p:sld>
+</file>
+
+<file path=ppt/slides/slide10.xml><?xml version="1.0" encoding="utf-8"?>
+<p:sld xmlns:a="http://schemas.openxmlformats.org/drawingml/2006/main" xmlns:r="http://schemas.openxmlformats.org/officeDocument/2006/relationships" xmlns:p="http://schemas.openxmlformats.org/presentationml/2006/main">
+  <p:cSld>
+    <p:spTree>
+      <p:nvGrpSpPr>
+        <p:cNvPr id="1" name=""/>
+        <p:cNvGrpSpPr/>
+        <p:nvPr/>
+      </p:nvGrpSpPr>
+      <p:grpSpPr>
+        <a:xfrm>
+          <a:off x="0" y="0"/>
+          <a:ext cx="0" cy="0"/>
+          <a:chOff x="0" y="0"/>
+          <a:chExt cx="0" cy="0"/>
+        </a:xfrm>
+      </p:grpSpPr>
+      <p:sp>
+        <p:nvSpPr>
+          <p:cNvPr id="2" name="Title 1"/>
+          <p:cNvSpPr>
+            <a:spLocks noGrp="1"/>
+          </p:cNvSpPr>
+          <p:nvPr>
+            <p:ph type="title"/>
+          </p:nvPr>
+        </p:nvSpPr>
+        <p:spPr/>
+        <p:txBody>
+          <a:bodyPr>
+            <a:normAutofit/>
+          </a:bodyPr>
+          <a:lstStyle/>
+          <a:p>
+            <a:r>
+              <a:rPr lang="en-US" sz="3200" dirty="0">
+                <a:latin typeface="Arial" pitchFamily="34" charset="0"/>
+                <a:cs typeface="Arial" pitchFamily="34" charset="0"/>
+              </a:rPr>
+              <a:t>Apply animation to these bullet points. Each click should bring in one point.</a:t>
+            </a:r>
+          </a:p>
+        </p:txBody>
+      </p:sp>
+      <p:sp>
+        <p:nvSpPr>
+          <p:cNvPr id="4" name="TextBox 3"/>
+          <p:cNvSpPr txBox="1"/>
+          <p:nvPr/>
+        </p:nvSpPr>
+        <p:spPr>
+          <a:xfrm>
+            <a:off x="990600" y="2057400"/>
+            <a:ext cx="3886200" cy="2277547"/>
+          </a:xfrm>
+          <a:prstGeom prst="rect">
+            <a:avLst/>
+          </a:prstGeom>
+          <a:noFill/>
+        </p:spPr>
+        <p:txBody>
+          <a:bodyPr wrap="square" rtlCol="0">
+            <a:spAutoFit/>
+          </a:bodyPr>
+          <a:lstStyle/>
+          <a:p>
+            <a:pPr marL="285750" indent="-285750">
+              <a:spcAft>
+                <a:spcPts val="1200"/>
+              </a:spcAft>
+              <a:buFont typeface="Arial" pitchFamily="34" charset="0"/>
+              <a:buChar char="•"/>
+            </a:pPr>
+            <a:r>
+              <a:rPr lang="en-US" sz="2800" dirty="0" smtClean="0"/>
+              <a:t>Bullet point</a:t>
+            </a:r>
+          </a:p>
+          <a:p>
+            <a:pPr marL="285750" indent="-285750">
+              <a:spcAft>
+                <a:spcPts val="1200"/>
+              </a:spcAft>
+              <a:buFont typeface="Arial" pitchFamily="34" charset="0"/>
+              <a:buChar char="•"/>
+            </a:pPr>
+            <a:r>
+              <a:rPr lang="en-US" sz="2800" dirty="0" smtClean="0"/>
+              <a:t>Bullet point</a:t>
+            </a:r>
+          </a:p>
+          <a:p>
+            <a:pPr marL="285750" indent="-285750">
+              <a:spcAft>
+                <a:spcPts val="1200"/>
+              </a:spcAft>
+              <a:buFont typeface="Arial" pitchFamily="34" charset="0"/>
+              <a:buChar char="•"/>
+            </a:pPr>
+            <a:r>
+              <a:rPr lang="en-US" sz="2800" dirty="0" smtClean="0"/>
+              <a:t>Bullet point</a:t>
+            </a:r>
+          </a:p>
+          <a:p>
+            <a:pPr marL="285750" indent="-285750">
+              <a:spcAft>
+                <a:spcPts val="1200"/>
+              </a:spcAft>
+              <a:buFont typeface="Arial" pitchFamily="34" charset="0"/>
+              <a:buChar char="•"/>
+            </a:pPr>
+            <a:r>
+              <a:rPr lang="en-US" sz="2800" dirty="0" smtClean="0"/>
+              <a:t>Bullet point</a:t>
+            </a:r>
+            <a:endParaRPr lang="en-US" sz="2800" dirty="0"/>
+          </a:p>
+        </p:txBody>
+      </p:sp>
+    </p:spTree>
+    <p:extLst>
+      <p:ext uri="{BB962C8B-B14F-4D97-AF65-F5344CB8AC3E}">
+        <p14:creationId xmlns:p14="http://schemas.microsoft.com/office/powerpoint/2010/main" xmlns="" val="107133055"/>
+      </p:ext>
+    </p:extLst>
+  </p:cSld>
+  <p:clrMapOvr>
+    <a:masterClrMapping/>
+  </p:clrMapOvr>
+</p:sld>
+</file>
+
+<file path=ppt/slides/slide11.xml><?xml version="1.0" encoding="utf-8"?>
+<p:sld xmlns:a="http://schemas.openxmlformats.org/drawingml/2006/main" xmlns:r="http://schemas.openxmlformats.org/officeDocument/2006/relationships" xmlns:p="http://schemas.openxmlformats.org/presentationml/2006/main">
+  <p:cSld>
+    <p:spTree>
+      <p:nvGrpSpPr>
+        <p:cNvPr id="1" name=""/>
+        <p:cNvGrpSpPr/>
+        <p:nvPr/>
+      </p:nvGrpSpPr>
+      <p:grpSpPr>
+        <a:xfrm>
+          <a:off x="0" y="0"/>
+          <a:ext cx="0" cy="0"/>
+          <a:chOff x="0" y="0"/>
+          <a:chExt cx="0" cy="0"/>
+        </a:xfrm>
+      </p:grpSpPr>
+      <p:sp>
+        <p:nvSpPr>
+          <p:cNvPr id="2" name="Title 1"/>
+          <p:cNvSpPr>
+            <a:spLocks noGrp="1"/>
+          </p:cNvSpPr>
+          <p:nvPr>
+            <p:ph type="title"/>
+          </p:nvPr>
+        </p:nvSpPr>
+        <p:spPr/>
+        <p:txBody>
+          <a:bodyPr>
+            <a:noAutofit/>
+          </a:bodyPr>
+          <a:lstStyle/>
+          <a:p>
+            <a:r>
+              <a:rPr lang="en-US" sz="3200" dirty="0">
+                <a:latin typeface="Arial" pitchFamily="34" charset="0"/>
+                <a:cs typeface="Arial" pitchFamily="34" charset="0"/>
+              </a:rPr>
+              <a:t>Insert a SmartArt graphic and apply animation to bring in one part of the graphic at a time.</a:t>
+            </a:r>
+          </a:p>
+        </p:txBody>
+      </p:sp>
+    </p:spTree>
+    <p:extLst>
+      <p:ext uri="{BB962C8B-B14F-4D97-AF65-F5344CB8AC3E}">
+        <p14:creationId xmlns:p14="http://schemas.microsoft.com/office/powerpoint/2010/main" xmlns="" val="120737078"/>
+      </p:ext>
+    </p:extLst>
+  </p:cSld>
+  <p:clrMapOvr>
+    <a:masterClrMapping/>
+  </p:clrMapOvr>
+  <p:timing>
+    <p:tnLst>
+      <p:par>
+        <p:cTn id="1" dur="indefinite" restart="never" nodeType="tmRoot"/>
+      </p:par>
+    </p:tnLst>
+  </p:timing>
+</p:sld>
+</file>
+
+<file path=ppt/slides/slide12.xml><?xml version="1.0" encoding="utf-8"?>
+<p:sld xmlns:a="http://schemas.openxmlformats.org/drawingml/2006/main" xmlns:r="http://schemas.openxmlformats.org/officeDocument/2006/relationships" xmlns:p="http://schemas.openxmlformats.org/presentationml/2006/main">
+  <p:cSld>
+    <p:spTree>
+      <p:nvGrpSpPr>
+        <p:cNvPr id="1" name=""/>
+        <p:cNvGrpSpPr/>
+        <p:nvPr/>
+      </p:nvGrpSpPr>
+      <p:grpSpPr>
+        <a:xfrm>
+          <a:off x="0" y="0"/>
+          <a:ext cx="0" cy="0"/>
+          <a:chOff x="0" y="0"/>
+          <a:chExt cx="0" cy="0"/>
+        </a:xfrm>
+      </p:grpSpPr>
+      <p:sp>
+        <p:nvSpPr>
+          <p:cNvPr id="2" name="Title 1"/>
+          <p:cNvSpPr>
+            <a:spLocks noGrp="1"/>
+          </p:cNvSpPr>
+          <p:nvPr>
+            <p:ph type="title"/>
+          </p:nvPr>
+        </p:nvSpPr>
+        <p:spPr/>
+        <p:txBody>
+          <a:bodyPr>
+            <a:noAutofit/>
+          </a:bodyPr>
+          <a:lstStyle/>
+          <a:p>
+            <a:r>
+              <a:rPr lang="en-US" sz="3200" dirty="0" smtClean="0">
+                <a:latin typeface="Arial" pitchFamily="34" charset="0"/>
+                <a:cs typeface="Arial" pitchFamily="34" charset="0"/>
+              </a:rPr>
+              <a:t>Find one more technical tool or trick to do on this slide. The more creative, the better.</a:t>
+            </a:r>
+            <a:endParaRPr lang="en-US" sz="3200" dirty="0">
+              <a:latin typeface="Arial" pitchFamily="34" charset="0"/>
+              <a:cs typeface="Arial" pitchFamily="34" charset="0"/>
+            </a:endParaRPr>
+          </a:p>
+        </p:txBody>
+      </p:sp>
+    </p:spTree>
+    <p:extLst>
+      <p:ext uri="{BB962C8B-B14F-4D97-AF65-F5344CB8AC3E}">
+        <p14:creationId xmlns:p14="http://schemas.microsoft.com/office/powerpoint/2010/main" xmlns="" val="2363458939"/>
+      </p:ext>
+    </p:extLst>
+  </p:cSld>
+  <p:clrMapOvr>
+    <a:masterClrMapping/>
+  </p:clrMapOvr>
+  <p:timing>
+    <p:tnLst>
+      <p:par>
+        <p:cTn id="1" dur="indefinite" restart="never" nodeType="tmRoot"/>
+      </p:par>
+    </p:tnLst>
+  </p:timing>
+</p:sld>
+</file>
+
+<file path=ppt/slides/slide2.xml><?xml version="1.0" encoding="utf-8"?>
+<p:sld xmlns:a="http://schemas.openxmlformats.org/drawingml/2006/main" xmlns:r="http://schemas.openxmlformats.org/officeDocument/2006/relationships" xmlns:p="http://schemas.openxmlformats.org/presentationml/2006/main">
+  <p:cSld>
+    <p:spTree>
+      <p:nvGrpSpPr>
+        <p:cNvPr id="1" name=""/>
+        <p:cNvGrpSpPr/>
+        <p:nvPr/>
+      </p:nvGrpSpPr>
+      <p:grpSpPr>
+        <a:xfrm>
+          <a:off x="0" y="0"/>
+          <a:ext cx="0" cy="0"/>
+          <a:chOff x="0" y="0"/>
+          <a:chExt cx="0" cy="0"/>
+        </a:xfrm>
+      </p:grpSpPr>
+      <p:sp>
+        <p:nvSpPr>
+          <p:cNvPr id="2" name="Title 1"/>
+          <p:cNvSpPr>
+            <a:spLocks noGrp="1"/>
+          </p:cNvSpPr>
+          <p:nvPr>
+            <p:ph type="title"/>
+          </p:nvPr>
+        </p:nvSpPr>
+        <p:spPr/>
+        <p:txBody>
+          <a:bodyPr>
+            <a:normAutofit/>
+          </a:bodyPr>
+          <a:lstStyle/>
+          <a:p>
+            <a:r>
+              <a:rPr lang="en-US" sz="3200" dirty="0" smtClean="0">
+                <a:latin typeface="Arial" pitchFamily="34" charset="0"/>
+                <a:cs typeface="Arial" pitchFamily="34" charset="0"/>
+              </a:rPr>
+              <a:t>Crop this image tightly around the monkey.</a:t>
+            </a:r>
+            <a:endParaRPr lang="en-US" sz="3200" dirty="0">
+              <a:latin typeface="Arial" pitchFamily="34" charset="0"/>
+              <a:cs typeface="Arial" pitchFamily="34" charset="0"/>
+            </a:endParaRPr>
+          </a:p>
+        </p:txBody>
+      </p:sp>
+      <p:pic>
+        <p:nvPicPr>
+          <p:cNvPr id="1026" name="Picture 2"/>
+          <p:cNvPicPr>
+            <a:picLocks noGrp="1" noChangeAspect="1" noChangeArrowheads="1"/>
+          </p:cNvPicPr>
+          <p:nvPr>
+            <p:ph idx="1"/>
+          </p:nvPr>
+        </p:nvPicPr>
+        <p:blipFill>
+          <a:blip r:embed="rId2" cstate="print">
+            <a:extLst>
+              <a:ext uri="{28A0092B-C50C-407E-A947-70E740481C1C}">
+                <a14:useLocalDpi xmlns:a14="http://schemas.microsoft.com/office/drawing/2010/main" xmlns="" val="0"/>
+              </a:ext>
+            </a:extLst>
+          </a:blip>
+          <a:srcRect/>
+          <a:stretch>
+            <a:fillRect/>
+          </a:stretch>
+        </p:blipFill>
+        <p:spPr bwMode="auto">
+          <a:xfrm>
+            <a:off x="1143000" y="1752599"/>
+            <a:ext cx="6400800" cy="4401781"/>
+          </a:xfrm>
+          <a:prstGeom prst="rect">
+            <a:avLst/>
+          </a:prstGeom>
+          <a:noFill/>
+          <a:ln>
+            <a:noFill/>
+          </a:ln>
+          <a:effectLst/>
+          <a:extLst>
+            <a:ext uri="{909E8E84-426E-40dd-AFC4-6F175D3DCCD1}">
+              <a14:hiddenFill xmlns:a14="http://schemas.microsoft.com/office/drawing/2010/main" xmlns="">
+                <a:solidFill>
+                  <a:schemeClr val="accent1"/>
+                </a:solidFill>
+              </a14:hiddenFill>
+            </a:ext>
+            <a:ext uri="{91240B29-F687-4f45-9708-019B960494DF}">
+              <a14:hiddenLine xmlns:a14="http://schemas.microsoft.com/office/drawing/2010/main" xmlns="" w="9525">
+                <a:solidFill>
+                  <a:schemeClr val="tx1"/>
+                </a:solidFill>
+                <a:miter lim="800000"/>
+                <a:headEnd/>
+                <a:tailEnd/>
+              </a14:hiddenLine>
+            </a:ext>
+            <a:ext uri="{AF507438-7753-43e0-B8FC-AC1667EBCBE1}">
+              <a14:hiddenEffects xmlns:a14="http://schemas.microsoft.com/office/drawing/2010/main" xmlns="">
+                <a:effectLst>
+                  <a:outerShdw dist="35921" dir="2700000" algn="ctr" rotWithShape="0">
+                    <a:schemeClr val="bg2"/>
+                  </a:outerShdw>
+                </a:effectLst>
+              </a14:hiddenEffects>
+            </a:ext>
+          </a:extLst>
+        </p:spPr>
+      </p:pic>
+    </p:spTree>
+    <p:extLst>
+      <p:ext uri="{BB962C8B-B14F-4D97-AF65-F5344CB8AC3E}">
+        <p14:creationId xmlns:p14="http://schemas.microsoft.com/office/powerpoint/2010/main" xmlns="" val="956603512"/>
+      </p:ext>
+    </p:extLst>
+  </p:cSld>
+  <p:clrMapOvr>
+    <a:masterClrMapping/>
+  </p:clrMapOvr>
+</p:sld>
+</file>
+
+<file path=ppt/slides/slide3.xml><?xml version="1.0" encoding="utf-8"?>
+<p:sld xmlns:a="http://schemas.openxmlformats.org/drawingml/2006/main" xmlns:r="http://schemas.openxmlformats.org/officeDocument/2006/relationships" xmlns:p="http://schemas.openxmlformats.org/presentationml/2006/main">
+  <p:cSld>
+    <p:spTree>
+      <p:nvGrpSpPr>
+        <p:cNvPr id="1" name=""/>
+        <p:cNvGrpSpPr/>
+        <p:nvPr/>
+      </p:nvGrpSpPr>
+      <p:grpSpPr>
+        <a:xfrm>
+          <a:off x="0" y="0"/>
+          <a:ext cx="0" cy="0"/>
+          <a:chOff x="0" y="0"/>
+          <a:chExt cx="0" cy="0"/>
+        </a:xfrm>
+      </p:grpSpPr>
+      <p:sp>
+        <p:nvSpPr>
+          <p:cNvPr id="2" name="Title 1"/>
+          <p:cNvSpPr>
+            <a:spLocks noGrp="1"/>
+          </p:cNvSpPr>
+          <p:nvPr>
+            <p:ph type="title"/>
+          </p:nvPr>
+        </p:nvSpPr>
+        <p:spPr/>
+        <p:txBody>
+          <a:bodyPr>
+            <a:normAutofit/>
+          </a:bodyPr>
+          <a:lstStyle/>
+          <a:p>
+            <a:r>
+              <a:rPr lang="en-US" sz="3200" dirty="0">
+                <a:latin typeface="Arial" pitchFamily="34" charset="0"/>
+                <a:cs typeface="Arial" pitchFamily="34" charset="0"/>
+              </a:rPr>
+              <a:t>Apply a 2-point thick solid brown border and a drop shadow to this photo.</a:t>
+            </a:r>
+          </a:p>
+        </p:txBody>
+      </p:sp>
+      <p:pic>
+        <p:nvPicPr>
+          <p:cNvPr id="2050" name="Picture 2"/>
+          <p:cNvPicPr>
+            <a:picLocks noChangeAspect="1" noChangeArrowheads="1"/>
+          </p:cNvPicPr>
+          <p:nvPr/>
+        </p:nvPicPr>
+        <p:blipFill>
+          <a:blip r:embed="rId2" cstate="print">
+            <a:extLst>
+              <a:ext uri="{28A0092B-C50C-407E-A947-70E740481C1C}">
+                <a14:useLocalDpi xmlns:a14="http://schemas.microsoft.com/office/drawing/2010/main" xmlns="" val="0"/>
+              </a:ext>
+            </a:extLst>
+          </a:blip>
+          <a:srcRect/>
+          <a:stretch>
+            <a:fillRect/>
+          </a:stretch>
+        </p:blipFill>
+        <p:spPr bwMode="auto">
+          <a:xfrm>
+            <a:off x="1524000" y="1905000"/>
+            <a:ext cx="6115050" cy="4072623"/>
+          </a:xfrm>
+          <a:prstGeom prst="rect">
+            <a:avLst/>
+          </a:prstGeom>
+          <a:noFill/>
+          <a:ln>
+            <a:noFill/>
+          </a:ln>
+          <a:effectLst/>
+          <a:extLst>
+            <a:ext uri="{909E8E84-426E-40dd-AFC4-6F175D3DCCD1}">
+              <a14:hiddenFill xmlns:a14="http://schemas.microsoft.com/office/drawing/2010/main" xmlns="">
+                <a:solidFill>
+                  <a:schemeClr val="accent1"/>
+                </a:solidFill>
+              </a14:hiddenFill>
+            </a:ext>
+            <a:ext uri="{91240B29-F687-4f45-9708-019B960494DF}">
+              <a14:hiddenLine xmlns:a14="http://schemas.microsoft.com/office/drawing/2010/main" xmlns="" w="9525">
+                <a:solidFill>
+                  <a:schemeClr val="tx1"/>
+                </a:solidFill>
+                <a:miter lim="800000"/>
+                <a:headEnd/>
+                <a:tailEnd/>
+              </a14:hiddenLine>
+            </a:ext>
+            <a:ext uri="{AF507438-7753-43e0-B8FC-AC1667EBCBE1}">
+              <a14:hiddenEffects xmlns:a14="http://schemas.microsoft.com/office/drawing/2010/main" xmlns="">
+                <a:effectLst>
+                  <a:outerShdw dist="35921" dir="2700000" algn="ctr" rotWithShape="0">
+                    <a:schemeClr val="bg2"/>
+                  </a:outerShdw>
+                </a:effectLst>
+              </a14:hiddenEffects>
+            </a:ext>
+          </a:extLst>
+        </p:spPr>
+      </p:pic>
+    </p:spTree>
+    <p:extLst>
+      <p:ext uri="{BB962C8B-B14F-4D97-AF65-F5344CB8AC3E}">
+        <p14:creationId xmlns:p14="http://schemas.microsoft.com/office/powerpoint/2010/main" xmlns="" val="3423422973"/>
+      </p:ext>
+    </p:extLst>
+  </p:cSld>
+  <p:clrMapOvr>
+    <a:masterClrMapping/>
+  </p:clrMapOvr>
+</p:sld>
+</file>
+
+<file path=ppt/slides/slide4.xml><?xml version="1.0" encoding="utf-8"?>
+<p:sld xmlns:a="http://schemas.openxmlformats.org/drawingml/2006/main" xmlns:r="http://schemas.openxmlformats.org/officeDocument/2006/relationships" xmlns:p="http://schemas.openxmlformats.org/presentationml/2006/main">
+  <p:cSld>
+    <p:spTree>
+      <p:nvGrpSpPr>
+        <p:cNvPr id="1" name=""/>
+        <p:cNvGrpSpPr/>
+        <p:nvPr/>
+      </p:nvGrpSpPr>
+      <p:grpSpPr>
+        <a:xfrm>
+          <a:off x="0" y="0"/>
+          <a:ext cx="0" cy="0"/>
+          <a:chOff x="0" y="0"/>
+          <a:chExt cx="0" cy="0"/>
+        </a:xfrm>
+      </p:grpSpPr>
+      <p:sp>
+        <p:nvSpPr>
+          <p:cNvPr id="2" name="Title 1"/>
+          <p:cNvSpPr>
+            <a:spLocks noGrp="1"/>
+          </p:cNvSpPr>
+          <p:nvPr>
+            <p:ph type="title"/>
+          </p:nvPr>
+        </p:nvSpPr>
+        <p:spPr/>
+        <p:txBody>
+          <a:bodyPr>
+            <a:normAutofit/>
+          </a:bodyPr>
+          <a:lstStyle/>
+          <a:p>
+            <a:r>
+              <a:rPr lang="en-US" sz="3200" dirty="0">
+                <a:latin typeface="Arial" pitchFamily="34" charset="0"/>
+                <a:cs typeface="Arial" pitchFamily="34" charset="0"/>
+              </a:rPr>
+              <a:t>Eliminate the white background from the logo and place it on the t-shirt.</a:t>
+            </a:r>
+          </a:p>
+        </p:txBody>
+      </p:sp>
+      <p:pic>
+        <p:nvPicPr>
+          <p:cNvPr id="3074" name="Picture 2"/>
+          <p:cNvPicPr>
+            <a:picLocks noChangeAspect="1" noChangeArrowheads="1"/>
+          </p:cNvPicPr>
+          <p:nvPr/>
+        </p:nvPicPr>
+        <p:blipFill>
+          <a:blip r:embed="rId2" cstate="print">
+            <a:extLst>
+              <a:ext uri="{28A0092B-C50C-407E-A947-70E740481C1C}">
+                <a14:useLocalDpi xmlns:a14="http://schemas.microsoft.com/office/drawing/2010/main" xmlns="" val="0"/>
+              </a:ext>
+            </a:extLst>
+          </a:blip>
+          <a:srcRect/>
+          <a:stretch>
+            <a:fillRect/>
+          </a:stretch>
+        </p:blipFill>
+        <p:spPr bwMode="auto">
+          <a:xfrm>
+            <a:off x="3733800" y="1905000"/>
+            <a:ext cx="4048125" cy="3810000"/>
+          </a:xfrm>
+          <a:prstGeom prst="rect">
+            <a:avLst/>
+          </a:prstGeom>
+          <a:noFill/>
+          <a:ln>
+            <a:noFill/>
+          </a:ln>
+          <a:effectLst/>
+          <a:extLst>
+            <a:ext uri="{909E8E84-426E-40dd-AFC4-6F175D3DCCD1}">
+              <a14:hiddenFill xmlns:a14="http://schemas.microsoft.com/office/drawing/2010/main" xmlns="">
+                <a:solidFill>
+                  <a:schemeClr val="accent1"/>
+                </a:solidFill>
+              </a14:hiddenFill>
+            </a:ext>
+            <a:ext uri="{91240B29-F687-4f45-9708-019B960494DF}">
+              <a14:hiddenLine xmlns:a14="http://schemas.microsoft.com/office/drawing/2010/main" xmlns="" w="9525">
+                <a:solidFill>
+                  <a:schemeClr val="tx1"/>
+                </a:solidFill>
+                <a:miter lim="800000"/>
+                <a:headEnd/>
+                <a:tailEnd/>
+              </a14:hiddenLine>
+            </a:ext>
+            <a:ext uri="{AF507438-7753-43e0-B8FC-AC1667EBCBE1}">
+              <a14:hiddenEffects xmlns:a14="http://schemas.microsoft.com/office/drawing/2010/main" xmlns="">
+                <a:effectLst>
+                  <a:outerShdw dist="35921" dir="2700000" algn="ctr" rotWithShape="0">
+                    <a:schemeClr val="bg2"/>
+                  </a:outerShdw>
+                </a:effectLst>
+              </a14:hiddenEffects>
+            </a:ext>
+          </a:extLst>
+        </p:spPr>
+      </p:pic>
+      <p:pic>
+        <p:nvPicPr>
+          <p:cNvPr id="3075" name="Picture 3"/>
+          <p:cNvPicPr>
+            <a:picLocks noChangeAspect="1" noChangeArrowheads="1"/>
+          </p:cNvPicPr>
+          <p:nvPr/>
+        </p:nvPicPr>
+        <p:blipFill>
+          <a:blip r:embed="rId3" cstate="print">
+            <a:extLst>
+              <a:ext uri="{28A0092B-C50C-407E-A947-70E740481C1C}">
+                <a14:useLocalDpi xmlns:a14="http://schemas.microsoft.com/office/drawing/2010/main" xmlns="" val="0"/>
+              </a:ext>
+            </a:extLst>
+          </a:blip>
+          <a:srcRect/>
+          <a:stretch>
+            <a:fillRect/>
+          </a:stretch>
+        </p:blipFill>
+        <p:spPr bwMode="auto">
+          <a:xfrm>
+            <a:off x="2133600" y="3429000"/>
+            <a:ext cx="974360" cy="990600"/>
+          </a:xfrm>
+          <a:prstGeom prst="rect">
+            <a:avLst/>
+          </a:prstGeom>
+          <a:noFill/>
+          <a:ln>
+            <a:noFill/>
+          </a:ln>
+          <a:effectLst/>
+          <a:extLst>
+            <a:ext uri="{909E8E84-426E-40dd-AFC4-6F175D3DCCD1}">
+              <a14:hiddenFill xmlns:a14="http://schemas.microsoft.com/office/drawing/2010/main" xmlns="">
+                <a:solidFill>
+                  <a:schemeClr val="accent1"/>
+                </a:solidFill>
+              </a14:hiddenFill>
+            </a:ext>
+            <a:ext uri="{91240B29-F687-4f45-9708-019B960494DF}">
+              <a14:hiddenLine xmlns:a14="http://schemas.microsoft.com/office/drawing/2010/main" xmlns="" w="9525">
+                <a:solidFill>
+                  <a:schemeClr val="tx1"/>
+                </a:solidFill>
+                <a:miter lim="800000"/>
+                <a:headEnd/>
+                <a:tailEnd/>
+              </a14:hiddenLine>
+            </a:ext>
+            <a:ext uri="{AF507438-7753-43e0-B8FC-AC1667EBCBE1}">
+              <a14:hiddenEffects xmlns:a14="http://schemas.microsoft.com/office/drawing/2010/main" xmlns="">
+                <a:effectLst>
+                  <a:outerShdw dist="35921" dir="2700000" algn="ctr" rotWithShape="0">
+                    <a:schemeClr val="bg2"/>
+                  </a:outerShdw>
+                </a:effectLst>
+              </a14:hiddenEffects>
+            </a:ext>
+          </a:extLst>
+        </p:spPr>
+      </p:pic>
+    </p:spTree>
+    <p:extLst>
+      <p:ext uri="{BB962C8B-B14F-4D97-AF65-F5344CB8AC3E}">
+        <p14:creationId xmlns:p14="http://schemas.microsoft.com/office/powerpoint/2010/main" xmlns="" val="2974645849"/>
+      </p:ext>
+    </p:extLst>
+  </p:cSld>
+  <p:clrMapOvr>
+    <a:masterClrMapping/>
+  </p:clrMapOvr>
+</p:sld>
+</file>
+
+<file path=ppt/slides/slide5.xml><?xml version="1.0" encoding="utf-8"?>
+<p:sld xmlns:a="http://schemas.openxmlformats.org/drawingml/2006/main" xmlns:r="http://schemas.openxmlformats.org/officeDocument/2006/relationships" xmlns:p="http://schemas.openxmlformats.org/presentationml/2006/main">
+  <p:cSld>
+    <p:spTree>
+      <p:nvGrpSpPr>
+        <p:cNvPr id="1" name=""/>
+        <p:cNvGrpSpPr/>
+        <p:nvPr/>
+      </p:nvGrpSpPr>
+      <p:grpSpPr>
+        <a:xfrm>
+          <a:off x="0" y="0"/>
+          <a:ext cx="0" cy="0"/>
+          <a:chOff x="0" y="0"/>
+          <a:chExt cx="0" cy="0"/>
+        </a:xfrm>
+      </p:grpSpPr>
+      <p:sp>
+        <p:nvSpPr>
+          <p:cNvPr id="2" name="Title 1"/>
+          <p:cNvSpPr>
+            <a:spLocks noGrp="1"/>
+          </p:cNvSpPr>
+          <p:nvPr>
+            <p:ph type="title"/>
+          </p:nvPr>
+        </p:nvSpPr>
+        <p:spPr/>
+        <p:txBody>
+          <a:bodyPr>
+            <a:noAutofit/>
+          </a:bodyPr>
+          <a:lstStyle/>
+          <a:p>
+            <a:r>
+              <a:rPr lang="en-US" sz="3200" dirty="0">
+                <a:latin typeface="Arial" pitchFamily="34" charset="0"/>
+                <a:cs typeface="Arial" pitchFamily="34" charset="0"/>
+              </a:rPr>
+              <a:t>Recolor this image with a blue overtone, set the transparency to 80%, and stretch it to fit the entire slide background</a:t>
+            </a:r>
+          </a:p>
+        </p:txBody>
+      </p:sp>
+      <p:pic>
+        <p:nvPicPr>
+          <p:cNvPr id="4098" name="Picture 2"/>
+          <p:cNvPicPr>
+            <a:picLocks noChangeAspect="1" noChangeArrowheads="1"/>
+          </p:cNvPicPr>
+          <p:nvPr/>
+        </p:nvPicPr>
+        <p:blipFill>
+          <a:blip r:embed="rId2" cstate="print">
+            <a:extLst>
+              <a:ext uri="{28A0092B-C50C-407E-A947-70E740481C1C}">
+                <a14:useLocalDpi xmlns:a14="http://schemas.microsoft.com/office/drawing/2010/main" xmlns="" val="0"/>
+              </a:ext>
+            </a:extLst>
+          </a:blip>
+          <a:srcRect/>
+          <a:stretch>
+            <a:fillRect/>
+          </a:stretch>
+        </p:blipFill>
+        <p:spPr bwMode="auto">
+          <a:xfrm>
+            <a:off x="1600200" y="1840606"/>
+            <a:ext cx="6096000" cy="4572000"/>
+          </a:xfrm>
+          <a:prstGeom prst="rect">
+            <a:avLst/>
+          </a:prstGeom>
+          <a:noFill/>
+          <a:ln>
+            <a:noFill/>
+          </a:ln>
+          <a:effectLst/>
+          <a:extLst>
+            <a:ext uri="{909E8E84-426E-40dd-AFC4-6F175D3DCCD1}">
+              <a14:hiddenFill xmlns:a14="http://schemas.microsoft.com/office/drawing/2010/main" xmlns="">
+                <a:solidFill>
+                  <a:schemeClr val="accent1"/>
+                </a:solidFill>
+              </a14:hiddenFill>
+            </a:ext>
+            <a:ext uri="{91240B29-F687-4f45-9708-019B960494DF}">
+              <a14:hiddenLine xmlns:a14="http://schemas.microsoft.com/office/drawing/2010/main" xmlns="" w="9525">
+                <a:solidFill>
+                  <a:schemeClr val="tx1"/>
+                </a:solidFill>
+                <a:miter lim="800000"/>
+                <a:headEnd/>
+                <a:tailEnd/>
+              </a14:hiddenLine>
+            </a:ext>
+            <a:ext uri="{AF507438-7753-43e0-B8FC-AC1667EBCBE1}">
+              <a14:hiddenEffects xmlns:a14="http://schemas.microsoft.com/office/drawing/2010/main" xmlns="">
+                <a:effectLst>
+                  <a:outerShdw dist="35921" dir="2700000" algn="ctr" rotWithShape="0">
+                    <a:schemeClr val="bg2"/>
+                  </a:outerShdw>
+                </a:effectLst>
+              </a14:hiddenEffects>
+            </a:ext>
+          </a:extLst>
+        </p:spPr>
+      </p:pic>
+    </p:spTree>
+    <p:extLst>
+      <p:ext uri="{BB962C8B-B14F-4D97-AF65-F5344CB8AC3E}">
+        <p14:creationId xmlns:p14="http://schemas.microsoft.com/office/powerpoint/2010/main" xmlns="" val="3777481861"/>
+      </p:ext>
+    </p:extLst>
+  </p:cSld>
+  <p:clrMapOvr>
+    <a:masterClrMapping/>
+  </p:clrMapOvr>
+</p:sld>
+</file>
+
+<file path=ppt/slides/slide6.xml><?xml version="1.0" encoding="utf-8"?>
+<p:sld xmlns:a="http://schemas.openxmlformats.org/drawingml/2006/main" xmlns:r="http://schemas.openxmlformats.org/officeDocument/2006/relationships" xmlns:p="http://schemas.openxmlformats.org/presentationml/2006/main">
+  <p:cSld>
+    <p:spTree>
+      <p:nvGrpSpPr>
+        <p:cNvPr id="1" name=""/>
+        <p:cNvGrpSpPr/>
+        <p:nvPr/>
+      </p:nvGrpSpPr>
+      <p:grpSpPr>
+        <a:xfrm>
+          <a:off x="0" y="0"/>
+          <a:ext cx="0" cy="0"/>
+          <a:chOff x="0" y="0"/>
+          <a:chExt cx="0" cy="0"/>
+        </a:xfrm>
+      </p:grpSpPr>
+      <p:sp>
+        <p:nvSpPr>
+          <p:cNvPr id="2" name="Title 1"/>
+          <p:cNvSpPr>
+            <a:spLocks noGrp="1"/>
+          </p:cNvSpPr>
+          <p:nvPr>
+            <p:ph type="title"/>
+          </p:nvPr>
+        </p:nvSpPr>
+        <p:spPr/>
+        <p:txBody>
+          <a:bodyPr>
+            <a:normAutofit/>
+          </a:bodyPr>
+          <a:lstStyle/>
+          <a:p>
+            <a:r>
+              <a:rPr lang="en-US" sz="3200" dirty="0">
+                <a:latin typeface="Arial" pitchFamily="34" charset="0"/>
+                <a:cs typeface="Arial" pitchFamily="34" charset="0"/>
+              </a:rPr>
+              <a:t>Place this image in a circular frame and apply 3D styling to it.</a:t>
+            </a:r>
+          </a:p>
+        </p:txBody>
+      </p:sp>
+      <p:pic>
+        <p:nvPicPr>
+          <p:cNvPr id="5122" name="Picture 2"/>
+          <p:cNvPicPr>
+            <a:picLocks noChangeAspect="1" noChangeArrowheads="1"/>
+          </p:cNvPicPr>
+          <p:nvPr/>
+        </p:nvPicPr>
+        <p:blipFill>
+          <a:blip r:embed="rId2" cstate="print">
+            <a:extLst>
+              <a:ext uri="{28A0092B-C50C-407E-A947-70E740481C1C}">
+                <a14:useLocalDpi xmlns:a14="http://schemas.microsoft.com/office/drawing/2010/main" xmlns="" val="0"/>
+              </a:ext>
+            </a:extLst>
+          </a:blip>
+          <a:srcRect/>
+          <a:stretch>
+            <a:fillRect/>
+          </a:stretch>
+        </p:blipFill>
+        <p:spPr bwMode="auto">
+          <a:xfrm>
+            <a:off x="2514600" y="2362200"/>
+            <a:ext cx="4038600" cy="2995907"/>
+          </a:xfrm>
+          <a:prstGeom prst="rect">
+            <a:avLst/>
+          </a:prstGeom>
+          <a:noFill/>
+          <a:ln>
+            <a:noFill/>
+          </a:ln>
+          <a:effectLst/>
+          <a:extLst>
+            <a:ext uri="{909E8E84-426E-40dd-AFC4-6F175D3DCCD1}">
+              <a14:hiddenFill xmlns:a14="http://schemas.microsoft.com/office/drawing/2010/main" xmlns="">
+                <a:solidFill>
+                  <a:schemeClr val="accent1"/>
+                </a:solidFill>
+              </a14:hiddenFill>
+            </a:ext>
+            <a:ext uri="{91240B29-F687-4f45-9708-019B960494DF}">
+              <a14:hiddenLine xmlns:a14="http://schemas.microsoft.com/office/drawing/2010/main" xmlns="" w="9525">
+                <a:solidFill>
+                  <a:schemeClr val="tx1"/>
+                </a:solidFill>
+                <a:miter lim="800000"/>
+                <a:headEnd/>
+                <a:tailEnd/>
+              </a14:hiddenLine>
+            </a:ext>
+            <a:ext uri="{AF507438-7753-43e0-B8FC-AC1667EBCBE1}">
+              <a14:hiddenEffects xmlns:a14="http://schemas.microsoft.com/office/drawing/2010/main" xmlns="">
+                <a:effectLst>
+                  <a:outerShdw dist="35921" dir="2700000" algn="ctr" rotWithShape="0">
+                    <a:schemeClr val="bg2"/>
+                  </a:outerShdw>
+                </a:effectLst>
+              </a14:hiddenEffects>
+            </a:ext>
+          </a:extLst>
+        </p:spPr>
+      </p:pic>
+    </p:spTree>
+    <p:extLst>
+      <p:ext uri="{BB962C8B-B14F-4D97-AF65-F5344CB8AC3E}">
+        <p14:creationId xmlns:p14="http://schemas.microsoft.com/office/powerpoint/2010/main" xmlns="" val="1330181598"/>
+      </p:ext>
+    </p:extLst>
+  </p:cSld>
+  <p:clrMapOvr>
+    <a:masterClrMapping/>
+  </p:clrMapOvr>
+</p:sld>
+</file>
+
+<file path=ppt/slides/slide7.xml><?xml version="1.0" encoding="utf-8"?>
+<p:sld xmlns:a="http://schemas.openxmlformats.org/drawingml/2006/main" xmlns:r="http://schemas.openxmlformats.org/officeDocument/2006/relationships" xmlns:p="http://schemas.openxmlformats.org/presentationml/2006/main">
+  <p:cSld>
+    <p:spTree>
+      <p:nvGrpSpPr>
+        <p:cNvPr id="1" name=""/>
+        <p:cNvGrpSpPr/>
+        <p:nvPr/>
+      </p:nvGrpSpPr>
+      <p:grpSpPr>
+        <a:xfrm>
+          <a:off x="0" y="0"/>
+          <a:ext cx="0" cy="0"/>
+          <a:chOff x="0" y="0"/>
+          <a:chExt cx="0" cy="0"/>
+        </a:xfrm>
+      </p:grpSpPr>
+      <p:sp>
+        <p:nvSpPr>
+          <p:cNvPr id="2" name="Title 1"/>
+          <p:cNvSpPr>
+            <a:spLocks noGrp="1"/>
+          </p:cNvSpPr>
+          <p:nvPr>
+            <p:ph type="title"/>
+          </p:nvPr>
+        </p:nvSpPr>
+        <p:spPr/>
+        <p:txBody>
+          <a:bodyPr>
+            <a:normAutofit/>
+          </a:bodyPr>
+          <a:lstStyle/>
+          <a:p>
+            <a:r>
+              <a:rPr lang="en-US" sz="3200" dirty="0">
+                <a:latin typeface="Arial" pitchFamily="34" charset="0"/>
+                <a:cs typeface="Arial" pitchFamily="34" charset="0"/>
+              </a:rPr>
+              <a:t>Arrange these images into three perfectly aligned and spaced columns.</a:t>
+            </a:r>
+          </a:p>
+        </p:txBody>
+      </p:sp>
+      <p:pic>
+        <p:nvPicPr>
+          <p:cNvPr id="6146" name="Picture 2"/>
+          <p:cNvPicPr>
+            <a:picLocks noChangeAspect="1" noChangeArrowheads="1"/>
+          </p:cNvPicPr>
+          <p:nvPr/>
+        </p:nvPicPr>
+        <p:blipFill>
+          <a:blip r:embed="rId2" cstate="print">
+            <a:extLst>
+              <a:ext uri="{28A0092B-C50C-407E-A947-70E740481C1C}">
+                <a14:useLocalDpi xmlns:a14="http://schemas.microsoft.com/office/drawing/2010/main" xmlns="" val="0"/>
+              </a:ext>
+            </a:extLst>
+          </a:blip>
+          <a:srcRect/>
+          <a:stretch>
+            <a:fillRect/>
+          </a:stretch>
+        </p:blipFill>
+        <p:spPr bwMode="auto">
+          <a:xfrm>
+            <a:off x="1095375" y="2054179"/>
+            <a:ext cx="1873250" cy="1498600"/>
+          </a:xfrm>
+          <a:prstGeom prst="rect">
+            <a:avLst/>
+          </a:prstGeom>
+          <a:noFill/>
+          <a:ln>
+            <a:noFill/>
+          </a:ln>
+          <a:effectLst/>
+          <a:extLst>
+            <a:ext uri="{909E8E84-426E-40dd-AFC4-6F175D3DCCD1}">
+              <a14:hiddenFill xmlns:a14="http://schemas.microsoft.com/office/drawing/2010/main" xmlns="">
+                <a:solidFill>
+                  <a:schemeClr val="accent1"/>
+                </a:solidFill>
+              </a14:hiddenFill>
+            </a:ext>
+            <a:ext uri="{91240B29-F687-4f45-9708-019B960494DF}">
+              <a14:hiddenLine xmlns:a14="http://schemas.microsoft.com/office/drawing/2010/main" xmlns="" w="9525">
+                <a:solidFill>
+                  <a:schemeClr val="tx1"/>
+                </a:solidFill>
+                <a:miter lim="800000"/>
+                <a:headEnd/>
+                <a:tailEnd/>
+              </a14:hiddenLine>
+            </a:ext>
+            <a:ext uri="{AF507438-7753-43e0-B8FC-AC1667EBCBE1}">
+              <a14:hiddenEffects xmlns:a14="http://schemas.microsoft.com/office/drawing/2010/main" xmlns="">
+                <a:effectLst>
+                  <a:outerShdw dist="35921" dir="2700000" algn="ctr" rotWithShape="0">
+                    <a:schemeClr val="bg2"/>
+                  </a:outerShdw>
+                </a:effectLst>
+              </a14:hiddenEffects>
+            </a:ext>
+          </a:extLst>
+        </p:spPr>
+      </p:pic>
+      <p:pic>
+        <p:nvPicPr>
+          <p:cNvPr id="5" name="Picture 2"/>
+          <p:cNvPicPr>
+            <a:picLocks noChangeAspect="1" noChangeArrowheads="1"/>
+          </p:cNvPicPr>
+          <p:nvPr/>
+        </p:nvPicPr>
+        <p:blipFill>
+          <a:blip r:embed="rId2" cstate="print">
+            <a:extLst>
+              <a:ext uri="{28A0092B-C50C-407E-A947-70E740481C1C}">
+                <a14:useLocalDpi xmlns:a14="http://schemas.microsoft.com/office/drawing/2010/main" xmlns="" val="0"/>
+              </a:ext>
+            </a:extLst>
+          </a:blip>
+          <a:srcRect/>
+          <a:stretch>
+            <a:fillRect/>
+          </a:stretch>
+        </p:blipFill>
+        <p:spPr bwMode="auto">
+          <a:xfrm>
+            <a:off x="2955880" y="2003021"/>
+            <a:ext cx="1873250" cy="1498600"/>
+          </a:xfrm>
+          <a:prstGeom prst="rect">
+            <a:avLst/>
+          </a:prstGeom>
+          <a:noFill/>
+          <a:ln>
+            <a:noFill/>
+          </a:ln>
+          <a:effectLst/>
+          <a:extLst>
+            <a:ext uri="{909E8E84-426E-40dd-AFC4-6F175D3DCCD1}">
+              <a14:hiddenFill xmlns:a14="http://schemas.microsoft.com/office/drawing/2010/main" xmlns="">
+                <a:solidFill>
+                  <a:schemeClr val="accent1"/>
+                </a:solidFill>
+              </a14:hiddenFill>
+            </a:ext>
+            <a:ext uri="{91240B29-F687-4f45-9708-019B960494DF}">
+              <a14:hiddenLine xmlns:a14="http://schemas.microsoft.com/office/drawing/2010/main" xmlns="" w="9525">
+                <a:solidFill>
+                  <a:schemeClr val="tx1"/>
+                </a:solidFill>
+                <a:miter lim="800000"/>
+                <a:headEnd/>
+                <a:tailEnd/>
+              </a14:hiddenLine>
+            </a:ext>
+            <a:ext uri="{AF507438-7753-43e0-B8FC-AC1667EBCBE1}">
+              <a14:hiddenEffects xmlns:a14="http://schemas.microsoft.com/office/drawing/2010/main" xmlns="">
+                <a:effectLst>
+                  <a:outerShdw dist="35921" dir="2700000" algn="ctr" rotWithShape="0">
+                    <a:schemeClr val="bg2"/>
+                  </a:outerShdw>
+                </a:effectLst>
+              </a14:hiddenEffects>
+            </a:ext>
+          </a:extLst>
+        </p:spPr>
+      </p:pic>
+      <p:pic>
+        <p:nvPicPr>
+          <p:cNvPr id="6" name="Picture 2"/>
+          <p:cNvPicPr>
+            <a:picLocks noChangeAspect="1" noChangeArrowheads="1"/>
+          </p:cNvPicPr>
+          <p:nvPr/>
+        </p:nvPicPr>
+        <p:blipFill>
+          <a:blip r:embed="rId2" cstate="print">
+            <a:extLst>
+              <a:ext uri="{28A0092B-C50C-407E-A947-70E740481C1C}">
+                <a14:useLocalDpi xmlns:a14="http://schemas.microsoft.com/office/drawing/2010/main" xmlns="" val="0"/>
+              </a:ext>
+            </a:extLst>
+          </a:blip>
+          <a:srcRect/>
+          <a:stretch>
+            <a:fillRect/>
+          </a:stretch>
+        </p:blipFill>
+        <p:spPr bwMode="auto">
+          <a:xfrm>
+            <a:off x="3273425" y="3971879"/>
+            <a:ext cx="1873250" cy="1498600"/>
+          </a:xfrm>
+          <a:prstGeom prst="rect">
+            <a:avLst/>
+          </a:prstGeom>
+          <a:noFill/>
+          <a:ln>
+            <a:noFill/>
+          </a:ln>
+          <a:effectLst/>
+          <a:extLst>
+            <a:ext uri="{909E8E84-426E-40dd-AFC4-6F175D3DCCD1}">
+              <a14:hiddenFill xmlns:a14="http://schemas.microsoft.com/office/drawing/2010/main" xmlns="">
+                <a:solidFill>
+                  <a:schemeClr val="accent1"/>
+                </a:solidFill>
+              </a14:hiddenFill>
+            </a:ext>
+            <a:ext uri="{91240B29-F687-4f45-9708-019B960494DF}">
+              <a14:hiddenLine xmlns:a14="http://schemas.microsoft.com/office/drawing/2010/main" xmlns="" w="9525">
+                <a:solidFill>
+                  <a:schemeClr val="tx1"/>
+                </a:solidFill>
+                <a:miter lim="800000"/>
+                <a:headEnd/>
+                <a:tailEnd/>
+              </a14:hiddenLine>
+            </a:ext>
+            <a:ext uri="{AF507438-7753-43e0-B8FC-AC1667EBCBE1}">
+              <a14:hiddenEffects xmlns:a14="http://schemas.microsoft.com/office/drawing/2010/main" xmlns="">
+                <a:effectLst>
+                  <a:outerShdw dist="35921" dir="2700000" algn="ctr" rotWithShape="0">
+                    <a:schemeClr val="bg2"/>
+                  </a:outerShdw>
+                </a:effectLst>
+              </a14:hiddenEffects>
+            </a:ext>
+          </a:extLst>
+        </p:spPr>
+      </p:pic>
+      <p:pic>
+        <p:nvPicPr>
+          <p:cNvPr id="7" name="Picture 2"/>
+          <p:cNvPicPr>
+            <a:picLocks noChangeAspect="1" noChangeArrowheads="1"/>
+          </p:cNvPicPr>
+          <p:nvPr/>
+        </p:nvPicPr>
+        <p:blipFill>
+          <a:blip r:embed="rId2" cstate="print">
+            <a:extLst>
+              <a:ext uri="{28A0092B-C50C-407E-A947-70E740481C1C}">
+                <a14:useLocalDpi xmlns:a14="http://schemas.microsoft.com/office/drawing/2010/main" xmlns="" val="0"/>
+              </a:ext>
+            </a:extLst>
+          </a:blip>
+          <a:srcRect/>
+          <a:stretch>
+            <a:fillRect/>
+          </a:stretch>
+        </p:blipFill>
+        <p:spPr bwMode="auto">
+          <a:xfrm>
+            <a:off x="1400175" y="4721179"/>
+            <a:ext cx="1873250" cy="1498600"/>
+          </a:xfrm>
+          <a:prstGeom prst="rect">
+            <a:avLst/>
+          </a:prstGeom>
+          <a:noFill/>
+          <a:ln>
+            <a:noFill/>
+          </a:ln>
+          <a:effectLst/>
+          <a:extLst>
+            <a:ext uri="{909E8E84-426E-40dd-AFC4-6F175D3DCCD1}">
+              <a14:hiddenFill xmlns:a14="http://schemas.microsoft.com/office/drawing/2010/main" xmlns="">
+                <a:solidFill>
+                  <a:schemeClr val="accent1"/>
+                </a:solidFill>
+              </a14:hiddenFill>
+            </a:ext>
+            <a:ext uri="{91240B29-F687-4f45-9708-019B960494DF}">
+              <a14:hiddenLine xmlns:a14="http://schemas.microsoft.com/office/drawing/2010/main" xmlns="" w="9525">
+                <a:solidFill>
+                  <a:schemeClr val="tx1"/>
+                </a:solidFill>
+                <a:miter lim="800000"/>
+                <a:headEnd/>
+                <a:tailEnd/>
+              </a14:hiddenLine>
+            </a:ext>
+            <a:ext uri="{AF507438-7753-43e0-B8FC-AC1667EBCBE1}">
+              <a14:hiddenEffects xmlns:a14="http://schemas.microsoft.com/office/drawing/2010/main" xmlns="">
+                <a:effectLst>
+                  <a:outerShdw dist="35921" dir="2700000" algn="ctr" rotWithShape="0">
+                    <a:schemeClr val="bg2"/>
+                  </a:outerShdw>
+                </a:effectLst>
+              </a14:hiddenEffects>
+            </a:ext>
+          </a:extLst>
+        </p:spPr>
+      </p:pic>
+      <p:pic>
+        <p:nvPicPr>
+          <p:cNvPr id="8" name="Picture 2"/>
+          <p:cNvPicPr>
+            <a:picLocks noChangeAspect="1" noChangeArrowheads="1"/>
+          </p:cNvPicPr>
+          <p:nvPr/>
+        </p:nvPicPr>
+        <p:blipFill>
+          <a:blip r:embed="rId2" cstate="print">
+            <a:extLst>
+              <a:ext uri="{28A0092B-C50C-407E-A947-70E740481C1C}">
+                <a14:useLocalDpi xmlns:a14="http://schemas.microsoft.com/office/drawing/2010/main" xmlns="" val="0"/>
+              </a:ext>
+            </a:extLst>
+          </a:blip>
+          <a:srcRect/>
+          <a:stretch>
+            <a:fillRect/>
+          </a:stretch>
+        </p:blipFill>
+        <p:spPr bwMode="auto">
+          <a:xfrm>
+            <a:off x="4832350" y="2752321"/>
+            <a:ext cx="1873250" cy="1498600"/>
+          </a:xfrm>
+          <a:prstGeom prst="rect">
+            <a:avLst/>
+          </a:prstGeom>
+          <a:noFill/>
+          <a:ln>
+            <a:noFill/>
+          </a:ln>
+          <a:effectLst/>
+          <a:extLst>
+            <a:ext uri="{909E8E84-426E-40dd-AFC4-6F175D3DCCD1}">
+              <a14:hiddenFill xmlns:a14="http://schemas.microsoft.com/office/drawing/2010/main" xmlns="">
+                <a:solidFill>
+                  <a:schemeClr val="accent1"/>
+                </a:solidFill>
+              </a14:hiddenFill>
+            </a:ext>
+            <a:ext uri="{91240B29-F687-4f45-9708-019B960494DF}">
+              <a14:hiddenLine xmlns:a14="http://schemas.microsoft.com/office/drawing/2010/main" xmlns="" w="9525">
+                <a:solidFill>
+                  <a:schemeClr val="tx1"/>
+                </a:solidFill>
+                <a:miter lim="800000"/>
+                <a:headEnd/>
+                <a:tailEnd/>
+              </a14:hiddenLine>
+            </a:ext>
+            <a:ext uri="{AF507438-7753-43e0-B8FC-AC1667EBCBE1}">
+              <a14:hiddenEffects xmlns:a14="http://schemas.microsoft.com/office/drawing/2010/main" xmlns="">
+                <a:effectLst>
+                  <a:outerShdw dist="35921" dir="2700000" algn="ctr" rotWithShape="0">
+                    <a:schemeClr val="bg2"/>
+                  </a:outerShdw>
+                </a:effectLst>
+              </a14:hiddenEffects>
+            </a:ext>
+          </a:extLst>
+        </p:spPr>
+      </p:pic>
+      <p:pic>
+        <p:nvPicPr>
+          <p:cNvPr id="9" name="Picture 2"/>
+          <p:cNvPicPr>
+            <a:picLocks noChangeAspect="1" noChangeArrowheads="1"/>
+          </p:cNvPicPr>
+          <p:nvPr/>
+        </p:nvPicPr>
+        <p:blipFill>
+          <a:blip r:embed="rId2" cstate="print">
+            <a:extLst>
+              <a:ext uri="{28A0092B-C50C-407E-A947-70E740481C1C}">
+                <a14:useLocalDpi xmlns:a14="http://schemas.microsoft.com/office/drawing/2010/main" xmlns="" val="0"/>
+              </a:ext>
+            </a:extLst>
+          </a:blip>
+          <a:srcRect/>
+          <a:stretch>
+            <a:fillRect/>
+          </a:stretch>
+        </p:blipFill>
+        <p:spPr bwMode="auto">
+          <a:xfrm>
+            <a:off x="394863" y="3501621"/>
+            <a:ext cx="1873250" cy="1498600"/>
+          </a:xfrm>
+          <a:prstGeom prst="rect">
+            <a:avLst/>
+          </a:prstGeom>
+          <a:noFill/>
+          <a:ln>
+            <a:noFill/>
+          </a:ln>
+          <a:effectLst/>
+          <a:extLst>
+            <a:ext uri="{909E8E84-426E-40dd-AFC4-6F175D3DCCD1}">
+              <a14:hiddenFill xmlns:a14="http://schemas.microsoft.com/office/drawing/2010/main" xmlns="">
+                <a:solidFill>
+                  <a:schemeClr val="accent1"/>
+                </a:solidFill>
+              </a14:hiddenFill>
+            </a:ext>
+            <a:ext uri="{91240B29-F687-4f45-9708-019B960494DF}">
+              <a14:hiddenLine xmlns:a14="http://schemas.microsoft.com/office/drawing/2010/main" xmlns="" w="9525">
+                <a:solidFill>
+                  <a:schemeClr val="tx1"/>
+                </a:solidFill>
+                <a:miter lim="800000"/>
+                <a:headEnd/>
+                <a:tailEnd/>
+              </a14:hiddenLine>
+            </a:ext>
+            <a:ext uri="{AF507438-7753-43e0-B8FC-AC1667EBCBE1}">
+              <a14:hiddenEffects xmlns:a14="http://schemas.microsoft.com/office/drawing/2010/main" xmlns="">
+                <a:effectLst>
+                  <a:outerShdw dist="35921" dir="2700000" algn="ctr" rotWithShape="0">
+                    <a:schemeClr val="bg2"/>
+                  </a:outerShdw>
+                </a:effectLst>
+              </a14:hiddenEffects>
+            </a:ext>
+          </a:extLst>
+        </p:spPr>
+      </p:pic>
+      <p:pic>
+        <p:nvPicPr>
+          <p:cNvPr id="10" name="Picture 2"/>
+          <p:cNvPicPr>
+            <a:picLocks noChangeAspect="1" noChangeArrowheads="1"/>
+          </p:cNvPicPr>
+          <p:nvPr/>
+        </p:nvPicPr>
+        <p:blipFill>
+          <a:blip r:embed="rId2" cstate="print">
+            <a:extLst>
+              <a:ext uri="{28A0092B-C50C-407E-A947-70E740481C1C}">
+                <a14:useLocalDpi xmlns:a14="http://schemas.microsoft.com/office/drawing/2010/main" xmlns="" val="0"/>
+              </a:ext>
+            </a:extLst>
+          </a:blip>
+          <a:srcRect/>
+          <a:stretch>
+            <a:fillRect/>
+          </a:stretch>
+        </p:blipFill>
+        <p:spPr bwMode="auto">
+          <a:xfrm>
+            <a:off x="6356350" y="1749379"/>
+            <a:ext cx="1873250" cy="1498600"/>
+          </a:xfrm>
+          <a:prstGeom prst="rect">
+            <a:avLst/>
+          </a:prstGeom>
+          <a:noFill/>
+          <a:ln>
+            <a:noFill/>
+          </a:ln>
+          <a:effectLst/>
+          <a:extLst>
+            <a:ext uri="{909E8E84-426E-40dd-AFC4-6F175D3DCCD1}">
+              <a14:hiddenFill xmlns:a14="http://schemas.microsoft.com/office/drawing/2010/main" xmlns="">
+                <a:solidFill>
+                  <a:schemeClr val="accent1"/>
+                </a:solidFill>
+              </a14:hiddenFill>
+            </a:ext>
+            <a:ext uri="{91240B29-F687-4f45-9708-019B960494DF}">
+              <a14:hiddenLine xmlns:a14="http://schemas.microsoft.com/office/drawing/2010/main" xmlns="" w="9525">
+                <a:solidFill>
+                  <a:schemeClr val="tx1"/>
+                </a:solidFill>
+                <a:miter lim="800000"/>
+                <a:headEnd/>
+                <a:tailEnd/>
+              </a14:hiddenLine>
+            </a:ext>
+            <a:ext uri="{AF507438-7753-43e0-B8FC-AC1667EBCBE1}">
+              <a14:hiddenEffects xmlns:a14="http://schemas.microsoft.com/office/drawing/2010/main" xmlns="">
+                <a:effectLst>
+                  <a:outerShdw dist="35921" dir="2700000" algn="ctr" rotWithShape="0">
+                    <a:schemeClr val="bg2"/>
+                  </a:outerShdw>
+                </a:effectLst>
+              </a14:hiddenEffects>
+            </a:ext>
+          </a:extLst>
+        </p:spPr>
+      </p:pic>
+      <p:pic>
+        <p:nvPicPr>
+          <p:cNvPr id="11" name="Picture 2"/>
+          <p:cNvPicPr>
+            <a:picLocks noChangeAspect="1" noChangeArrowheads="1"/>
+          </p:cNvPicPr>
+          <p:nvPr/>
+        </p:nvPicPr>
+        <p:blipFill>
+          <a:blip r:embed="rId2" cstate="print">
+            <a:extLst>
+              <a:ext uri="{28A0092B-C50C-407E-A947-70E740481C1C}">
+                <a14:useLocalDpi xmlns:a14="http://schemas.microsoft.com/office/drawing/2010/main" xmlns="" val="0"/>
+              </a:ext>
+            </a:extLst>
+          </a:blip>
+          <a:srcRect/>
+          <a:stretch>
+            <a:fillRect/>
+          </a:stretch>
+        </p:blipFill>
+        <p:spPr bwMode="auto">
+          <a:xfrm>
+            <a:off x="5921375" y="4708121"/>
+            <a:ext cx="1873250" cy="1498600"/>
+          </a:xfrm>
+          <a:prstGeom prst="rect">
+            <a:avLst/>
+          </a:prstGeom>
+          <a:noFill/>
+          <a:ln>
+            <a:noFill/>
+          </a:ln>
+          <a:effectLst/>
+          <a:extLst>
+            <a:ext uri="{909E8E84-426E-40dd-AFC4-6F175D3DCCD1}">
+              <a14:hiddenFill xmlns:a14="http://schemas.microsoft.com/office/drawing/2010/main" xmlns="">
+                <a:solidFill>
+                  <a:schemeClr val="accent1"/>
+                </a:solidFill>
+              </a14:hiddenFill>
+            </a:ext>
+            <a:ext uri="{91240B29-F687-4f45-9708-019B960494DF}">
+              <a14:hiddenLine xmlns:a14="http://schemas.microsoft.com/office/drawing/2010/main" xmlns="" w="9525">
+                <a:solidFill>
+                  <a:schemeClr val="tx1"/>
+                </a:solidFill>
+                <a:miter lim="800000"/>
+                <a:headEnd/>
+                <a:tailEnd/>
+              </a14:hiddenLine>
+            </a:ext>
+            <a:ext uri="{AF507438-7753-43e0-B8FC-AC1667EBCBE1}">
+              <a14:hiddenEffects xmlns:a14="http://schemas.microsoft.com/office/drawing/2010/main" xmlns="">
+                <a:effectLst>
+                  <a:outerShdw dist="35921" dir="2700000" algn="ctr" rotWithShape="0">
+                    <a:schemeClr val="bg2"/>
+                  </a:outerShdw>
+                </a:effectLst>
+              </a14:hiddenEffects>
+            </a:ext>
+          </a:extLst>
+        </p:spPr>
+      </p:pic>
+      <p:pic>
+        <p:nvPicPr>
+          <p:cNvPr id="12" name="Picture 2"/>
+          <p:cNvPicPr>
+            <a:picLocks noChangeAspect="1" noChangeArrowheads="1"/>
+          </p:cNvPicPr>
+          <p:nvPr/>
+        </p:nvPicPr>
+        <p:blipFill>
+          <a:blip r:embed="rId2" cstate="print">
+            <a:extLst>
+              <a:ext uri="{28A0092B-C50C-407E-A947-70E740481C1C}">
+                <a14:useLocalDpi xmlns:a14="http://schemas.microsoft.com/office/drawing/2010/main" xmlns="" val="0"/>
+              </a:ext>
+            </a:extLst>
+          </a:blip>
+          <a:srcRect/>
+          <a:stretch>
+            <a:fillRect/>
+          </a:stretch>
+        </p:blipFill>
+        <p:spPr bwMode="auto">
+          <a:xfrm>
+            <a:off x="3895725" y="4999148"/>
+            <a:ext cx="1873250" cy="1498600"/>
+          </a:xfrm>
+          <a:prstGeom prst="rect">
+            <a:avLst/>
+          </a:prstGeom>
+          <a:noFill/>
+          <a:ln>
+            <a:noFill/>
+          </a:ln>
+          <a:effectLst/>
+          <a:extLst>
+            <a:ext uri="{909E8E84-426E-40dd-AFC4-6F175D3DCCD1}">
+              <a14:hiddenFill xmlns:a14="http://schemas.microsoft.com/office/drawing/2010/main" xmlns="">
+                <a:solidFill>
+                  <a:schemeClr val="accent1"/>
+                </a:solidFill>
+              </a14:hiddenFill>
+            </a:ext>
+            <a:ext uri="{91240B29-F687-4f45-9708-019B960494DF}">
+              <a14:hiddenLine xmlns:a14="http://schemas.microsoft.com/office/drawing/2010/main" xmlns="" w="9525">
+                <a:solidFill>
+                  <a:schemeClr val="tx1"/>
+                </a:solidFill>
+                <a:miter lim="800000"/>
+                <a:headEnd/>
+                <a:tailEnd/>
+              </a14:hiddenLine>
+            </a:ext>
+            <a:ext uri="{AF507438-7753-43e0-B8FC-AC1667EBCBE1}">
+              <a14:hiddenEffects xmlns:a14="http://schemas.microsoft.com/office/drawing/2010/main" xmlns="">
+                <a:effectLst>
+                  <a:outerShdw dist="35921" dir="2700000" algn="ctr" rotWithShape="0">
+                    <a:schemeClr val="bg2"/>
+                  </a:outerShdw>
+                </a:effectLst>
+              </a14:hiddenEffects>
+            </a:ext>
+          </a:extLst>
+        </p:spPr>
+      </p:pic>
+    </p:spTree>
+    <p:extLst>
+      <p:ext uri="{BB962C8B-B14F-4D97-AF65-F5344CB8AC3E}">
+        <p14:creationId xmlns:p14="http://schemas.microsoft.com/office/powerpoint/2010/main" xmlns="" val="2166364160"/>
+      </p:ext>
+    </p:extLst>
+  </p:cSld>
+  <p:clrMapOvr>
+    <a:masterClrMapping/>
+  </p:clrMapOvr>
+</p:sld>
+</file>
+
+<file path=ppt/slides/slide8.xml><?xml version="1.0" encoding="utf-8"?>
+<p:sld xmlns:a="http://schemas.openxmlformats.org/drawingml/2006/main" xmlns:r="http://schemas.openxmlformats.org/officeDocument/2006/relationships" xmlns:p="http://schemas.openxmlformats.org/presentationml/2006/main">
+  <p:cSld>
+    <p:spTree>
+      <p:nvGrpSpPr>
+        <p:cNvPr id="1" name=""/>
+        <p:cNvGrpSpPr/>
+        <p:nvPr/>
+      </p:nvGrpSpPr>
+      <p:grpSpPr>
+        <a:xfrm>
+          <a:off x="0" y="0"/>
+          <a:ext cx="0" cy="0"/>
+          <a:chOff x="0" y="0"/>
+          <a:chExt cx="0" cy="0"/>
+        </a:xfrm>
+      </p:grpSpPr>
+      <p:sp>
+        <p:nvSpPr>
+          <p:cNvPr id="2" name="Title 1"/>
+          <p:cNvSpPr>
+            <a:spLocks noGrp="1"/>
+          </p:cNvSpPr>
+          <p:nvPr>
+            <p:ph type="title"/>
+          </p:nvPr>
+        </p:nvSpPr>
+        <p:spPr/>
+        <p:txBody>
+          <a:bodyPr>
+            <a:normAutofit/>
+          </a:bodyPr>
+          <a:lstStyle/>
+          <a:p>
+            <a:r>
+              <a:rPr lang="en-US" sz="3200" dirty="0">
+                <a:latin typeface="Arial" pitchFamily="34" charset="0"/>
+                <a:cs typeface="Arial" pitchFamily="34" charset="0"/>
+              </a:rPr>
+              <a:t>Insert a “transition” between this slide and the previous</a:t>
+            </a:r>
+          </a:p>
+        </p:txBody>
+      </p:sp>
+    </p:spTree>
+    <p:extLst>
+      <p:ext uri="{BB962C8B-B14F-4D97-AF65-F5344CB8AC3E}">
+        <p14:creationId xmlns:p14="http://schemas.microsoft.com/office/powerpoint/2010/main" xmlns="" val="187621506"/>
+      </p:ext>
+    </p:extLst>
+  </p:cSld>
+  <p:clrMapOvr>
+    <a:masterClrMapping/>
+  </p:clrMapOvr>
+</p:sld>
+</file>
+
+<file path=ppt/slides/slide9.xml><?xml version="1.0" encoding="utf-8"?>
+<p:sld xmlns:a="http://schemas.openxmlformats.org/drawingml/2006/main" xmlns:r="http://schemas.openxmlformats.org/officeDocument/2006/relationships" xmlns:p="http://schemas.openxmlformats.org/presentationml/2006/main">
+  <p:cSld>
+    <p:spTree>
+      <p:nvGrpSpPr>
+        <p:cNvPr id="1" name=""/>
+        <p:cNvGrpSpPr/>
+        <p:nvPr/>
+      </p:nvGrpSpPr>
+      <p:grpSpPr>
+        <a:xfrm>
+          <a:off x="0" y="0"/>
+          <a:ext cx="0" cy="0"/>
+          <a:chOff x="0" y="0"/>
+          <a:chExt cx="0" cy="0"/>
+        </a:xfrm>
+      </p:grpSpPr>
+      <p:sp>
+        <p:nvSpPr>
+          <p:cNvPr id="2" name="Title 1"/>
+          <p:cNvSpPr>
+            <a:spLocks noGrp="1"/>
+          </p:cNvSpPr>
+          <p:nvPr>
+            <p:ph type="title"/>
+          </p:nvPr>
+        </p:nvSpPr>
+        <p:spPr/>
+        <p:txBody>
+          <a:bodyPr>
+            <a:noAutofit/>
+          </a:bodyPr>
+          <a:lstStyle/>
+          <a:p>
+            <a:r>
+              <a:rPr lang="en-US" sz="3200" dirty="0">
+                <a:latin typeface="Arial" pitchFamily="34" charset="0"/>
+                <a:cs typeface="Arial" pitchFamily="34" charset="0"/>
+              </a:rPr>
+              <a:t>Change the background color of this slide to light blue and alter the typefaces to show hierarchy</a:t>
+            </a:r>
+          </a:p>
+        </p:txBody>
+      </p:sp>
+      <p:sp>
+        <p:nvSpPr>
+          <p:cNvPr id="3" name="Content Placeholder 2"/>
+          <p:cNvSpPr>
+            <a:spLocks noGrp="1"/>
+          </p:cNvSpPr>
+          <p:nvPr>
+            <p:ph idx="1"/>
+          </p:nvPr>
+        </p:nvSpPr>
+        <p:spPr>
+          <a:xfrm>
+            <a:off x="762000" y="1828800"/>
+            <a:ext cx="8229600" cy="4525963"/>
+          </a:xfrm>
+        </p:spPr>
+        <p:txBody>
+          <a:bodyPr/>
+          <a:lstStyle/>
+          <a:p>
+            <a:pPr marL="0" indent="0">
+              <a:buNone/>
+            </a:pPr>
+            <a:r>
+              <a:rPr lang="en-US" sz="3600" dirty="0" smtClean="0"/>
+              <a:t>A variety of baits can be used on the mouse trap:</a:t>
+            </a:r>
+          </a:p>
+          <a:p>
+            <a:pPr lvl="1"/>
+            <a:r>
+              <a:rPr lang="en-US" sz="3600" dirty="0" smtClean="0"/>
+              <a:t>Peanut butter</a:t>
+            </a:r>
+          </a:p>
+          <a:p>
+            <a:pPr lvl="2"/>
+            <a:r>
+              <a:rPr lang="en-US" sz="3600" dirty="0" smtClean="0"/>
+              <a:t>Use creamy, not crunchy</a:t>
+            </a:r>
+          </a:p>
+          <a:p>
+            <a:pPr lvl="1"/>
+            <a:r>
+              <a:rPr lang="en-US" sz="3600" dirty="0" smtClean="0"/>
+              <a:t>Cheese Wiz or </a:t>
+            </a:r>
+            <a:r>
+              <a:rPr lang="en-US" sz="3600" dirty="0" err="1" smtClean="0"/>
+              <a:t>Eazy</a:t>
+            </a:r>
+            <a:r>
+              <a:rPr lang="en-US" sz="3600" dirty="0" smtClean="0"/>
+              <a:t>-Cheese</a:t>
+            </a:r>
+          </a:p>
+          <a:p>
+            <a:pPr lvl="1"/>
+            <a:r>
+              <a:rPr lang="en-US" sz="3600" dirty="0" smtClean="0"/>
+              <a:t>Dry cat food</a:t>
+            </a:r>
+          </a:p>
+          <a:p>
+            <a:pPr lvl="1"/>
+            <a:endParaRPr lang="en-US" dirty="0"/>
+          </a:p>
+        </p:txBody>
+      </p:sp>
+    </p:spTree>
+    <p:extLst>
+      <p:ext uri="{BB962C8B-B14F-4D97-AF65-F5344CB8AC3E}">
+        <p14:creationId xmlns:p14="http://schemas.microsoft.com/office/powerpoint/2010/main" xmlns="" val="2913746440"/>
       </p:ext>
     </p:extLst>
   </p:cSld>
@@ -3416,44 +5404,44 @@
         <a:sysClr val="window" lastClr="FFFFFF"/>
       </a:lt1>
       <a:dk2>
-        <a:srgbClr val="44546A"/>
+        <a:srgbClr val="1F497D"/>
       </a:dk2>
       <a:lt2>
-        <a:srgbClr val="E7E6E6"/>
+        <a:srgbClr val="EEECE1"/>
       </a:lt2>
       <a:accent1>
-        <a:srgbClr val="4472C4"/>
+        <a:srgbClr val="4F81BD"/>
       </a:accent1>
       <a:accent2>
-        <a:srgbClr val="ED7D31"/>
+        <a:srgbClr val="C0504D"/>
       </a:accent2>
       <a:accent3>
-        <a:srgbClr val="A5A5A5"/>
+        <a:srgbClr val="9BBB59"/>
       </a:accent3>
       <a:accent4>
-        <a:srgbClr val="FFC000"/>
+        <a:srgbClr val="8064A2"/>
       </a:accent4>
       <a:accent5>
-        <a:srgbClr val="5B9BD5"/>
+        <a:srgbClr val="4BACC6"/>
       </a:accent5>
       <a:accent6>
-        <a:srgbClr val="70AD47"/>
+        <a:srgbClr val="F79646"/>
       </a:accent6>
       <a:hlink>
-        <a:srgbClr val="0563C1"/>
+        <a:srgbClr val="0000FF"/>
       </a:hlink>
       <a:folHlink>
-        <a:srgbClr val="954F72"/>
+        <a:srgbClr val="800080"/>
       </a:folHlink>
     </a:clrScheme>
     <a:fontScheme name="Office">
       <a:majorFont>
-        <a:latin typeface="Calibri Light" panose="020F0302020204030204"/>
+        <a:latin typeface="Calibri"/>
         <a:ea typeface=""/>
         <a:cs typeface=""/>
-        <a:font script="Jpan" typeface="游ゴシック Light"/>
+        <a:font script="Jpan" typeface="ＭＳ Ｐゴシック"/>
         <a:font script="Hang" typeface="맑은 고딕"/>
-        <a:font script="Hans" typeface="等线 Light"/>
+        <a:font script="Hans" typeface="宋体"/>
         <a:font script="Hant" typeface="新細明體"/>
         <a:font script="Arab" typeface="Times New Roman"/>
         <a:font script="Hebr" typeface="Times New Roman"/>
@@ -3481,31 +5469,14 @@
         <a:font script="Viet" typeface="Times New Roman"/>
         <a:font script="Uigh" typeface="Microsoft Uighur"/>
         <a:font script="Geor" typeface="Sylfaen"/>
-        <a:font script="Armn" typeface="Arial"/>
-        <a:font script="Bugi" typeface="Leelawadee UI"/>
-        <a:font script="Bopo" typeface="Microsoft JhengHei"/>
-        <a:font script="Java" typeface="Javanese Text"/>
-        <a:font script="Lisu" typeface="Segoe UI"/>
-        <a:font script="Mymr" typeface="Myanmar Text"/>
-        <a:font script="Nkoo" typeface="Ebrima"/>
-        <a:font script="Olck" typeface="Nirmala UI"/>
-        <a:font script="Osma" typeface="Ebrima"/>
-        <a:font script="Phag" typeface="Phagspa"/>
-        <a:font script="Syrn" typeface="Estrangelo Edessa"/>
-        <a:font script="Syrj" typeface="Estrangelo Edessa"/>
-        <a:font script="Syre" typeface="Estrangelo Edessa"/>
-        <a:font script="Sora" typeface="Nirmala UI"/>
-        <a:font script="Tale" typeface="Microsoft Tai Le"/>
-        <a:font script="Talu" typeface="Microsoft New Tai Lue"/>
-        <a:font script="Tfng" typeface="Ebrima"/>
       </a:majorFont>
       <a:minorFont>
-        <a:latin typeface="Calibri" panose="020F0502020204030204"/>
+        <a:latin typeface="Calibri"/>
         <a:ea typeface=""/>
         <a:cs typeface=""/>
-        <a:font script="Jpan" typeface="游ゴシック"/>
+        <a:font script="Jpan" typeface="ＭＳ Ｐゴシック"/>
         <a:font script="Hang" typeface="맑은 고딕"/>
-        <a:font script="Hans" typeface="等线"/>
+        <a:font script="Hans" typeface="宋体"/>
         <a:font script="Hant" typeface="新細明體"/>
         <a:font script="Arab" typeface="Arial"/>
         <a:font script="Hebr" typeface="Arial"/>
@@ -3533,23 +5504,6 @@
         <a:font script="Viet" typeface="Arial"/>
         <a:font script="Uigh" typeface="Microsoft Uighur"/>
         <a:font script="Geor" typeface="Sylfaen"/>
-        <a:font script="Armn" typeface="Arial"/>
-        <a:font script="Bugi" typeface="Leelawadee UI"/>
-        <a:font script="Bopo" typeface="Microsoft JhengHei"/>
-        <a:font script="Java" typeface="Javanese Text"/>
-        <a:font script="Lisu" typeface="Segoe UI"/>
-        <a:font script="Mymr" typeface="Myanmar Text"/>
-        <a:font script="Nkoo" typeface="Ebrima"/>
-        <a:font script="Olck" typeface="Nirmala UI"/>
-        <a:font script="Osma" typeface="Ebrima"/>
-        <a:font script="Phag" typeface="Phagspa"/>
-        <a:font script="Syrn" typeface="Estrangelo Edessa"/>
-        <a:font script="Syrj" typeface="Estrangelo Edessa"/>
-        <a:font script="Syre" typeface="Estrangelo Edessa"/>
-        <a:font script="Sora" typeface="Nirmala UI"/>
-        <a:font script="Tale" typeface="Microsoft Tai Le"/>
-        <a:font script="Talu" typeface="Microsoft New Tai Lue"/>
-        <a:font script="Tfng" typeface="Ebrima"/>
       </a:minorFont>
     </a:fontScheme>
     <a:fmtScheme name="Office">
@@ -3561,141 +5515,450 @@
           <a:gsLst>
             <a:gs pos="0">
               <a:schemeClr val="phClr">
-                <a:lumMod val="110000"/>
-                <a:satMod val="105000"/>
-                <a:tint val="67000"/>
+                <a:tint val="50000"/>
+                <a:satMod val="300000"/>
               </a:schemeClr>
             </a:gs>
-            <a:gs pos="50000">
+            <a:gs pos="35000">
               <a:schemeClr val="phClr">
-                <a:lumMod val="105000"/>
-                <a:satMod val="103000"/>
-                <a:tint val="73000"/>
+                <a:tint val="37000"/>
+                <a:satMod val="300000"/>
               </a:schemeClr>
             </a:gs>
             <a:gs pos="100000">
               <a:schemeClr val="phClr">
-                <a:lumMod val="105000"/>
-                <a:satMod val="109000"/>
-                <a:tint val="81000"/>
+                <a:tint val="15000"/>
+                <a:satMod val="350000"/>
               </a:schemeClr>
             </a:gs>
           </a:gsLst>
-          <a:lin ang="5400000" scaled="0"/>
+          <a:lin ang="16200000" scaled="1"/>
         </a:gradFill>
         <a:gradFill rotWithShape="1">
           <a:gsLst>
             <a:gs pos="0">
               <a:schemeClr val="phClr">
-                <a:satMod val="103000"/>
-                <a:lumMod val="102000"/>
-                <a:tint val="94000"/>
+                <a:shade val="51000"/>
+                <a:satMod val="130000"/>
               </a:schemeClr>
             </a:gs>
-            <a:gs pos="50000">
+            <a:gs pos="80000">
               <a:schemeClr val="phClr">
-                <a:satMod val="110000"/>
-                <a:lumMod val="100000"/>
-                <a:shade val="100000"/>
+                <a:shade val="93000"/>
+                <a:satMod val="130000"/>
               </a:schemeClr>
             </a:gs>
             <a:gs pos="100000">
               <a:schemeClr val="phClr">
-                <a:lumMod val="99000"/>
-                <a:satMod val="120000"/>
-                <a:shade val="78000"/>
+                <a:shade val="94000"/>
+                <a:satMod val="135000"/>
               </a:schemeClr>
             </a:gs>
           </a:gsLst>
-          <a:lin ang="5400000" scaled="0"/>
+          <a:lin ang="16200000" scaled="0"/>
         </a:gradFill>
       </a:fillStyleLst>
       <a:lnStyleLst>
-        <a:ln w="6350" cap="flat" cmpd="sng" algn="ctr">
+        <a:ln w="9525" cap="flat" cmpd="sng" algn="ctr">
+          <a:solidFill>
+            <a:schemeClr val="phClr">
+              <a:shade val="95000"/>
+              <a:satMod val="105000"/>
+            </a:schemeClr>
+          </a:solidFill>
+          <a:prstDash val="solid"/>
+        </a:ln>
+        <a:ln w="25400" cap="flat" cmpd="sng" algn="ctr">
           <a:solidFill>
             <a:schemeClr val="phClr"/>
           </a:solidFill>
           <a:prstDash val="solid"/>
-          <a:miter lim="800000"/>
         </a:ln>
-        <a:ln w="12700" cap="flat" cmpd="sng" algn="ctr">
+        <a:ln w="38100" cap="flat" cmpd="sng" algn="ctr">
           <a:solidFill>
             <a:schemeClr val="phClr"/>
           </a:solidFill>
           <a:prstDash val="solid"/>
-          <a:miter lim="800000"/>
-        </a:ln>
-        <a:ln w="19050" cap="flat" cmpd="sng" algn="ctr">
-          <a:solidFill>
-            <a:schemeClr val="phClr"/>
-          </a:solidFill>
-          <a:prstDash val="solid"/>
-          <a:miter lim="800000"/>
         </a:ln>
       </a:lnStyleLst>
       <a:effectStyleLst>
         <a:effectStyle>
-          <a:effectLst/>
-        </a:effectStyle>
-        <a:effectStyle>
-          <a:effectLst/>
+          <a:effectLst>
+            <a:outerShdw blurRad="40000" dist="20000" dir="5400000" rotWithShape="0">
+              <a:srgbClr val="000000">
+                <a:alpha val="38000"/>
+              </a:srgbClr>
+            </a:outerShdw>
+          </a:effectLst>
         </a:effectStyle>
         <a:effectStyle>
           <a:effectLst>
-            <a:outerShdw blurRad="57150" dist="19050" dir="5400000" algn="ctr" rotWithShape="0">
+            <a:outerShdw blurRad="40000" dist="23000" dir="5400000" rotWithShape="0">
               <a:srgbClr val="000000">
-                <a:alpha val="63000"/>
+                <a:alpha val="35000"/>
               </a:srgbClr>
             </a:outerShdw>
           </a:effectLst>
+        </a:effectStyle>
+        <a:effectStyle>
+          <a:effectLst>
+            <a:outerShdw blurRad="40000" dist="23000" dir="5400000" rotWithShape="0">
+              <a:srgbClr val="000000">
+                <a:alpha val="35000"/>
+              </a:srgbClr>
+            </a:outerShdw>
+          </a:effectLst>
+          <a:scene3d>
+            <a:camera prst="orthographicFront">
+              <a:rot lat="0" lon="0" rev="0"/>
+            </a:camera>
+            <a:lightRig rig="threePt" dir="t">
+              <a:rot lat="0" lon="0" rev="1200000"/>
+            </a:lightRig>
+          </a:scene3d>
+          <a:sp3d>
+            <a:bevelT w="63500" h="25400"/>
+          </a:sp3d>
         </a:effectStyle>
       </a:effectStyleLst>
       <a:bgFillStyleLst>
         <a:solidFill>
           <a:schemeClr val="phClr"/>
         </a:solidFill>
-        <a:solidFill>
-          <a:schemeClr val="phClr">
-            <a:tint val="95000"/>
-            <a:satMod val="170000"/>
-          </a:schemeClr>
-        </a:solidFill>
         <a:gradFill rotWithShape="1">
           <a:gsLst>
             <a:gs pos="0">
               <a:schemeClr val="phClr">
-                <a:tint val="93000"/>
-                <a:satMod val="150000"/>
-                <a:shade val="98000"/>
-                <a:lumMod val="102000"/>
+                <a:tint val="40000"/>
+                <a:satMod val="350000"/>
               </a:schemeClr>
             </a:gs>
-            <a:gs pos="50000">
+            <a:gs pos="40000">
               <a:schemeClr val="phClr">
-                <a:tint val="98000"/>
-                <a:satMod val="130000"/>
-                <a:shade val="90000"/>
-                <a:lumMod val="103000"/>
+                <a:tint val="45000"/>
+                <a:shade val="99000"/>
+                <a:satMod val="350000"/>
               </a:schemeClr>
             </a:gs>
             <a:gs pos="100000">
               <a:schemeClr val="phClr">
-                <a:shade val="63000"/>
-                <a:satMod val="120000"/>
+                <a:shade val="20000"/>
+                <a:satMod val="255000"/>
               </a:schemeClr>
             </a:gs>
           </a:gsLst>
-          <a:lin ang="5400000" scaled="0"/>
+          <a:path path="circle">
+            <a:fillToRect l="50000" t="-80000" r="50000" b="180000"/>
+          </a:path>
+        </a:gradFill>
+        <a:gradFill rotWithShape="1">
+          <a:gsLst>
+            <a:gs pos="0">
+              <a:schemeClr val="phClr">
+                <a:tint val="80000"/>
+                <a:satMod val="300000"/>
+              </a:schemeClr>
+            </a:gs>
+            <a:gs pos="100000">
+              <a:schemeClr val="phClr">
+                <a:shade val="30000"/>
+                <a:satMod val="200000"/>
+              </a:schemeClr>
+            </a:gs>
+          </a:gsLst>
+          <a:path path="circle">
+            <a:fillToRect l="50000" t="50000" r="50000" b="50000"/>
+          </a:path>
         </a:gradFill>
       </a:bgFillStyleLst>
     </a:fmtScheme>
   </a:themeElements>
   <a:objectDefaults/>
   <a:extraClrSchemeLst/>
-  <a:extLst>
-    <a:ext uri="{05A4C25C-085E-4340-85A3-A5531E510DB2}">
-      <thm15:themeFamily xmlns:thm15="http://schemas.microsoft.com/office/thememl/2012/main" name="Office Theme" id="{62F939B6-93AF-4DB8-9C6B-D6C7DFDC589F}" vid="{4A3C46E8-61CC-4603-A589-7422A47A8E4A}"/>
-    </a:ext>
-  </a:extLst>
+</a:theme>
+</file>
+
+<file path=ppt/theme/theme2.xml><?xml version="1.0" encoding="utf-8"?>
+<a:theme xmlns:a="http://schemas.openxmlformats.org/drawingml/2006/main" name="Office Theme">
+  <a:themeElements>
+    <a:clrScheme name="Office">
+      <a:dk1>
+        <a:sysClr val="windowText" lastClr="000000"/>
+      </a:dk1>
+      <a:lt1>
+        <a:sysClr val="window" lastClr="FFFFFF"/>
+      </a:lt1>
+      <a:dk2>
+        <a:srgbClr val="1F497D"/>
+      </a:dk2>
+      <a:lt2>
+        <a:srgbClr val="EEECE1"/>
+      </a:lt2>
+      <a:accent1>
+        <a:srgbClr val="4F81BD"/>
+      </a:accent1>
+      <a:accent2>
+        <a:srgbClr val="C0504D"/>
+      </a:accent2>
+      <a:accent3>
+        <a:srgbClr val="9BBB59"/>
+      </a:accent3>
+      <a:accent4>
+        <a:srgbClr val="8064A2"/>
+      </a:accent4>
+      <a:accent5>
+        <a:srgbClr val="4BACC6"/>
+      </a:accent5>
+      <a:accent6>
+        <a:srgbClr val="F79646"/>
+      </a:accent6>
+      <a:hlink>
+        <a:srgbClr val="0000FF"/>
+      </a:hlink>
+      <a:folHlink>
+        <a:srgbClr val="800080"/>
+      </a:folHlink>
+    </a:clrScheme>
+    <a:fontScheme name="Office">
+      <a:majorFont>
+        <a:latin typeface="Calibri"/>
+        <a:ea typeface=""/>
+        <a:cs typeface=""/>
+        <a:font script="Jpan" typeface="ＭＳ Ｐゴシック"/>
+        <a:font script="Hang" typeface="맑은 고딕"/>
+        <a:font script="Hans" typeface="宋体"/>
+        <a:font script="Hant" typeface="新細明體"/>
+        <a:font script="Arab" typeface="Times New Roman"/>
+        <a:font script="Hebr" typeface="Times New Roman"/>
+        <a:font script="Thai" typeface="Angsana New"/>
+        <a:font script="Ethi" typeface="Nyala"/>
+        <a:font script="Beng" typeface="Vrinda"/>
+        <a:font script="Gujr" typeface="Shruti"/>
+        <a:font script="Khmr" typeface="MoolBoran"/>
+        <a:font script="Knda" typeface="Tunga"/>
+        <a:font script="Guru" typeface="Raavi"/>
+        <a:font script="Cans" typeface="Euphemia"/>
+        <a:font script="Cher" typeface="Plantagenet Cherokee"/>
+        <a:font script="Yiii" typeface="Microsoft Yi Baiti"/>
+        <a:font script="Tibt" typeface="Microsoft Himalaya"/>
+        <a:font script="Thaa" typeface="MV Boli"/>
+        <a:font script="Deva" typeface="Mangal"/>
+        <a:font script="Telu" typeface="Gautami"/>
+        <a:font script="Taml" typeface="Latha"/>
+        <a:font script="Syrc" typeface="Estrangelo Edessa"/>
+        <a:font script="Orya" typeface="Kalinga"/>
+        <a:font script="Mlym" typeface="Kartika"/>
+        <a:font script="Laoo" typeface="DokChampa"/>
+        <a:font script="Sinh" typeface="Iskoola Pota"/>
+        <a:font script="Mong" typeface="Mongolian Baiti"/>
+        <a:font script="Viet" typeface="Times New Roman"/>
+        <a:font script="Uigh" typeface="Microsoft Uighur"/>
+        <a:font script="Geor" typeface="Sylfaen"/>
+      </a:majorFont>
+      <a:minorFont>
+        <a:latin typeface="Calibri"/>
+        <a:ea typeface=""/>
+        <a:cs typeface=""/>
+        <a:font script="Jpan" typeface="ＭＳ Ｐゴシック"/>
+        <a:font script="Hang" typeface="맑은 고딕"/>
+        <a:font script="Hans" typeface="宋体"/>
+        <a:font script="Hant" typeface="新細明體"/>
+        <a:font script="Arab" typeface="Arial"/>
+        <a:font script="Hebr" typeface="Arial"/>
+        <a:font script="Thai" typeface="Cordia New"/>
+        <a:font script="Ethi" typeface="Nyala"/>
+        <a:font script="Beng" typeface="Vrinda"/>
+        <a:font script="Gujr" typeface="Shruti"/>
+        <a:font script="Khmr" typeface="DaunPenh"/>
+        <a:font script="Knda" typeface="Tunga"/>
+        <a:font script="Guru" typeface="Raavi"/>
+        <a:font script="Cans" typeface="Euphemia"/>
+        <a:font script="Cher" typeface="Plantagenet Cherokee"/>
+        <a:font script="Yiii" typeface="Microsoft Yi Baiti"/>
+        <a:font script="Tibt" typeface="Microsoft Himalaya"/>
+        <a:font script="Thaa" typeface="MV Boli"/>
+        <a:font script="Deva" typeface="Mangal"/>
+        <a:font script="Telu" typeface="Gautami"/>
+        <a:font script="Taml" typeface="Latha"/>
+        <a:font script="Syrc" typeface="Estrangelo Edessa"/>
+        <a:font script="Orya" typeface="Kalinga"/>
+        <a:font script="Mlym" typeface="Kartika"/>
+        <a:font script="Laoo" typeface="DokChampa"/>
+        <a:font script="Sinh" typeface="Iskoola Pota"/>
+        <a:font script="Mong" typeface="Mongolian Baiti"/>
+        <a:font script="Viet" typeface="Arial"/>
+        <a:font script="Uigh" typeface="Microsoft Uighur"/>
+        <a:font script="Geor" typeface="Sylfaen"/>
+      </a:minorFont>
+    </a:fontScheme>
+    <a:fmtScheme name="Office">
+      <a:fillStyleLst>
+        <a:solidFill>
+          <a:schemeClr val="phClr"/>
+        </a:solidFill>
+        <a:gradFill rotWithShape="1">
+          <a:gsLst>
+            <a:gs pos="0">
+              <a:schemeClr val="phClr">
+                <a:tint val="50000"/>
+                <a:satMod val="300000"/>
+              </a:schemeClr>
+            </a:gs>
+            <a:gs pos="35000">
+              <a:schemeClr val="phClr">
+                <a:tint val="37000"/>
+                <a:satMod val="300000"/>
+              </a:schemeClr>
+            </a:gs>
+            <a:gs pos="100000">
+              <a:schemeClr val="phClr">
+                <a:tint val="15000"/>
+                <a:satMod val="350000"/>
+              </a:schemeClr>
+            </a:gs>
+          </a:gsLst>
+          <a:lin ang="16200000" scaled="1"/>
+        </a:gradFill>
+        <a:gradFill rotWithShape="1">
+          <a:gsLst>
+            <a:gs pos="0">
+              <a:schemeClr val="phClr">
+                <a:shade val="51000"/>
+                <a:satMod val="130000"/>
+              </a:schemeClr>
+            </a:gs>
+            <a:gs pos="80000">
+              <a:schemeClr val="phClr">
+                <a:shade val="93000"/>
+                <a:satMod val="130000"/>
+              </a:schemeClr>
+            </a:gs>
+            <a:gs pos="100000">
+              <a:schemeClr val="phClr">
+                <a:shade val="94000"/>
+                <a:satMod val="135000"/>
+              </a:schemeClr>
+            </a:gs>
+          </a:gsLst>
+          <a:lin ang="16200000" scaled="0"/>
+        </a:gradFill>
+      </a:fillStyleLst>
+      <a:lnStyleLst>
+        <a:ln w="9525" cap="flat" cmpd="sng" algn="ctr">
+          <a:solidFill>
+            <a:schemeClr val="phClr">
+              <a:shade val="95000"/>
+              <a:satMod val="105000"/>
+            </a:schemeClr>
+          </a:solidFill>
+          <a:prstDash val="solid"/>
+        </a:ln>
+        <a:ln w="25400" cap="flat" cmpd="sng" algn="ctr">
+          <a:solidFill>
+            <a:schemeClr val="phClr"/>
+          </a:solidFill>
+          <a:prstDash val="solid"/>
+        </a:ln>
+        <a:ln w="38100" cap="flat" cmpd="sng" algn="ctr">
+          <a:solidFill>
+            <a:schemeClr val="phClr"/>
+          </a:solidFill>
+          <a:prstDash val="solid"/>
+        </a:ln>
+      </a:lnStyleLst>
+      <a:effectStyleLst>
+        <a:effectStyle>
+          <a:effectLst>
+            <a:outerShdw blurRad="40000" dist="20000" dir="5400000" rotWithShape="0">
+              <a:srgbClr val="000000">
+                <a:alpha val="38000"/>
+              </a:srgbClr>
+            </a:outerShdw>
+          </a:effectLst>
+        </a:effectStyle>
+        <a:effectStyle>
+          <a:effectLst>
+            <a:outerShdw blurRad="40000" dist="23000" dir="5400000" rotWithShape="0">
+              <a:srgbClr val="000000">
+                <a:alpha val="35000"/>
+              </a:srgbClr>
+            </a:outerShdw>
+          </a:effectLst>
+        </a:effectStyle>
+        <a:effectStyle>
+          <a:effectLst>
+            <a:outerShdw blurRad="40000" dist="23000" dir="5400000" rotWithShape="0">
+              <a:srgbClr val="000000">
+                <a:alpha val="35000"/>
+              </a:srgbClr>
+            </a:outerShdw>
+          </a:effectLst>
+          <a:scene3d>
+            <a:camera prst="orthographicFront">
+              <a:rot lat="0" lon="0" rev="0"/>
+            </a:camera>
+            <a:lightRig rig="threePt" dir="t">
+              <a:rot lat="0" lon="0" rev="1200000"/>
+            </a:lightRig>
+          </a:scene3d>
+          <a:sp3d>
+            <a:bevelT w="63500" h="25400"/>
+          </a:sp3d>
+        </a:effectStyle>
+      </a:effectStyleLst>
+      <a:bgFillStyleLst>
+        <a:solidFill>
+          <a:schemeClr val="phClr"/>
+        </a:solidFill>
+        <a:gradFill rotWithShape="1">
+          <a:gsLst>
+            <a:gs pos="0">
+              <a:schemeClr val="phClr">
+                <a:tint val="40000"/>
+                <a:satMod val="350000"/>
+              </a:schemeClr>
+            </a:gs>
+            <a:gs pos="40000">
+              <a:schemeClr val="phClr">
+                <a:tint val="45000"/>
+                <a:shade val="99000"/>
+                <a:satMod val="350000"/>
+              </a:schemeClr>
+            </a:gs>
+            <a:gs pos="100000">
+              <a:schemeClr val="phClr">
+                <a:shade val="20000"/>
+                <a:satMod val="255000"/>
+              </a:schemeClr>
+            </a:gs>
+          </a:gsLst>
+          <a:path path="circle">
+            <a:fillToRect l="50000" t="-80000" r="50000" b="180000"/>
+          </a:path>
+        </a:gradFill>
+        <a:gradFill rotWithShape="1">
+          <a:gsLst>
+            <a:gs pos="0">
+              <a:schemeClr val="phClr">
+                <a:tint val="80000"/>
+                <a:satMod val="300000"/>
+              </a:schemeClr>
+            </a:gs>
+            <a:gs pos="100000">
+              <a:schemeClr val="phClr">
+                <a:shade val="30000"/>
+                <a:satMod val="200000"/>
+              </a:schemeClr>
+            </a:gs>
+          </a:gsLst>
+          <a:path path="circle">
+            <a:fillToRect l="50000" t="50000" r="50000" b="50000"/>
+          </a:path>
+        </a:gradFill>
+      </a:bgFillStyleLst>
+    </a:fmtScheme>
+  </a:themeElements>
+  <a:objectDefaults/>
+  <a:extraClrSchemeLst/>
 </a:theme>
 </file>